--- a/Javier Nuno PSW - Guided Capstone.pptx
+++ b/Javier Nuno PSW - Guided Capstone.pptx
@@ -2,7 +2,7 @@
 <file path=ppt/presentation.xml><?xml version="1.0" encoding="utf-8"?>
 <p:presentation xmlns:a="http://schemas.openxmlformats.org/drawingml/2006/main" xmlns:r="http://schemas.openxmlformats.org/officeDocument/2006/relationships" xmlns:p="http://schemas.openxmlformats.org/presentationml/2006/main" strictFirstAndLastChars="0" saveSubsetFonts="1" autoCompressPictures="0">
   <p:sldMasterIdLst>
-    <p:sldMasterId id="2147483648" r:id="rId1"/>
+    <p:sldMasterId id="2147483650" r:id="rId1"/>
   </p:sldMasterIdLst>
   <p:notesMasterIdLst>
     <p:notesMasterId r:id="rId3"/>
@@ -13,231 +13,97 @@
   <p:sldSz cx="9144000" cy="6858000" type="screen4x3"/>
   <p:notesSz cx="6858000" cy="9144000"/>
   <p:defaultTextStyle>
-    <a:defPPr marR="0" lvl="0" algn="l" rtl="0">
-      <a:lnSpc>
-        <a:spcPct val="100000"/>
-      </a:lnSpc>
-      <a:spcBef>
-        <a:spcPts val="0"/>
-      </a:spcBef>
-      <a:spcAft>
-        <a:spcPts val="0"/>
-      </a:spcAft>
+    <a:defPPr>
+      <a:defRPr lang="en-US"/>
     </a:defPPr>
-    <a:lvl1pPr marR="0" lvl="0" algn="l" rtl="0">
-      <a:lnSpc>
-        <a:spcPct val="100000"/>
-      </a:lnSpc>
-      <a:spcBef>
-        <a:spcPts val="0"/>
-      </a:spcBef>
-      <a:spcAft>
-        <a:spcPts val="0"/>
-      </a:spcAft>
-      <a:buClr>
-        <a:srgbClr val="000000"/>
-      </a:buClr>
-      <a:buFont typeface="Arial"/>
-      <a:defRPr sz="1400" b="0" i="0" u="none" strike="noStrike" cap="none">
+    <a:lvl1pPr marL="0" algn="l" defTabSz="457200" rtl="0" eaLnBrk="1" latinLnBrk="0" hangingPunct="1">
+      <a:defRPr sz="1800" kern="1200">
         <a:solidFill>
-          <a:srgbClr val="000000"/>
+          <a:schemeClr val="tx1"/>
         </a:solidFill>
-        <a:latin typeface="Arial"/>
-        <a:ea typeface="Arial"/>
-        <a:cs typeface="Arial"/>
-        <a:sym typeface="Arial"/>
+        <a:latin typeface="+mn-lt"/>
+        <a:ea typeface="+mn-ea"/>
+        <a:cs typeface="+mn-cs"/>
       </a:defRPr>
     </a:lvl1pPr>
-    <a:lvl2pPr marR="0" lvl="1" algn="l" rtl="0">
-      <a:lnSpc>
-        <a:spcPct val="100000"/>
-      </a:lnSpc>
-      <a:spcBef>
-        <a:spcPts val="0"/>
-      </a:spcBef>
-      <a:spcAft>
-        <a:spcPts val="0"/>
-      </a:spcAft>
-      <a:buClr>
-        <a:srgbClr val="000000"/>
-      </a:buClr>
-      <a:buFont typeface="Arial"/>
-      <a:defRPr sz="1400" b="0" i="0" u="none" strike="noStrike" cap="none">
+    <a:lvl2pPr marL="457200" algn="l" defTabSz="457200" rtl="0" eaLnBrk="1" latinLnBrk="0" hangingPunct="1">
+      <a:defRPr sz="1800" kern="1200">
         <a:solidFill>
-          <a:srgbClr val="000000"/>
+          <a:schemeClr val="tx1"/>
         </a:solidFill>
-        <a:latin typeface="Arial"/>
-        <a:ea typeface="Arial"/>
-        <a:cs typeface="Arial"/>
-        <a:sym typeface="Arial"/>
+        <a:latin typeface="+mn-lt"/>
+        <a:ea typeface="+mn-ea"/>
+        <a:cs typeface="+mn-cs"/>
       </a:defRPr>
     </a:lvl2pPr>
-    <a:lvl3pPr marR="0" lvl="2" algn="l" rtl="0">
-      <a:lnSpc>
-        <a:spcPct val="100000"/>
-      </a:lnSpc>
-      <a:spcBef>
-        <a:spcPts val="0"/>
-      </a:spcBef>
-      <a:spcAft>
-        <a:spcPts val="0"/>
-      </a:spcAft>
-      <a:buClr>
-        <a:srgbClr val="000000"/>
-      </a:buClr>
-      <a:buFont typeface="Arial"/>
-      <a:defRPr sz="1400" b="0" i="0" u="none" strike="noStrike" cap="none">
+    <a:lvl3pPr marL="914400" algn="l" defTabSz="457200" rtl="0" eaLnBrk="1" latinLnBrk="0" hangingPunct="1">
+      <a:defRPr sz="1800" kern="1200">
         <a:solidFill>
-          <a:srgbClr val="000000"/>
+          <a:schemeClr val="tx1"/>
         </a:solidFill>
-        <a:latin typeface="Arial"/>
-        <a:ea typeface="Arial"/>
-        <a:cs typeface="Arial"/>
-        <a:sym typeface="Arial"/>
+        <a:latin typeface="+mn-lt"/>
+        <a:ea typeface="+mn-ea"/>
+        <a:cs typeface="+mn-cs"/>
       </a:defRPr>
     </a:lvl3pPr>
-    <a:lvl4pPr marR="0" lvl="3" algn="l" rtl="0">
-      <a:lnSpc>
-        <a:spcPct val="100000"/>
-      </a:lnSpc>
-      <a:spcBef>
-        <a:spcPts val="0"/>
-      </a:spcBef>
-      <a:spcAft>
-        <a:spcPts val="0"/>
-      </a:spcAft>
-      <a:buClr>
-        <a:srgbClr val="000000"/>
-      </a:buClr>
-      <a:buFont typeface="Arial"/>
-      <a:defRPr sz="1400" b="0" i="0" u="none" strike="noStrike" cap="none">
+    <a:lvl4pPr marL="1371600" algn="l" defTabSz="457200" rtl="0" eaLnBrk="1" latinLnBrk="0" hangingPunct="1">
+      <a:defRPr sz="1800" kern="1200">
         <a:solidFill>
-          <a:srgbClr val="000000"/>
+          <a:schemeClr val="tx1"/>
         </a:solidFill>
-        <a:latin typeface="Arial"/>
-        <a:ea typeface="Arial"/>
-        <a:cs typeface="Arial"/>
-        <a:sym typeface="Arial"/>
+        <a:latin typeface="+mn-lt"/>
+        <a:ea typeface="+mn-ea"/>
+        <a:cs typeface="+mn-cs"/>
       </a:defRPr>
     </a:lvl4pPr>
-    <a:lvl5pPr marR="0" lvl="4" algn="l" rtl="0">
-      <a:lnSpc>
-        <a:spcPct val="100000"/>
-      </a:lnSpc>
-      <a:spcBef>
-        <a:spcPts val="0"/>
-      </a:spcBef>
-      <a:spcAft>
-        <a:spcPts val="0"/>
-      </a:spcAft>
-      <a:buClr>
-        <a:srgbClr val="000000"/>
-      </a:buClr>
-      <a:buFont typeface="Arial"/>
-      <a:defRPr sz="1400" b="0" i="0" u="none" strike="noStrike" cap="none">
+    <a:lvl5pPr marL="1828800" algn="l" defTabSz="457200" rtl="0" eaLnBrk="1" latinLnBrk="0" hangingPunct="1">
+      <a:defRPr sz="1800" kern="1200">
         <a:solidFill>
-          <a:srgbClr val="000000"/>
+          <a:schemeClr val="tx1"/>
         </a:solidFill>
-        <a:latin typeface="Arial"/>
-        <a:ea typeface="Arial"/>
-        <a:cs typeface="Arial"/>
-        <a:sym typeface="Arial"/>
+        <a:latin typeface="+mn-lt"/>
+        <a:ea typeface="+mn-ea"/>
+        <a:cs typeface="+mn-cs"/>
       </a:defRPr>
     </a:lvl5pPr>
-    <a:lvl6pPr marR="0" lvl="5" algn="l" rtl="0">
-      <a:lnSpc>
-        <a:spcPct val="100000"/>
-      </a:lnSpc>
-      <a:spcBef>
-        <a:spcPts val="0"/>
-      </a:spcBef>
-      <a:spcAft>
-        <a:spcPts val="0"/>
-      </a:spcAft>
-      <a:buClr>
-        <a:srgbClr val="000000"/>
-      </a:buClr>
-      <a:buFont typeface="Arial"/>
-      <a:defRPr sz="1400" b="0" i="0" u="none" strike="noStrike" cap="none">
+    <a:lvl6pPr marL="2286000" algn="l" defTabSz="457200" rtl="0" eaLnBrk="1" latinLnBrk="0" hangingPunct="1">
+      <a:defRPr sz="1800" kern="1200">
         <a:solidFill>
-          <a:srgbClr val="000000"/>
+          <a:schemeClr val="tx1"/>
         </a:solidFill>
-        <a:latin typeface="Arial"/>
-        <a:ea typeface="Arial"/>
-        <a:cs typeface="Arial"/>
-        <a:sym typeface="Arial"/>
+        <a:latin typeface="+mn-lt"/>
+        <a:ea typeface="+mn-ea"/>
+        <a:cs typeface="+mn-cs"/>
       </a:defRPr>
     </a:lvl6pPr>
-    <a:lvl7pPr marR="0" lvl="6" algn="l" rtl="0">
-      <a:lnSpc>
-        <a:spcPct val="100000"/>
-      </a:lnSpc>
-      <a:spcBef>
-        <a:spcPts val="0"/>
-      </a:spcBef>
-      <a:spcAft>
-        <a:spcPts val="0"/>
-      </a:spcAft>
-      <a:buClr>
-        <a:srgbClr val="000000"/>
-      </a:buClr>
-      <a:buFont typeface="Arial"/>
-      <a:defRPr sz="1400" b="0" i="0" u="none" strike="noStrike" cap="none">
+    <a:lvl7pPr marL="2743200" algn="l" defTabSz="457200" rtl="0" eaLnBrk="1" latinLnBrk="0" hangingPunct="1">
+      <a:defRPr sz="1800" kern="1200">
         <a:solidFill>
-          <a:srgbClr val="000000"/>
+          <a:schemeClr val="tx1"/>
         </a:solidFill>
-        <a:latin typeface="Arial"/>
-        <a:ea typeface="Arial"/>
-        <a:cs typeface="Arial"/>
-        <a:sym typeface="Arial"/>
+        <a:latin typeface="+mn-lt"/>
+        <a:ea typeface="+mn-ea"/>
+        <a:cs typeface="+mn-cs"/>
       </a:defRPr>
     </a:lvl7pPr>
-    <a:lvl8pPr marR="0" lvl="7" algn="l" rtl="0">
-      <a:lnSpc>
-        <a:spcPct val="100000"/>
-      </a:lnSpc>
-      <a:spcBef>
-        <a:spcPts val="0"/>
-      </a:spcBef>
-      <a:spcAft>
-        <a:spcPts val="0"/>
-      </a:spcAft>
-      <a:buClr>
-        <a:srgbClr val="000000"/>
-      </a:buClr>
-      <a:buFont typeface="Arial"/>
-      <a:defRPr sz="1400" b="0" i="0" u="none" strike="noStrike" cap="none">
+    <a:lvl8pPr marL="3200400" algn="l" defTabSz="457200" rtl="0" eaLnBrk="1" latinLnBrk="0" hangingPunct="1">
+      <a:defRPr sz="1800" kern="1200">
         <a:solidFill>
-          <a:srgbClr val="000000"/>
+          <a:schemeClr val="tx1"/>
         </a:solidFill>
-        <a:latin typeface="Arial"/>
-        <a:ea typeface="Arial"/>
-        <a:cs typeface="Arial"/>
-        <a:sym typeface="Arial"/>
+        <a:latin typeface="+mn-lt"/>
+        <a:ea typeface="+mn-ea"/>
+        <a:cs typeface="+mn-cs"/>
       </a:defRPr>
     </a:lvl8pPr>
-    <a:lvl9pPr marR="0" lvl="8" algn="l" rtl="0">
-      <a:lnSpc>
-        <a:spcPct val="100000"/>
-      </a:lnSpc>
-      <a:spcBef>
-        <a:spcPts val="0"/>
-      </a:spcBef>
-      <a:spcAft>
-        <a:spcPts val="0"/>
-      </a:spcAft>
-      <a:buClr>
-        <a:srgbClr val="000000"/>
-      </a:buClr>
-      <a:buFont typeface="Arial"/>
-      <a:defRPr sz="1400" b="0" i="0" u="none" strike="noStrike" cap="none">
+    <a:lvl9pPr marL="3657600" algn="l" defTabSz="457200" rtl="0" eaLnBrk="1" latinLnBrk="0" hangingPunct="1">
+      <a:defRPr sz="1800" kern="1200">
         <a:solidFill>
-          <a:srgbClr val="000000"/>
+          <a:schemeClr val="tx1"/>
         </a:solidFill>
-        <a:latin typeface="Arial"/>
-        <a:ea typeface="Arial"/>
-        <a:cs typeface="Arial"/>
-        <a:sym typeface="Arial"/>
+        <a:latin typeface="+mn-lt"/>
+        <a:ea typeface="+mn-ea"/>
+        <a:cs typeface="+mn-cs"/>
       </a:defRPr>
     </a:lvl9pPr>
   </p:defaultTextStyle>
@@ -257,7 +123,7 @@
       </p15:sldGuideLst>
     </p:ext>
     <p:ext uri="http://customooxmlschemas.google.com/">
-      <go:slidesCustomData xmlns="" xmlns:mc="http://schemas.openxmlformats.org/markup-compatibility/2006" xmlns:mv="urn:schemas-microsoft-com:mac:vml" xmlns:c="http://schemas.openxmlformats.org/drawingml/2006/chart" xmlns:dgm="http://schemas.openxmlformats.org/drawingml/2006/diagram" xmlns:o="urn:schemas-microsoft-com:office:office" xmlns:v="urn:schemas-microsoft-com:vml" xmlns:pvml="urn:schemas-microsoft-com:office:powerpoint" xmlns:com="http://schemas.openxmlformats.org/drawingml/2006/compatibility" xmlns:p14="http://schemas.microsoft.com/office/powerpoint/2010/main" xmlns:p15="http://schemas.microsoft.com/office/powerpoint/2012/main" xmlns:go="http://customooxmlschemas.google.com/" r:id="rId7" roundtripDataSignature="AMtx7mjdo7FECp685JsX7/4pIVeoAktjNA=="/>
+      <go:slidesCustomData xmlns:go="http://customooxmlschemas.google.com/" xmlns:p15="http://schemas.microsoft.com/office/powerpoint/2012/main" xmlns:p14="http://schemas.microsoft.com/office/powerpoint/2010/main" xmlns:com="http://schemas.openxmlformats.org/drawingml/2006/compatibility" xmlns:pvml="urn:schemas-microsoft-com:office:powerpoint" xmlns:v="urn:schemas-microsoft-com:vml" xmlns:o="urn:schemas-microsoft-com:office:office" xmlns:dgm="http://schemas.openxmlformats.org/drawingml/2006/diagram" xmlns:c="http://schemas.openxmlformats.org/drawingml/2006/chart" xmlns:mv="urn:schemas-microsoft-com:mac:vml" xmlns:mc="http://schemas.openxmlformats.org/markup-compatibility/2006" xmlns="" r:id="rId12" roundtripDataSignature="AMtx7mjdo7FECp685JsX7/4pIVeoAktjNA=="/>
     </p:ext>
   </p:extLst>
 </p:presentation>
@@ -1869,358 +1735,6 @@
           </a:bodyPr>
           <a:lstStyle/>
           <a:p>
-            <a:pPr marL="0" marR="0" lvl="0" indent="0" algn="l" rtl="0">
-              <a:lnSpc>
-                <a:spcPct val="100000"/>
-              </a:lnSpc>
-              <a:spcBef>
-                <a:spcPts val="0"/>
-              </a:spcBef>
-              <a:spcAft>
-                <a:spcPts val="0"/>
-              </a:spcAft>
-              <a:buClr>
-                <a:srgbClr val="000000"/>
-              </a:buClr>
-              <a:buSzPts val="1400"/>
-              <a:buFont typeface="Arial"/>
-              <a:buNone/>
-            </a:pPr>
-            <a:r>
-              <a:rPr lang="en-AU" b="1" dirty="0"/>
-              <a:t>Hypothesis: </a:t>
-            </a:r>
-            <a:r>
-              <a:rPr lang="en-AU" sz="1200" b="0" i="1" u="none" strike="noStrike" cap="none" dirty="0">
-                <a:solidFill>
-                  <a:srgbClr val="000000"/>
-                </a:solidFill>
-                <a:latin typeface="Arial"/>
-                <a:ea typeface="Arial"/>
-                <a:cs typeface="Arial"/>
-                <a:sym typeface="Arial"/>
-              </a:rPr>
-              <a:t>Create a Hypothesis with an emphasis on SMART principles. </a:t>
-            </a:r>
-            <a:r>
-              <a:rPr lang="en-AU" sz="1200" b="1" i="1" u="none" strike="noStrike" cap="none" dirty="0">
-                <a:solidFill>
-                  <a:srgbClr val="000000"/>
-                </a:solidFill>
-                <a:latin typeface="Arial"/>
-                <a:ea typeface="Arial"/>
-                <a:cs typeface="Arial"/>
-                <a:sym typeface="Arial"/>
-              </a:rPr>
-              <a:t>(</a:t>
-            </a:r>
-            <a:r>
-              <a:rPr lang="en-AU" sz="1200" b="1" i="1" dirty="0"/>
-              <a:t>S – Specific, M – Measurable, A – Achievable, R – Realistic, T – Timebound). </a:t>
-            </a:r>
-            <a:r>
-              <a:rPr lang="en-AU" sz="1200" b="0" i="0" dirty="0"/>
-              <a:t>If you cannot do this, you </a:t>
-            </a:r>
-            <a:r>
-              <a:rPr lang="en-AU" sz="1200" b="1" i="0" dirty="0"/>
-              <a:t>do not</a:t>
-            </a:r>
-            <a:r>
-              <a:rPr lang="en-AU" sz="1200" b="0" i="0" dirty="0"/>
-              <a:t> have a good grasp on the business problem.</a:t>
-            </a:r>
-            <a:endParaRPr b="1" dirty="0"/>
-          </a:p>
-          <a:p>
-            <a:pPr marL="0" lvl="0" indent="0" algn="l" rtl="0">
-              <a:lnSpc>
-                <a:spcPct val="100000"/>
-              </a:lnSpc>
-              <a:spcBef>
-                <a:spcPts val="0"/>
-              </a:spcBef>
-              <a:spcAft>
-                <a:spcPts val="0"/>
-              </a:spcAft>
-              <a:buSzPts val="1400"/>
-              <a:buNone/>
-            </a:pPr>
-            <a:endParaRPr dirty="0"/>
-          </a:p>
-          <a:p>
-            <a:pPr marL="0" marR="0" lvl="0" indent="0" algn="l" rtl="0">
-              <a:lnSpc>
-                <a:spcPct val="100000"/>
-              </a:lnSpc>
-              <a:spcBef>
-                <a:spcPts val="0"/>
-              </a:spcBef>
-              <a:spcAft>
-                <a:spcPts val="0"/>
-              </a:spcAft>
-              <a:buClr>
-                <a:srgbClr val="000000"/>
-              </a:buClr>
-              <a:buSzPts val="1400"/>
-              <a:buFont typeface="Arial"/>
-              <a:buNone/>
-            </a:pPr>
-            <a:r>
-              <a:rPr lang="en-AU" b="1" dirty="0"/>
-              <a:t>Context: </a:t>
-            </a:r>
-            <a:r>
-              <a:rPr lang="en-AU" sz="1200" dirty="0"/>
-              <a:t>With context, we have </a:t>
-            </a:r>
-            <a:r>
-              <a:rPr lang="en-AU" sz="1200" b="1" u="sng" dirty="0"/>
-              <a:t>clearly identified the problem at hand </a:t>
-            </a:r>
-            <a:r>
-              <a:rPr lang="en-AU" sz="1200" dirty="0"/>
-              <a:t>and have elucidated on how our initiative may solve this problem, alongside the commercial implications this will have on the business. </a:t>
-            </a:r>
-            <a:endParaRPr dirty="0"/>
-          </a:p>
-          <a:p>
-            <a:pPr marL="0" lvl="0" indent="0" algn="l" rtl="0">
-              <a:lnSpc>
-                <a:spcPct val="100000"/>
-              </a:lnSpc>
-              <a:spcBef>
-                <a:spcPts val="0"/>
-              </a:spcBef>
-              <a:spcAft>
-                <a:spcPts val="0"/>
-              </a:spcAft>
-              <a:buSzPts val="1400"/>
-              <a:buNone/>
-            </a:pPr>
-            <a:endParaRPr b="1" dirty="0"/>
-          </a:p>
-          <a:p>
-            <a:pPr marL="0" lvl="0" indent="0" algn="l" rtl="0">
-              <a:lnSpc>
-                <a:spcPct val="100000"/>
-              </a:lnSpc>
-              <a:spcBef>
-                <a:spcPts val="0"/>
-              </a:spcBef>
-              <a:spcAft>
-                <a:spcPts val="0"/>
-              </a:spcAft>
-              <a:buSzPts val="1400"/>
-              <a:buNone/>
-            </a:pPr>
-            <a:r>
-              <a:rPr lang="en-AU" b="1" dirty="0"/>
-              <a:t>Criteria for Success</a:t>
-            </a:r>
-            <a:r>
-              <a:rPr lang="en-AU" b="0" dirty="0"/>
-              <a:t>: Clearly defining the criteria for success ensures that the scope of your work is clearly defined and understood. Otherwise, if this isn’t defined – your work will never end which will result in mismatched expectations.</a:t>
-            </a:r>
-            <a:endParaRPr dirty="0"/>
-          </a:p>
-          <a:p>
-            <a:pPr marL="0" lvl="0" indent="0" algn="l" rtl="0">
-              <a:lnSpc>
-                <a:spcPct val="100000"/>
-              </a:lnSpc>
-              <a:spcBef>
-                <a:spcPts val="0"/>
-              </a:spcBef>
-              <a:spcAft>
-                <a:spcPts val="0"/>
-              </a:spcAft>
-              <a:buSzPts val="1400"/>
-              <a:buNone/>
-            </a:pPr>
-            <a:endParaRPr b="0" dirty="0"/>
-          </a:p>
-          <a:p>
-            <a:pPr marL="0" lvl="0" indent="0" algn="l" rtl="0">
-              <a:lnSpc>
-                <a:spcPct val="100000"/>
-              </a:lnSpc>
-              <a:spcBef>
-                <a:spcPts val="0"/>
-              </a:spcBef>
-              <a:spcAft>
-                <a:spcPts val="0"/>
-              </a:spcAft>
-              <a:buSzPts val="1400"/>
-              <a:buNone/>
-            </a:pPr>
-            <a:r>
-              <a:rPr lang="en-AU" b="1" dirty="0"/>
-              <a:t>Scope of Solution Space: </a:t>
-            </a:r>
-            <a:r>
-              <a:rPr lang="en-AU" b="0" dirty="0"/>
-              <a:t>Scoping out the solution space ensures that the business initiative is SPECIFIC for a certain segment or area. This prevents solutions that have been developed being scaled and applied for all other business units that the solution may not be responsible or scalable for.</a:t>
-            </a:r>
-            <a:endParaRPr dirty="0"/>
-          </a:p>
-          <a:p>
-            <a:pPr marL="0" lvl="0" indent="0" algn="l" rtl="0">
-              <a:lnSpc>
-                <a:spcPct val="100000"/>
-              </a:lnSpc>
-              <a:spcBef>
-                <a:spcPts val="0"/>
-              </a:spcBef>
-              <a:spcAft>
-                <a:spcPts val="0"/>
-              </a:spcAft>
-              <a:buSzPts val="1400"/>
-              <a:buNone/>
-            </a:pPr>
-            <a:endParaRPr b="0" dirty="0"/>
-          </a:p>
-          <a:p>
-            <a:pPr marL="0" lvl="0" indent="0" algn="l" rtl="0">
-              <a:lnSpc>
-                <a:spcPct val="100000"/>
-              </a:lnSpc>
-              <a:spcBef>
-                <a:spcPts val="0"/>
-              </a:spcBef>
-              <a:spcAft>
-                <a:spcPts val="0"/>
-              </a:spcAft>
-              <a:buSzPts val="1400"/>
-              <a:buNone/>
-            </a:pPr>
-            <a:r>
-              <a:rPr lang="en-AU" b="1" dirty="0"/>
-              <a:t>Constraints within Solution Space: </a:t>
-            </a:r>
-            <a:r>
-              <a:rPr lang="en-AU" b="0" dirty="0"/>
-              <a:t>Looking forward, what are the foreseeable problems we are likely to encounter? Could this be stakeholder resistance? Could this be we don’t have access to the right data? </a:t>
-            </a:r>
-            <a:endParaRPr dirty="0"/>
-          </a:p>
-          <a:p>
-            <a:pPr marL="0" lvl="0" indent="0" algn="l" rtl="0">
-              <a:lnSpc>
-                <a:spcPct val="100000"/>
-              </a:lnSpc>
-              <a:spcBef>
-                <a:spcPts val="0"/>
-              </a:spcBef>
-              <a:spcAft>
-                <a:spcPts val="0"/>
-              </a:spcAft>
-              <a:buSzPts val="1400"/>
-              <a:buNone/>
-            </a:pPr>
-            <a:endParaRPr b="0" dirty="0"/>
-          </a:p>
-          <a:p>
-            <a:pPr marL="0" lvl="0" indent="0" algn="l" rtl="0">
-              <a:lnSpc>
-                <a:spcPct val="100000"/>
-              </a:lnSpc>
-              <a:spcBef>
-                <a:spcPts val="0"/>
-              </a:spcBef>
-              <a:spcAft>
-                <a:spcPts val="0"/>
-              </a:spcAft>
-              <a:buSzPts val="1400"/>
-              <a:buNone/>
-            </a:pPr>
-            <a:r>
-              <a:rPr lang="en-AU" b="1" dirty="0"/>
-              <a:t>Stakeholders to provide key insight: </a:t>
-            </a:r>
-            <a:r>
-              <a:rPr lang="en-AU" b="0" dirty="0"/>
-              <a:t>Who are the people I need to speak to, to get the answers I need for my data analysis?</a:t>
-            </a:r>
-            <a:endParaRPr dirty="0"/>
-          </a:p>
-          <a:p>
-            <a:pPr marL="0" lvl="0" indent="0" algn="l" rtl="0">
-              <a:lnSpc>
-                <a:spcPct val="100000"/>
-              </a:lnSpc>
-              <a:spcBef>
-                <a:spcPts val="0"/>
-              </a:spcBef>
-              <a:spcAft>
-                <a:spcPts val="0"/>
-              </a:spcAft>
-              <a:buSzPts val="1400"/>
-              <a:buNone/>
-            </a:pPr>
-            <a:endParaRPr b="0" dirty="0"/>
-          </a:p>
-          <a:p>
-            <a:pPr marL="0" lvl="0" indent="0" algn="l" rtl="0">
-              <a:lnSpc>
-                <a:spcPct val="100000"/>
-              </a:lnSpc>
-              <a:spcBef>
-                <a:spcPts val="0"/>
-              </a:spcBef>
-              <a:spcAft>
-                <a:spcPts val="0"/>
-              </a:spcAft>
-              <a:buSzPts val="1400"/>
-              <a:buNone/>
-            </a:pPr>
-            <a:r>
-              <a:rPr lang="en-AU" b="1" dirty="0"/>
-              <a:t>What key data sources are required</a:t>
-            </a:r>
-            <a:r>
-              <a:rPr lang="en-AU" b="0" dirty="0"/>
-              <a:t>?</a:t>
-            </a:r>
-            <a:endParaRPr dirty="0"/>
-          </a:p>
-          <a:p>
-            <a:pPr marL="0" lvl="0" indent="0" algn="l" rtl="0">
-              <a:lnSpc>
-                <a:spcPct val="100000"/>
-              </a:lnSpc>
-              <a:spcBef>
-                <a:spcPts val="0"/>
-              </a:spcBef>
-              <a:spcAft>
-                <a:spcPts val="0"/>
-              </a:spcAft>
-              <a:buSzPts val="1400"/>
-              <a:buNone/>
-            </a:pPr>
-            <a:r>
-              <a:rPr lang="en-AU" b="0" dirty="0"/>
-              <a:t>Based off my discussions with the key stakeholders – can we clearly list out all the data sources we need so we can make a highly targeted request as opposed to a scatter-gun approach where we ask for a bit of everything?</a:t>
-            </a:r>
-            <a:endParaRPr dirty="0"/>
-          </a:p>
-          <a:p>
-            <a:pPr marL="0" lvl="0" indent="0" algn="l" rtl="0">
-              <a:lnSpc>
-                <a:spcPct val="100000"/>
-              </a:lnSpc>
-              <a:spcBef>
-                <a:spcPts val="0"/>
-              </a:spcBef>
-              <a:spcAft>
-                <a:spcPts val="0"/>
-              </a:spcAft>
-              <a:buSzPts val="1400"/>
-              <a:buNone/>
-            </a:pPr>
-            <a:endParaRPr b="1" dirty="0"/>
-          </a:p>
-          <a:p>
             <a:pPr marL="0" lvl="0" indent="0" algn="l" rtl="0">
               <a:lnSpc>
                 <a:spcPct val="100000"/>
@@ -2247,8 +1761,762 @@
 </file>
 
 <file path=ppt/slideLayouts/slideLayout1.xml><?xml version="1.0" encoding="utf-8"?>
+<p:sldLayout xmlns:a="http://schemas.openxmlformats.org/drawingml/2006/main" xmlns:r="http://schemas.openxmlformats.org/officeDocument/2006/relationships" xmlns:p="http://schemas.openxmlformats.org/presentationml/2006/main" showMasterSp="0" type="title" preserve="1">
+  <p:cSld name="Title Slide">
+    <p:spTree>
+      <p:nvGrpSpPr>
+        <p:cNvPr id="1" name=""/>
+        <p:cNvGrpSpPr/>
+        <p:nvPr/>
+      </p:nvGrpSpPr>
+      <p:grpSpPr>
+        <a:xfrm>
+          <a:off x="0" y="0"/>
+          <a:ext cx="0" cy="0"/>
+          <a:chOff x="0" y="0"/>
+          <a:chExt cx="0" cy="0"/>
+        </a:xfrm>
+      </p:grpSpPr>
+      <p:sp>
+        <p:nvSpPr>
+          <p:cNvPr id="7" name="Rectangle 6"/>
+          <p:cNvSpPr/>
+          <p:nvPr/>
+        </p:nvSpPr>
+        <p:spPr>
+          <a:xfrm>
+            <a:off x="2382" y="6400800"/>
+            <a:ext cx="9141619" cy="457200"/>
+          </a:xfrm>
+          <a:prstGeom prst="rect">
+            <a:avLst/>
+          </a:prstGeom>
+          <a:solidFill>
+            <a:schemeClr val="accent2"/>
+          </a:solidFill>
+          <a:ln>
+            <a:noFill/>
+          </a:ln>
+        </p:spPr>
+        <p:style>
+          <a:lnRef idx="2">
+            <a:schemeClr val="accent1">
+              <a:shade val="50000"/>
+            </a:schemeClr>
+          </a:lnRef>
+          <a:fillRef idx="1">
+            <a:schemeClr val="accent1"/>
+          </a:fillRef>
+          <a:effectRef idx="0">
+            <a:schemeClr val="accent1"/>
+          </a:effectRef>
+          <a:fontRef idx="minor">
+            <a:schemeClr val="lt1"/>
+          </a:fontRef>
+        </p:style>
+      </p:sp>
+      <p:sp>
+        <p:nvSpPr>
+          <p:cNvPr id="8" name="Rectangle 7"/>
+          <p:cNvSpPr/>
+          <p:nvPr/>
+        </p:nvSpPr>
+        <p:spPr>
+          <a:xfrm>
+            <a:off x="12" y="6334316"/>
+            <a:ext cx="9141619" cy="64008"/>
+          </a:xfrm>
+          <a:prstGeom prst="rect">
+            <a:avLst/>
+          </a:prstGeom>
+          <a:solidFill>
+            <a:schemeClr val="accent1"/>
+          </a:solidFill>
+          <a:ln>
+            <a:noFill/>
+          </a:ln>
+        </p:spPr>
+        <p:style>
+          <a:lnRef idx="2">
+            <a:schemeClr val="accent1">
+              <a:shade val="50000"/>
+            </a:schemeClr>
+          </a:lnRef>
+          <a:fillRef idx="1">
+            <a:schemeClr val="accent1"/>
+          </a:fillRef>
+          <a:effectRef idx="0">
+            <a:schemeClr val="accent1"/>
+          </a:effectRef>
+          <a:fontRef idx="minor">
+            <a:schemeClr val="lt1"/>
+          </a:fontRef>
+        </p:style>
+      </p:sp>
+      <p:sp>
+        <p:nvSpPr>
+          <p:cNvPr id="2" name="Title 1"/>
+          <p:cNvSpPr>
+            <a:spLocks noGrp="1"/>
+          </p:cNvSpPr>
+          <p:nvPr>
+            <p:ph type="ctrTitle"/>
+          </p:nvPr>
+        </p:nvSpPr>
+        <p:spPr>
+          <a:xfrm>
+            <a:off x="822960" y="758952"/>
+            <a:ext cx="7543800" cy="3566160"/>
+          </a:xfrm>
+        </p:spPr>
+        <p:txBody>
+          <a:bodyPr anchor="b">
+            <a:normAutofit/>
+          </a:bodyPr>
+          <a:lstStyle>
+            <a:lvl1pPr algn="l">
+              <a:lnSpc>
+                <a:spcPct val="85000"/>
+              </a:lnSpc>
+              <a:defRPr sz="8000" spc="-50" baseline="0">
+                <a:solidFill>
+                  <a:schemeClr val="tx1">
+                    <a:lumMod val="85000"/>
+                    <a:lumOff val="15000"/>
+                  </a:schemeClr>
+                </a:solidFill>
+              </a:defRPr>
+            </a:lvl1pPr>
+          </a:lstStyle>
+          <a:p>
+            <a:r>
+              <a:rPr lang="en-US"/>
+              <a:t>Click to edit Master title style</a:t>
+            </a:r>
+            <a:endParaRPr lang="en-US" dirty="0"/>
+          </a:p>
+        </p:txBody>
+      </p:sp>
+      <p:sp>
+        <p:nvSpPr>
+          <p:cNvPr id="3" name="Subtitle 2"/>
+          <p:cNvSpPr>
+            <a:spLocks noGrp="1"/>
+          </p:cNvSpPr>
+          <p:nvPr>
+            <p:ph type="subTitle" idx="1"/>
+          </p:nvPr>
+        </p:nvSpPr>
+        <p:spPr>
+          <a:xfrm>
+            <a:off x="825038" y="4455621"/>
+            <a:ext cx="7543800" cy="1143000"/>
+          </a:xfrm>
+        </p:spPr>
+        <p:txBody>
+          <a:bodyPr lIns="91440" rIns="91440">
+            <a:normAutofit/>
+          </a:bodyPr>
+          <a:lstStyle>
+            <a:lvl1pPr marL="0" indent="0" algn="l">
+              <a:buNone/>
+              <a:defRPr sz="2400" cap="all" spc="200" baseline="0">
+                <a:solidFill>
+                  <a:schemeClr val="tx2"/>
+                </a:solidFill>
+                <a:latin typeface="+mj-lt"/>
+              </a:defRPr>
+            </a:lvl1pPr>
+            <a:lvl2pPr marL="457200" indent="0" algn="ctr">
+              <a:buNone/>
+              <a:defRPr sz="2400"/>
+            </a:lvl2pPr>
+            <a:lvl3pPr marL="914400" indent="0" algn="ctr">
+              <a:buNone/>
+              <a:defRPr sz="2400"/>
+            </a:lvl3pPr>
+            <a:lvl4pPr marL="1371600" indent="0" algn="ctr">
+              <a:buNone/>
+              <a:defRPr sz="2000"/>
+            </a:lvl4pPr>
+            <a:lvl5pPr marL="1828800" indent="0" algn="ctr">
+              <a:buNone/>
+              <a:defRPr sz="2000"/>
+            </a:lvl5pPr>
+            <a:lvl6pPr marL="2286000" indent="0" algn="ctr">
+              <a:buNone/>
+              <a:defRPr sz="2000"/>
+            </a:lvl6pPr>
+            <a:lvl7pPr marL="2743200" indent="0" algn="ctr">
+              <a:buNone/>
+              <a:defRPr sz="2000"/>
+            </a:lvl7pPr>
+            <a:lvl8pPr marL="3200400" indent="0" algn="ctr">
+              <a:buNone/>
+              <a:defRPr sz="2000"/>
+            </a:lvl8pPr>
+            <a:lvl9pPr marL="3657600" indent="0" algn="ctr">
+              <a:buNone/>
+              <a:defRPr sz="2000"/>
+            </a:lvl9pPr>
+          </a:lstStyle>
+          <a:p>
+            <a:r>
+              <a:rPr lang="en-US"/>
+              <a:t>Click to edit Master subtitle style</a:t>
+            </a:r>
+            <a:endParaRPr lang="en-US" dirty="0"/>
+          </a:p>
+        </p:txBody>
+      </p:sp>
+      <p:sp>
+        <p:nvSpPr>
+          <p:cNvPr id="4" name="Date Placeholder 3"/>
+          <p:cNvSpPr>
+            <a:spLocks noGrp="1"/>
+          </p:cNvSpPr>
+          <p:nvPr>
+            <p:ph type="dt" sz="half" idx="10"/>
+          </p:nvPr>
+        </p:nvSpPr>
+        <p:spPr/>
+        <p:txBody>
+          <a:bodyPr/>
+          <a:lstStyle/>
+          <a:p>
+            <a:fld id="{96DFF08F-DC6B-4601-B491-B0F83F6DD2DA}" type="datetimeFigureOut">
+              <a:rPr lang="en-US" dirty="0"/>
+              <a:t>7/27/2020</a:t>
+            </a:fld>
+            <a:endParaRPr lang="en-US" dirty="0"/>
+          </a:p>
+        </p:txBody>
+      </p:sp>
+      <p:sp>
+        <p:nvSpPr>
+          <p:cNvPr id="5" name="Footer Placeholder 4"/>
+          <p:cNvSpPr>
+            <a:spLocks noGrp="1"/>
+          </p:cNvSpPr>
+          <p:nvPr>
+            <p:ph type="ftr" sz="quarter" idx="11"/>
+          </p:nvPr>
+        </p:nvSpPr>
+        <p:spPr/>
+        <p:txBody>
+          <a:bodyPr/>
+          <a:lstStyle/>
+          <a:p>
+            <a:endParaRPr lang="en-US" dirty="0"/>
+          </a:p>
+        </p:txBody>
+      </p:sp>
+      <p:sp>
+        <p:nvSpPr>
+          <p:cNvPr id="6" name="Slide Number Placeholder 5"/>
+          <p:cNvSpPr>
+            <a:spLocks noGrp="1"/>
+          </p:cNvSpPr>
+          <p:nvPr>
+            <p:ph type="sldNum" sz="quarter" idx="12"/>
+          </p:nvPr>
+        </p:nvSpPr>
+        <p:spPr/>
+        <p:txBody>
+          <a:bodyPr/>
+          <a:lstStyle/>
+          <a:p>
+            <a:fld id="{4FAB73BC-B049-4115-A692-8D63A059BFB8}" type="slidenum">
+              <a:rPr lang="en-US" dirty="0"/>
+              <a:t>‹#›</a:t>
+            </a:fld>
+            <a:endParaRPr lang="en-US" dirty="0"/>
+          </a:p>
+        </p:txBody>
+      </p:sp>
+      <p:cxnSp>
+        <p:nvCxnSpPr>
+          <p:cNvPr id="9" name="Straight Connector 8"/>
+          <p:cNvCxnSpPr/>
+          <p:nvPr/>
+        </p:nvCxnSpPr>
+        <p:spPr>
+          <a:xfrm>
+            <a:off x="905744" y="4343400"/>
+            <a:ext cx="7406640" cy="0"/>
+          </a:xfrm>
+          <a:prstGeom prst="line">
+            <a:avLst/>
+          </a:prstGeom>
+          <a:ln w="6350">
+            <a:solidFill>
+              <a:schemeClr val="tx1">
+                <a:lumMod val="50000"/>
+                <a:lumOff val="50000"/>
+              </a:schemeClr>
+            </a:solidFill>
+          </a:ln>
+        </p:spPr>
+        <p:style>
+          <a:lnRef idx="1">
+            <a:schemeClr val="accent1"/>
+          </a:lnRef>
+          <a:fillRef idx="0">
+            <a:schemeClr val="accent1"/>
+          </a:fillRef>
+          <a:effectRef idx="0">
+            <a:schemeClr val="accent1"/>
+          </a:effectRef>
+          <a:fontRef idx="minor">
+            <a:schemeClr val="tx1"/>
+          </a:fontRef>
+        </p:style>
+      </p:cxnSp>
+    </p:spTree>
+    <p:extLst>
+      <p:ext uri="{BB962C8B-B14F-4D97-AF65-F5344CB8AC3E}">
+        <p14:creationId xmlns:p14="http://schemas.microsoft.com/office/powerpoint/2010/main" val="568100846"/>
+      </p:ext>
+    </p:extLst>
+  </p:cSld>
+  <p:clrMapOvr>
+    <a:masterClrMapping/>
+  </p:clrMapOvr>
+  <p:hf hdr="0" ftr="0" dt="0"/>
+</p:sldLayout>
+</file>
+
+<file path=ppt/slideLayouts/slideLayout10.xml><?xml version="1.0" encoding="utf-8"?>
+<p:sldLayout xmlns:a="http://schemas.openxmlformats.org/drawingml/2006/main" xmlns:r="http://schemas.openxmlformats.org/officeDocument/2006/relationships" xmlns:p="http://schemas.openxmlformats.org/presentationml/2006/main" type="vertTx" preserve="1">
+  <p:cSld name="Title and Vertical Text">
+    <p:spTree>
+      <p:nvGrpSpPr>
+        <p:cNvPr id="1" name=""/>
+        <p:cNvGrpSpPr/>
+        <p:nvPr/>
+      </p:nvGrpSpPr>
+      <p:grpSpPr>
+        <a:xfrm>
+          <a:off x="0" y="0"/>
+          <a:ext cx="0" cy="0"/>
+          <a:chOff x="0" y="0"/>
+          <a:chExt cx="0" cy="0"/>
+        </a:xfrm>
+      </p:grpSpPr>
+      <p:sp>
+        <p:nvSpPr>
+          <p:cNvPr id="2" name="Title 1"/>
+          <p:cNvSpPr>
+            <a:spLocks noGrp="1"/>
+          </p:cNvSpPr>
+          <p:nvPr>
+            <p:ph type="title"/>
+          </p:nvPr>
+        </p:nvSpPr>
+        <p:spPr/>
+        <p:txBody>
+          <a:bodyPr/>
+          <a:lstStyle/>
+          <a:p>
+            <a:r>
+              <a:rPr lang="en-US"/>
+              <a:t>Click to edit Master title style</a:t>
+            </a:r>
+            <a:endParaRPr lang="en-US" dirty="0"/>
+          </a:p>
+        </p:txBody>
+      </p:sp>
+      <p:sp>
+        <p:nvSpPr>
+          <p:cNvPr id="3" name="Vertical Text Placeholder 2"/>
+          <p:cNvSpPr>
+            <a:spLocks noGrp="1"/>
+          </p:cNvSpPr>
+          <p:nvPr>
+            <p:ph type="body" orient="vert" idx="1"/>
+          </p:nvPr>
+        </p:nvSpPr>
+        <p:spPr/>
+        <p:txBody>
+          <a:bodyPr vert="eaVert" lIns="45720" tIns="0" rIns="45720" bIns="0"/>
+          <a:lstStyle/>
+          <a:p>
+            <a:pPr lvl="0"/>
+            <a:r>
+              <a:rPr lang="en-US"/>
+              <a:t>Click to edit Master text styles</a:t>
+            </a:r>
+          </a:p>
+          <a:p>
+            <a:pPr lvl="1"/>
+            <a:r>
+              <a:rPr lang="en-US"/>
+              <a:t>Second level</a:t>
+            </a:r>
+          </a:p>
+          <a:p>
+            <a:pPr lvl="2"/>
+            <a:r>
+              <a:rPr lang="en-US"/>
+              <a:t>Third level</a:t>
+            </a:r>
+          </a:p>
+          <a:p>
+            <a:pPr lvl="3"/>
+            <a:r>
+              <a:rPr lang="en-US"/>
+              <a:t>Fourth level</a:t>
+            </a:r>
+          </a:p>
+          <a:p>
+            <a:pPr lvl="4"/>
+            <a:r>
+              <a:rPr lang="en-US"/>
+              <a:t>Fifth level</a:t>
+            </a:r>
+            <a:endParaRPr lang="en-US" dirty="0"/>
+          </a:p>
+        </p:txBody>
+      </p:sp>
+      <p:sp>
+        <p:nvSpPr>
+          <p:cNvPr id="4" name="Date Placeholder 3"/>
+          <p:cNvSpPr>
+            <a:spLocks noGrp="1"/>
+          </p:cNvSpPr>
+          <p:nvPr>
+            <p:ph type="dt" sz="half" idx="10"/>
+          </p:nvPr>
+        </p:nvSpPr>
+        <p:spPr/>
+        <p:txBody>
+          <a:bodyPr/>
+          <a:lstStyle/>
+          <a:p>
+            <a:fld id="{96DFF08F-DC6B-4601-B491-B0F83F6DD2DA}" type="datetimeFigureOut">
+              <a:rPr lang="en-US" dirty="0"/>
+              <a:t>7/27/2020</a:t>
+            </a:fld>
+            <a:endParaRPr lang="en-US" dirty="0"/>
+          </a:p>
+        </p:txBody>
+      </p:sp>
+      <p:sp>
+        <p:nvSpPr>
+          <p:cNvPr id="5" name="Footer Placeholder 4"/>
+          <p:cNvSpPr>
+            <a:spLocks noGrp="1"/>
+          </p:cNvSpPr>
+          <p:nvPr>
+            <p:ph type="ftr" sz="quarter" idx="11"/>
+          </p:nvPr>
+        </p:nvSpPr>
+        <p:spPr/>
+        <p:txBody>
+          <a:bodyPr/>
+          <a:lstStyle/>
+          <a:p>
+            <a:endParaRPr lang="en-US" dirty="0"/>
+          </a:p>
+        </p:txBody>
+      </p:sp>
+      <p:sp>
+        <p:nvSpPr>
+          <p:cNvPr id="6" name="Slide Number Placeholder 5"/>
+          <p:cNvSpPr>
+            <a:spLocks noGrp="1"/>
+          </p:cNvSpPr>
+          <p:nvPr>
+            <p:ph type="sldNum" sz="quarter" idx="12"/>
+          </p:nvPr>
+        </p:nvSpPr>
+        <p:spPr/>
+        <p:txBody>
+          <a:bodyPr/>
+          <a:lstStyle/>
+          <a:p>
+            <a:fld id="{4FAB73BC-B049-4115-A692-8D63A059BFB8}" type="slidenum">
+              <a:rPr lang="en-US" dirty="0"/>
+              <a:t>‹#›</a:t>
+            </a:fld>
+            <a:endParaRPr lang="en-US" dirty="0"/>
+          </a:p>
+        </p:txBody>
+      </p:sp>
+    </p:spTree>
+    <p:extLst>
+      <p:ext uri="{BB962C8B-B14F-4D97-AF65-F5344CB8AC3E}">
+        <p14:creationId xmlns:p14="http://schemas.microsoft.com/office/powerpoint/2010/main" val="4148919507"/>
+      </p:ext>
+    </p:extLst>
+  </p:cSld>
+  <p:clrMapOvr>
+    <a:masterClrMapping/>
+  </p:clrMapOvr>
+  <p:hf hdr="0" ftr="0" dt="0"/>
+</p:sldLayout>
+</file>
+
+<file path=ppt/slideLayouts/slideLayout11.xml><?xml version="1.0" encoding="utf-8"?>
+<p:sldLayout xmlns:a="http://schemas.openxmlformats.org/drawingml/2006/main" xmlns:r="http://schemas.openxmlformats.org/officeDocument/2006/relationships" xmlns:p="http://schemas.openxmlformats.org/presentationml/2006/main" showMasterSp="0" type="vertTitleAndTx" preserve="1">
+  <p:cSld name="Vertical Title and Text">
+    <p:spTree>
+      <p:nvGrpSpPr>
+        <p:cNvPr id="1" name=""/>
+        <p:cNvGrpSpPr/>
+        <p:nvPr/>
+      </p:nvGrpSpPr>
+      <p:grpSpPr>
+        <a:xfrm>
+          <a:off x="0" y="0"/>
+          <a:ext cx="0" cy="0"/>
+          <a:chOff x="0" y="0"/>
+          <a:chExt cx="0" cy="0"/>
+        </a:xfrm>
+      </p:grpSpPr>
+      <p:sp>
+        <p:nvSpPr>
+          <p:cNvPr id="7" name="Rectangle 6"/>
+          <p:cNvSpPr/>
+          <p:nvPr/>
+        </p:nvSpPr>
+        <p:spPr>
+          <a:xfrm>
+            <a:off x="2382" y="6400800"/>
+            <a:ext cx="9141619" cy="457200"/>
+          </a:xfrm>
+          <a:prstGeom prst="rect">
+            <a:avLst/>
+          </a:prstGeom>
+          <a:solidFill>
+            <a:schemeClr val="accent2"/>
+          </a:solidFill>
+          <a:ln>
+            <a:noFill/>
+          </a:ln>
+        </p:spPr>
+        <p:style>
+          <a:lnRef idx="2">
+            <a:schemeClr val="accent1">
+              <a:shade val="50000"/>
+            </a:schemeClr>
+          </a:lnRef>
+          <a:fillRef idx="1">
+            <a:schemeClr val="accent1"/>
+          </a:fillRef>
+          <a:effectRef idx="0">
+            <a:schemeClr val="accent1"/>
+          </a:effectRef>
+          <a:fontRef idx="minor">
+            <a:schemeClr val="lt1"/>
+          </a:fontRef>
+        </p:style>
+      </p:sp>
+      <p:sp>
+        <p:nvSpPr>
+          <p:cNvPr id="8" name="Rectangle 7"/>
+          <p:cNvSpPr/>
+          <p:nvPr/>
+        </p:nvSpPr>
+        <p:spPr>
+          <a:xfrm>
+            <a:off x="12" y="6334316"/>
+            <a:ext cx="9141619" cy="64008"/>
+          </a:xfrm>
+          <a:prstGeom prst="rect">
+            <a:avLst/>
+          </a:prstGeom>
+          <a:solidFill>
+            <a:schemeClr val="accent1"/>
+          </a:solidFill>
+          <a:ln>
+            <a:noFill/>
+          </a:ln>
+        </p:spPr>
+        <p:style>
+          <a:lnRef idx="2">
+            <a:schemeClr val="accent1">
+              <a:shade val="50000"/>
+            </a:schemeClr>
+          </a:lnRef>
+          <a:fillRef idx="1">
+            <a:schemeClr val="accent1"/>
+          </a:fillRef>
+          <a:effectRef idx="0">
+            <a:schemeClr val="accent1"/>
+          </a:effectRef>
+          <a:fontRef idx="minor">
+            <a:schemeClr val="lt1"/>
+          </a:fontRef>
+        </p:style>
+      </p:sp>
+      <p:sp>
+        <p:nvSpPr>
+          <p:cNvPr id="2" name="Vertical Title 1"/>
+          <p:cNvSpPr>
+            <a:spLocks noGrp="1"/>
+          </p:cNvSpPr>
+          <p:nvPr>
+            <p:ph type="title" orient="vert"/>
+          </p:nvPr>
+        </p:nvSpPr>
+        <p:spPr>
+          <a:xfrm>
+            <a:off x="6543675" y="414779"/>
+            <a:ext cx="1971675" cy="5757421"/>
+          </a:xfrm>
+        </p:spPr>
+        <p:txBody>
+          <a:bodyPr vert="eaVert"/>
+          <a:lstStyle/>
+          <a:p>
+            <a:r>
+              <a:rPr lang="en-US"/>
+              <a:t>Click to edit Master title style</a:t>
+            </a:r>
+            <a:endParaRPr lang="en-US" dirty="0"/>
+          </a:p>
+        </p:txBody>
+      </p:sp>
+      <p:sp>
+        <p:nvSpPr>
+          <p:cNvPr id="3" name="Vertical Text Placeholder 2"/>
+          <p:cNvSpPr>
+            <a:spLocks noGrp="1"/>
+          </p:cNvSpPr>
+          <p:nvPr>
+            <p:ph type="body" orient="vert" idx="1"/>
+          </p:nvPr>
+        </p:nvSpPr>
+        <p:spPr>
+          <a:xfrm>
+            <a:off x="628650" y="414779"/>
+            <a:ext cx="5800725" cy="5757420"/>
+          </a:xfrm>
+        </p:spPr>
+        <p:txBody>
+          <a:bodyPr vert="eaVert" lIns="45720" tIns="0" rIns="45720" bIns="0"/>
+          <a:lstStyle/>
+          <a:p>
+            <a:pPr lvl="0"/>
+            <a:r>
+              <a:rPr lang="en-US"/>
+              <a:t>Click to edit Master text styles</a:t>
+            </a:r>
+          </a:p>
+          <a:p>
+            <a:pPr lvl="1"/>
+            <a:r>
+              <a:rPr lang="en-US"/>
+              <a:t>Second level</a:t>
+            </a:r>
+          </a:p>
+          <a:p>
+            <a:pPr lvl="2"/>
+            <a:r>
+              <a:rPr lang="en-US"/>
+              <a:t>Third level</a:t>
+            </a:r>
+          </a:p>
+          <a:p>
+            <a:pPr lvl="3"/>
+            <a:r>
+              <a:rPr lang="en-US"/>
+              <a:t>Fourth level</a:t>
+            </a:r>
+          </a:p>
+          <a:p>
+            <a:pPr lvl="4"/>
+            <a:r>
+              <a:rPr lang="en-US"/>
+              <a:t>Fifth level</a:t>
+            </a:r>
+            <a:endParaRPr lang="en-US" dirty="0"/>
+          </a:p>
+        </p:txBody>
+      </p:sp>
+      <p:sp>
+        <p:nvSpPr>
+          <p:cNvPr id="4" name="Date Placeholder 3"/>
+          <p:cNvSpPr>
+            <a:spLocks noGrp="1"/>
+          </p:cNvSpPr>
+          <p:nvPr>
+            <p:ph type="dt" sz="half" idx="10"/>
+          </p:nvPr>
+        </p:nvSpPr>
+        <p:spPr/>
+        <p:txBody>
+          <a:bodyPr/>
+          <a:lstStyle/>
+          <a:p>
+            <a:fld id="{96DFF08F-DC6B-4601-B491-B0F83F6DD2DA}" type="datetimeFigureOut">
+              <a:rPr lang="en-US" dirty="0"/>
+              <a:t>7/27/2020</a:t>
+            </a:fld>
+            <a:endParaRPr lang="en-US" dirty="0"/>
+          </a:p>
+        </p:txBody>
+      </p:sp>
+      <p:sp>
+        <p:nvSpPr>
+          <p:cNvPr id="5" name="Footer Placeholder 4"/>
+          <p:cNvSpPr>
+            <a:spLocks noGrp="1"/>
+          </p:cNvSpPr>
+          <p:nvPr>
+            <p:ph type="ftr" sz="quarter" idx="11"/>
+          </p:nvPr>
+        </p:nvSpPr>
+        <p:spPr/>
+        <p:txBody>
+          <a:bodyPr/>
+          <a:lstStyle/>
+          <a:p>
+            <a:endParaRPr lang="en-US" dirty="0"/>
+          </a:p>
+        </p:txBody>
+      </p:sp>
+      <p:sp>
+        <p:nvSpPr>
+          <p:cNvPr id="6" name="Slide Number Placeholder 5"/>
+          <p:cNvSpPr>
+            <a:spLocks noGrp="1"/>
+          </p:cNvSpPr>
+          <p:nvPr>
+            <p:ph type="sldNum" sz="quarter" idx="12"/>
+          </p:nvPr>
+        </p:nvSpPr>
+        <p:spPr/>
+        <p:txBody>
+          <a:bodyPr/>
+          <a:lstStyle/>
+          <a:p>
+            <a:fld id="{4FAB73BC-B049-4115-A692-8D63A059BFB8}" type="slidenum">
+              <a:rPr lang="en-US" dirty="0"/>
+              <a:t>‹#›</a:t>
+            </a:fld>
+            <a:endParaRPr lang="en-US" dirty="0"/>
+          </a:p>
+        </p:txBody>
+      </p:sp>
+    </p:spTree>
+    <p:extLst>
+      <p:ext uri="{BB962C8B-B14F-4D97-AF65-F5344CB8AC3E}">
+        <p14:creationId xmlns:p14="http://schemas.microsoft.com/office/powerpoint/2010/main" val="538560924"/>
+      </p:ext>
+    </p:extLst>
+  </p:cSld>
+  <p:clrMapOvr>
+    <a:masterClrMapping/>
+  </p:clrMapOvr>
+  <p:hf hdr="0" ftr="0" dt="0"/>
+</p:sldLayout>
+</file>
+
+<file path=ppt/slideLayouts/slideLayout12.xml><?xml version="1.0" encoding="utf-8"?>
 <p:sldLayout xmlns:a="http://schemas.openxmlformats.org/drawingml/2006/main" xmlns:r="http://schemas.openxmlformats.org/officeDocument/2006/relationships" xmlns:p="http://schemas.openxmlformats.org/presentationml/2006/main" matchingName="Title Only">
-  <p:cSld name="Title Only">
+  <p:cSld name="1_Title Only">
     <p:spTree>
       <p:nvGrpSpPr>
         <p:cNvPr id="1" name="Shape 13"/>
@@ -2424,6 +2692,11 @@
         </p:txBody>
       </p:sp>
     </p:spTree>
+    <p:extLst>
+      <p:ext uri="{BB962C8B-B14F-4D97-AF65-F5344CB8AC3E}">
+        <p14:creationId xmlns:p14="http://schemas.microsoft.com/office/powerpoint/2010/main" val="815496302"/>
+      </p:ext>
+    </p:extLst>
   </p:cSld>
   <p:clrMapOvr>
     <a:masterClrMapping/>
@@ -2431,20 +2704,12 @@
 </p:sldLayout>
 </file>
 
-<file path=ppt/slideMasters/slideMaster1.xml><?xml version="1.0" encoding="utf-8"?>
-<p:sldMaster xmlns:a="http://schemas.openxmlformats.org/drawingml/2006/main" xmlns:r="http://schemas.openxmlformats.org/officeDocument/2006/relationships" xmlns:p="http://schemas.openxmlformats.org/presentationml/2006/main">
-  <p:cSld>
-    <p:bg>
-      <p:bgPr>
-        <a:solidFill>
-          <a:schemeClr val="lt1"/>
-        </a:solidFill>
-        <a:effectLst/>
-      </p:bgPr>
-    </p:bg>
+<file path=ppt/slideLayouts/slideLayout2.xml><?xml version="1.0" encoding="utf-8"?>
+<p:sldLayout xmlns:a="http://schemas.openxmlformats.org/drawingml/2006/main" xmlns:r="http://schemas.openxmlformats.org/officeDocument/2006/relationships" xmlns:p="http://schemas.openxmlformats.org/presentationml/2006/main" type="obj" preserve="1">
+  <p:cSld name="Title and Content">
     <p:spTree>
       <p:nvGrpSpPr>
-        <p:cNvPr id="1" name="Shape 9"/>
+        <p:cNvPr id="1" name=""/>
         <p:cNvGrpSpPr/>
         <p:nvPr/>
       </p:nvGrpSpPr>
@@ -2458,62 +2723,307 @@
       </p:grpSpPr>
       <p:sp>
         <p:nvSpPr>
-          <p:cNvPr id="10" name="Google Shape;10;p2"/>
+          <p:cNvPr id="2" name="Title 1"/>
+          <p:cNvSpPr>
+            <a:spLocks noGrp="1"/>
+          </p:cNvSpPr>
+          <p:nvPr>
+            <p:ph type="title"/>
+          </p:nvPr>
+        </p:nvSpPr>
+        <p:spPr/>
+        <p:txBody>
+          <a:bodyPr/>
+          <a:lstStyle/>
+          <a:p>
+            <a:r>
+              <a:rPr lang="en-US"/>
+              <a:t>Click to edit Master title style</a:t>
+            </a:r>
+            <a:endParaRPr lang="en-US" dirty="0"/>
+          </a:p>
+        </p:txBody>
+      </p:sp>
+      <p:sp>
+        <p:nvSpPr>
+          <p:cNvPr id="3" name="Content Placeholder 2"/>
+          <p:cNvSpPr>
+            <a:spLocks noGrp="1"/>
+          </p:cNvSpPr>
+          <p:nvPr>
+            <p:ph idx="1"/>
+          </p:nvPr>
+        </p:nvSpPr>
+        <p:spPr/>
+        <p:txBody>
+          <a:bodyPr/>
+          <a:lstStyle/>
+          <a:p>
+            <a:pPr lvl="0"/>
+            <a:r>
+              <a:rPr lang="en-US"/>
+              <a:t>Click to edit Master text styles</a:t>
+            </a:r>
+          </a:p>
+          <a:p>
+            <a:pPr lvl="1"/>
+            <a:r>
+              <a:rPr lang="en-US"/>
+              <a:t>Second level</a:t>
+            </a:r>
+          </a:p>
+          <a:p>
+            <a:pPr lvl="2"/>
+            <a:r>
+              <a:rPr lang="en-US"/>
+              <a:t>Third level</a:t>
+            </a:r>
+          </a:p>
+          <a:p>
+            <a:pPr lvl="3"/>
+            <a:r>
+              <a:rPr lang="en-US"/>
+              <a:t>Fourth level</a:t>
+            </a:r>
+          </a:p>
+          <a:p>
+            <a:pPr lvl="4"/>
+            <a:r>
+              <a:rPr lang="en-US"/>
+              <a:t>Fifth level</a:t>
+            </a:r>
+            <a:endParaRPr lang="en-US" dirty="0"/>
+          </a:p>
+        </p:txBody>
+      </p:sp>
+      <p:sp>
+        <p:nvSpPr>
+          <p:cNvPr id="4" name="Date Placeholder 3"/>
+          <p:cNvSpPr>
+            <a:spLocks noGrp="1"/>
+          </p:cNvSpPr>
+          <p:nvPr>
+            <p:ph type="dt" sz="half" idx="10"/>
+          </p:nvPr>
+        </p:nvSpPr>
+        <p:spPr/>
+        <p:txBody>
+          <a:bodyPr/>
+          <a:lstStyle/>
+          <a:p>
+            <a:fld id="{A3E28D29-1ECB-41DF-951B-2A23F95AD026}" type="datetimeFigureOut">
+              <a:rPr lang="en-US" dirty="0"/>
+              <a:t>7/27/2020</a:t>
+            </a:fld>
+            <a:endParaRPr lang="en-US" dirty="0"/>
+          </a:p>
+        </p:txBody>
+      </p:sp>
+      <p:sp>
+        <p:nvSpPr>
+          <p:cNvPr id="5" name="Footer Placeholder 4"/>
+          <p:cNvSpPr>
+            <a:spLocks noGrp="1"/>
+          </p:cNvSpPr>
+          <p:nvPr>
+            <p:ph type="ftr" sz="quarter" idx="11"/>
+          </p:nvPr>
+        </p:nvSpPr>
+        <p:spPr/>
+        <p:txBody>
+          <a:bodyPr/>
+          <a:lstStyle/>
+          <a:p>
+            <a:endParaRPr lang="en-US" dirty="0"/>
+          </a:p>
+        </p:txBody>
+      </p:sp>
+      <p:sp>
+        <p:nvSpPr>
+          <p:cNvPr id="6" name="Slide Number Placeholder 5"/>
+          <p:cNvSpPr>
+            <a:spLocks noGrp="1"/>
+          </p:cNvSpPr>
+          <p:nvPr>
+            <p:ph type="sldNum" sz="quarter" idx="12"/>
+          </p:nvPr>
+        </p:nvSpPr>
+        <p:spPr/>
+        <p:txBody>
+          <a:bodyPr/>
+          <a:lstStyle/>
+          <a:p>
+            <a:fld id="{028E3F4F-51B2-42EE-AFA2-40C4572185CC}" type="slidenum">
+              <a:rPr lang="en-US" dirty="0"/>
+              <a:t>‹#›</a:t>
+            </a:fld>
+            <a:endParaRPr lang="en-US" dirty="0"/>
+          </a:p>
+        </p:txBody>
+      </p:sp>
+    </p:spTree>
+    <p:extLst>
+      <p:ext uri="{BB962C8B-B14F-4D97-AF65-F5344CB8AC3E}">
+        <p14:creationId xmlns:p14="http://schemas.microsoft.com/office/powerpoint/2010/main" val="18683455"/>
+      </p:ext>
+    </p:extLst>
+  </p:cSld>
+  <p:clrMapOvr>
+    <a:masterClrMapping/>
+  </p:clrMapOvr>
+  <p:hf hdr="0" ftr="0" dt="0"/>
+</p:sldLayout>
+</file>
+
+<file path=ppt/slideLayouts/slideLayout3.xml><?xml version="1.0" encoding="utf-8"?>
+<p:sldLayout xmlns:a="http://schemas.openxmlformats.org/drawingml/2006/main" xmlns:r="http://schemas.openxmlformats.org/officeDocument/2006/relationships" xmlns:p="http://schemas.openxmlformats.org/presentationml/2006/main" showMasterSp="0" type="secHead" preserve="1">
+  <p:cSld name="Section Header">
+    <p:bg>
+      <p:bgPr>
+        <a:solidFill>
+          <a:schemeClr val="bg1"/>
+        </a:solidFill>
+        <a:effectLst/>
+      </p:bgPr>
+    </p:bg>
+    <p:spTree>
+      <p:nvGrpSpPr>
+        <p:cNvPr id="1" name=""/>
+        <p:cNvGrpSpPr/>
+        <p:nvPr/>
+      </p:nvGrpSpPr>
+      <p:grpSpPr>
+        <a:xfrm>
+          <a:off x="0" y="0"/>
+          <a:ext cx="0" cy="0"/>
+          <a:chOff x="0" y="0"/>
+          <a:chExt cx="0" cy="0"/>
+        </a:xfrm>
+      </p:grpSpPr>
+      <p:sp>
+        <p:nvSpPr>
+          <p:cNvPr id="7" name="Rectangle 6"/>
           <p:cNvSpPr/>
           <p:nvPr/>
         </p:nvSpPr>
         <p:spPr>
           <a:xfrm>
-            <a:off x="8298444" y="37255"/>
-            <a:ext cx="670614" cy="124720"/>
+            <a:off x="2382" y="6400800"/>
+            <a:ext cx="9141619" cy="457200"/>
           </a:xfrm>
           <a:prstGeom prst="rect">
             <a:avLst/>
           </a:prstGeom>
-          <a:noFill/>
+          <a:solidFill>
+            <a:schemeClr val="accent2"/>
+          </a:solidFill>
           <a:ln>
             <a:noFill/>
           </a:ln>
         </p:spPr>
-        <p:txBody>
-          <a:bodyPr spcFirstLastPara="1" wrap="square" lIns="0" tIns="0" rIns="0" bIns="0" anchor="t" anchorCtr="0">
-            <a:noAutofit/>
+        <p:style>
+          <a:lnRef idx="2">
+            <a:schemeClr val="accent1">
+              <a:shade val="50000"/>
+            </a:schemeClr>
+          </a:lnRef>
+          <a:fillRef idx="1">
+            <a:schemeClr val="accent1"/>
+          </a:fillRef>
+          <a:effectRef idx="0">
+            <a:schemeClr val="accent1"/>
+          </a:effectRef>
+          <a:fontRef idx="minor">
+            <a:schemeClr val="lt1"/>
+          </a:fontRef>
+        </p:style>
+      </p:sp>
+      <p:sp>
+        <p:nvSpPr>
+          <p:cNvPr id="8" name="Rectangle 7"/>
+          <p:cNvSpPr/>
+          <p:nvPr/>
+        </p:nvSpPr>
+        <p:spPr>
+          <a:xfrm>
+            <a:off x="12" y="6334316"/>
+            <a:ext cx="9141619" cy="64008"/>
+          </a:xfrm>
+          <a:prstGeom prst="rect">
+            <a:avLst/>
+          </a:prstGeom>
+          <a:solidFill>
+            <a:schemeClr val="accent1"/>
+          </a:solidFill>
+          <a:ln>
+            <a:noFill/>
+          </a:ln>
+        </p:spPr>
+        <p:style>
+          <a:lnRef idx="2">
+            <a:schemeClr val="accent1">
+              <a:shade val="50000"/>
+            </a:schemeClr>
+          </a:lnRef>
+          <a:fillRef idx="1">
+            <a:schemeClr val="accent1"/>
+          </a:fillRef>
+          <a:effectRef idx="0">
+            <a:schemeClr val="accent1"/>
+          </a:effectRef>
+          <a:fontRef idx="minor">
+            <a:schemeClr val="lt1"/>
+          </a:fontRef>
+        </p:style>
+      </p:sp>
+      <p:sp>
+        <p:nvSpPr>
+          <p:cNvPr id="2" name="Title 1"/>
+          <p:cNvSpPr>
+            <a:spLocks noGrp="1"/>
+          </p:cNvSpPr>
+          <p:nvPr>
+            <p:ph type="title"/>
+          </p:nvPr>
+        </p:nvSpPr>
+        <p:spPr>
+          <a:xfrm>
+            <a:off x="822960" y="758952"/>
+            <a:ext cx="7543800" cy="3566160"/>
+          </a:xfrm>
+        </p:spPr>
+        <p:txBody>
+          <a:bodyPr anchor="b" anchorCtr="0">
+            <a:normAutofit/>
           </a:bodyPr>
-          <a:lstStyle/>
-          <a:p>
-            <a:pPr marL="0" marR="0" lvl="0" indent="0" algn="r" rtl="0">
+          <a:lstStyle>
+            <a:lvl1pPr>
               <a:lnSpc>
-                <a:spcPct val="100000"/>
+                <a:spcPct val="85000"/>
               </a:lnSpc>
-              <a:spcBef>
-                <a:spcPts val="0"/>
-              </a:spcBef>
-              <a:spcAft>
-                <a:spcPts val="0"/>
-              </a:spcAft>
-              <a:buClr>
-                <a:srgbClr val="000000"/>
-              </a:buClr>
-              <a:buSzPts val="816"/>
-              <a:buFont typeface="Arial"/>
-              <a:buNone/>
-            </a:pPr>
-            <a:endParaRPr sz="816" b="0" i="0" u="none" strike="noStrike" cap="none">
-              <a:solidFill>
-                <a:srgbClr val="000000"/>
-              </a:solidFill>
-              <a:latin typeface="Arial"/>
-              <a:ea typeface="Arial"/>
-              <a:cs typeface="Arial"/>
-              <a:sym typeface="Arial"/>
-            </a:endParaRPr>
-          </a:p>
-        </p:txBody>
-      </p:sp>
-      <p:sp>
-        <p:nvSpPr>
-          <p:cNvPr id="11" name="Google Shape;11;p2"/>
-          <p:cNvSpPr txBox="1">
+              <a:defRPr sz="8000" b="0">
+                <a:solidFill>
+                  <a:schemeClr val="tx1">
+                    <a:lumMod val="85000"/>
+                    <a:lumOff val="15000"/>
+                  </a:schemeClr>
+                </a:solidFill>
+              </a:defRPr>
+            </a:lvl1pPr>
+          </a:lstStyle>
+          <a:p>
+            <a:r>
+              <a:rPr lang="en-US"/>
+              <a:t>Click to edit Master title style</a:t>
+            </a:r>
+            <a:endParaRPr lang="en-US" dirty="0"/>
+          </a:p>
+        </p:txBody>
+      </p:sp>
+      <p:sp>
+        <p:nvSpPr>
+          <p:cNvPr id="3" name="Text Placeholder 2"/>
+          <p:cNvSpPr>
             <a:spLocks noGrp="1"/>
           </p:cNvSpPr>
           <p:nvPr>
@@ -2522,266 +3032,252 @@
         </p:nvSpPr>
         <p:spPr>
           <a:xfrm>
-            <a:off x="2343099" y="2570857"/>
-            <a:ext cx="4389768" cy="1256112"/>
+            <a:off x="822960" y="4453128"/>
+            <a:ext cx="7543800" cy="1143000"/>
           </a:xfrm>
-          <a:prstGeom prst="rect">
-            <a:avLst/>
-          </a:prstGeom>
-          <a:noFill/>
-          <a:ln>
-            <a:noFill/>
-          </a:ln>
         </p:spPr>
         <p:txBody>
-          <a:bodyPr spcFirstLastPara="1" wrap="square" lIns="0" tIns="0" rIns="0" bIns="0" anchor="t" anchorCtr="0">
-            <a:noAutofit/>
+          <a:bodyPr lIns="91440" rIns="91440" anchor="t" anchorCtr="0">
+            <a:normAutofit/>
           </a:bodyPr>
           <a:lstStyle>
-            <a:lvl1pPr marL="457200" marR="0" lvl="0" indent="-228600" algn="l" rtl="0">
-              <a:lnSpc>
-                <a:spcPct val="100000"/>
-              </a:lnSpc>
-              <a:spcBef>
-                <a:spcPts val="0"/>
-              </a:spcBef>
-              <a:spcAft>
-                <a:spcPts val="0"/>
-              </a:spcAft>
-              <a:buClr>
-                <a:srgbClr val="000000"/>
-              </a:buClr>
-              <a:buSzPts val="1400"/>
-              <a:buFont typeface="Arial"/>
-              <a:buNone/>
-              <a:defRPr sz="1632" b="0" i="0" u="none" strike="noStrike" cap="none">
-                <a:solidFill>
-                  <a:schemeClr val="dk1"/>
-                </a:solidFill>
-                <a:latin typeface="Arial"/>
-                <a:ea typeface="Arial"/>
-                <a:cs typeface="Arial"/>
-                <a:sym typeface="Arial"/>
+            <a:lvl1pPr marL="0" indent="0">
+              <a:buNone/>
+              <a:defRPr sz="2400" cap="all" spc="200" baseline="0">
+                <a:solidFill>
+                  <a:schemeClr val="tx2"/>
+                </a:solidFill>
+                <a:latin typeface="+mj-lt"/>
               </a:defRPr>
             </a:lvl1pPr>
-            <a:lvl2pPr marL="914400" marR="0" lvl="1" indent="-358140" algn="l" rtl="0">
-              <a:lnSpc>
-                <a:spcPct val="100000"/>
-              </a:lnSpc>
-              <a:spcBef>
-                <a:spcPts val="0"/>
-              </a:spcBef>
-              <a:spcAft>
-                <a:spcPts val="0"/>
-              </a:spcAft>
-              <a:buClr>
-                <a:schemeClr val="dk2"/>
-              </a:buClr>
-              <a:buSzPts val="2040"/>
-              <a:buFont typeface="Arial"/>
-              <a:buChar char="▪"/>
-              <a:defRPr sz="1632" b="0" i="0" u="none" strike="noStrike" cap="none">
-                <a:solidFill>
-                  <a:schemeClr val="dk1"/>
-                </a:solidFill>
-                <a:latin typeface="Arial"/>
-                <a:ea typeface="Arial"/>
-                <a:cs typeface="Arial"/>
-                <a:sym typeface="Arial"/>
+            <a:lvl2pPr marL="457200" indent="0">
+              <a:buNone/>
+              <a:defRPr sz="1800">
+                <a:solidFill>
+                  <a:schemeClr val="tx1">
+                    <a:tint val="75000"/>
+                  </a:schemeClr>
+                </a:solidFill>
               </a:defRPr>
             </a:lvl2pPr>
-            <a:lvl3pPr marL="1371600" marR="0" lvl="2" indent="-352933" algn="l" rtl="0">
-              <a:lnSpc>
-                <a:spcPct val="100000"/>
-              </a:lnSpc>
-              <a:spcBef>
-                <a:spcPts val="0"/>
-              </a:spcBef>
-              <a:spcAft>
-                <a:spcPts val="0"/>
-              </a:spcAft>
-              <a:buClr>
-                <a:schemeClr val="dk2"/>
-              </a:buClr>
-              <a:buSzPts val="1958"/>
-              <a:buFont typeface="Arial"/>
-              <a:buChar char="–"/>
-              <a:defRPr sz="1632" b="0" i="0" u="none" strike="noStrike" cap="none">
-                <a:solidFill>
-                  <a:schemeClr val="dk1"/>
-                </a:solidFill>
-                <a:latin typeface="Arial"/>
-                <a:ea typeface="Arial"/>
-                <a:cs typeface="Arial"/>
-                <a:sym typeface="Arial"/>
+            <a:lvl3pPr marL="914400" indent="0">
+              <a:buNone/>
+              <a:defRPr sz="1600">
+                <a:solidFill>
+                  <a:schemeClr val="tx1">
+                    <a:tint val="75000"/>
+                  </a:schemeClr>
+                </a:solidFill>
               </a:defRPr>
             </a:lvl3pPr>
-            <a:lvl4pPr marL="1828800" marR="0" lvl="3" indent="-352933" algn="l" rtl="0">
-              <a:lnSpc>
-                <a:spcPct val="100000"/>
-              </a:lnSpc>
-              <a:spcBef>
-                <a:spcPts val="0"/>
-              </a:spcBef>
-              <a:spcAft>
-                <a:spcPts val="0"/>
-              </a:spcAft>
-              <a:buClr>
-                <a:schemeClr val="dk2"/>
-              </a:buClr>
-              <a:buSzPts val="1958"/>
-              <a:buFont typeface="Arial"/>
-              <a:buChar char="▫"/>
-              <a:defRPr sz="1632" b="0" i="0" u="none" strike="noStrike" cap="none">
-                <a:solidFill>
-                  <a:schemeClr val="dk1"/>
-                </a:solidFill>
-                <a:latin typeface="Arial"/>
-                <a:ea typeface="Arial"/>
-                <a:cs typeface="Arial"/>
-                <a:sym typeface="Arial"/>
+            <a:lvl4pPr marL="1371600" indent="0">
+              <a:buNone/>
+              <a:defRPr sz="1400">
+                <a:solidFill>
+                  <a:schemeClr val="tx1">
+                    <a:tint val="75000"/>
+                  </a:schemeClr>
+                </a:solidFill>
               </a:defRPr>
             </a:lvl4pPr>
-            <a:lvl5pPr marL="2286000" marR="0" lvl="4" indent="-320801" algn="l" rtl="0">
-              <a:lnSpc>
-                <a:spcPct val="100000"/>
-              </a:lnSpc>
-              <a:spcBef>
-                <a:spcPts val="0"/>
-              </a:spcBef>
-              <a:spcAft>
-                <a:spcPts val="0"/>
-              </a:spcAft>
-              <a:buClr>
-                <a:schemeClr val="dk2"/>
-              </a:buClr>
-              <a:buSzPts val="1452"/>
-              <a:buFont typeface="Arial"/>
-              <a:buChar char="-"/>
-              <a:defRPr sz="1632" b="0" i="0" u="none" strike="noStrike" cap="none">
-                <a:solidFill>
-                  <a:schemeClr val="dk1"/>
-                </a:solidFill>
-                <a:latin typeface="Arial"/>
-                <a:ea typeface="Arial"/>
-                <a:cs typeface="Arial"/>
-                <a:sym typeface="Arial"/>
+            <a:lvl5pPr marL="1828800" indent="0">
+              <a:buNone/>
+              <a:defRPr sz="1400">
+                <a:solidFill>
+                  <a:schemeClr val="tx1">
+                    <a:tint val="75000"/>
+                  </a:schemeClr>
+                </a:solidFill>
               </a:defRPr>
             </a:lvl5pPr>
-            <a:lvl6pPr marL="2743200" marR="0" lvl="5" indent="-320801" algn="l" rtl="0">
-              <a:lnSpc>
-                <a:spcPct val="100000"/>
-              </a:lnSpc>
-              <a:spcBef>
-                <a:spcPts val="0"/>
-              </a:spcBef>
-              <a:spcAft>
-                <a:spcPts val="0"/>
-              </a:spcAft>
-              <a:buClr>
-                <a:schemeClr val="dk2"/>
-              </a:buClr>
-              <a:buSzPts val="1452"/>
-              <a:buFont typeface="Arial"/>
-              <a:buChar char="-"/>
-              <a:defRPr sz="1632" b="0" i="0" u="none" strike="noStrike" cap="none">
-                <a:solidFill>
-                  <a:schemeClr val="dk1"/>
-                </a:solidFill>
-                <a:latin typeface="Arial"/>
-                <a:ea typeface="Arial"/>
-                <a:cs typeface="Arial"/>
-                <a:sym typeface="Arial"/>
+            <a:lvl6pPr marL="2286000" indent="0">
+              <a:buNone/>
+              <a:defRPr sz="1400">
+                <a:solidFill>
+                  <a:schemeClr val="tx1">
+                    <a:tint val="75000"/>
+                  </a:schemeClr>
+                </a:solidFill>
               </a:defRPr>
             </a:lvl6pPr>
-            <a:lvl7pPr marL="3200400" marR="0" lvl="6" indent="-320801" algn="l" rtl="0">
-              <a:lnSpc>
-                <a:spcPct val="100000"/>
-              </a:lnSpc>
-              <a:spcBef>
-                <a:spcPts val="0"/>
-              </a:spcBef>
-              <a:spcAft>
-                <a:spcPts val="0"/>
-              </a:spcAft>
-              <a:buClr>
-                <a:schemeClr val="dk2"/>
-              </a:buClr>
-              <a:buSzPts val="1452"/>
-              <a:buFont typeface="Arial"/>
-              <a:buChar char="-"/>
-              <a:defRPr sz="1632" b="0" i="0" u="none" strike="noStrike" cap="none">
-                <a:solidFill>
-                  <a:schemeClr val="dk1"/>
-                </a:solidFill>
-                <a:latin typeface="Arial"/>
-                <a:ea typeface="Arial"/>
-                <a:cs typeface="Arial"/>
-                <a:sym typeface="Arial"/>
+            <a:lvl7pPr marL="2743200" indent="0">
+              <a:buNone/>
+              <a:defRPr sz="1400">
+                <a:solidFill>
+                  <a:schemeClr val="tx1">
+                    <a:tint val="75000"/>
+                  </a:schemeClr>
+                </a:solidFill>
               </a:defRPr>
             </a:lvl7pPr>
-            <a:lvl8pPr marL="3657600" marR="0" lvl="7" indent="-320802" algn="l" rtl="0">
-              <a:lnSpc>
-                <a:spcPct val="100000"/>
-              </a:lnSpc>
-              <a:spcBef>
-                <a:spcPts val="0"/>
-              </a:spcBef>
-              <a:spcAft>
-                <a:spcPts val="0"/>
-              </a:spcAft>
-              <a:buClr>
-                <a:schemeClr val="dk2"/>
-              </a:buClr>
-              <a:buSzPts val="1452"/>
-              <a:buFont typeface="Arial"/>
-              <a:buChar char="-"/>
-              <a:defRPr sz="1632" b="0" i="0" u="none" strike="noStrike" cap="none">
-                <a:solidFill>
-                  <a:schemeClr val="dk1"/>
-                </a:solidFill>
-                <a:latin typeface="Arial"/>
-                <a:ea typeface="Arial"/>
-                <a:cs typeface="Arial"/>
-                <a:sym typeface="Arial"/>
+            <a:lvl8pPr marL="3200400" indent="0">
+              <a:buNone/>
+              <a:defRPr sz="1400">
+                <a:solidFill>
+                  <a:schemeClr val="tx1">
+                    <a:tint val="75000"/>
+                  </a:schemeClr>
+                </a:solidFill>
               </a:defRPr>
             </a:lvl8pPr>
-            <a:lvl9pPr marL="4114800" marR="0" lvl="8" indent="-320802" algn="l" rtl="0">
-              <a:lnSpc>
-                <a:spcPct val="100000"/>
-              </a:lnSpc>
-              <a:spcBef>
-                <a:spcPts val="0"/>
-              </a:spcBef>
-              <a:spcAft>
-                <a:spcPts val="0"/>
-              </a:spcAft>
-              <a:buClr>
-                <a:schemeClr val="dk2"/>
-              </a:buClr>
-              <a:buSzPts val="1452"/>
-              <a:buFont typeface="Arial"/>
-              <a:buChar char="-"/>
-              <a:defRPr sz="1632" b="0" i="0" u="none" strike="noStrike" cap="none">
-                <a:solidFill>
-                  <a:schemeClr val="dk1"/>
-                </a:solidFill>
-                <a:latin typeface="Arial"/>
-                <a:ea typeface="Arial"/>
-                <a:cs typeface="Arial"/>
-                <a:sym typeface="Arial"/>
+            <a:lvl9pPr marL="3657600" indent="0">
+              <a:buNone/>
+              <a:defRPr sz="1400">
+                <a:solidFill>
+                  <a:schemeClr val="tx1">
+                    <a:tint val="75000"/>
+                  </a:schemeClr>
+                </a:solidFill>
               </a:defRPr>
             </a:lvl9pPr>
           </a:lstStyle>
           <a:p>
-            <a:endParaRPr/>
-          </a:p>
-        </p:txBody>
-      </p:sp>
-      <p:sp>
-        <p:nvSpPr>
-          <p:cNvPr id="12" name="Google Shape;12;p2"/>
-          <p:cNvSpPr txBox="1">
+            <a:pPr lvl="0"/>
+            <a:r>
+              <a:rPr lang="en-US"/>
+              <a:t>Click to edit Master text styles</a:t>
+            </a:r>
+          </a:p>
+        </p:txBody>
+      </p:sp>
+      <p:sp>
+        <p:nvSpPr>
+          <p:cNvPr id="4" name="Date Placeholder 3"/>
+          <p:cNvSpPr>
+            <a:spLocks noGrp="1"/>
+          </p:cNvSpPr>
+          <p:nvPr>
+            <p:ph type="dt" sz="half" idx="10"/>
+          </p:nvPr>
+        </p:nvSpPr>
+        <p:spPr/>
+        <p:txBody>
+          <a:bodyPr/>
+          <a:lstStyle/>
+          <a:p>
+            <a:fld id="{96DFF08F-DC6B-4601-B491-B0F83F6DD2DA}" type="datetimeFigureOut">
+              <a:rPr lang="en-US" dirty="0"/>
+              <a:t>7/27/2020</a:t>
+            </a:fld>
+            <a:endParaRPr lang="en-US" dirty="0"/>
+          </a:p>
+        </p:txBody>
+      </p:sp>
+      <p:sp>
+        <p:nvSpPr>
+          <p:cNvPr id="5" name="Footer Placeholder 4"/>
+          <p:cNvSpPr>
+            <a:spLocks noGrp="1"/>
+          </p:cNvSpPr>
+          <p:nvPr>
+            <p:ph type="ftr" sz="quarter" idx="11"/>
+          </p:nvPr>
+        </p:nvSpPr>
+        <p:spPr/>
+        <p:txBody>
+          <a:bodyPr/>
+          <a:lstStyle/>
+          <a:p>
+            <a:endParaRPr lang="en-US" dirty="0"/>
+          </a:p>
+        </p:txBody>
+      </p:sp>
+      <p:sp>
+        <p:nvSpPr>
+          <p:cNvPr id="6" name="Slide Number Placeholder 5"/>
+          <p:cNvSpPr>
+            <a:spLocks noGrp="1"/>
+          </p:cNvSpPr>
+          <p:nvPr>
+            <p:ph type="sldNum" sz="quarter" idx="12"/>
+          </p:nvPr>
+        </p:nvSpPr>
+        <p:spPr/>
+        <p:txBody>
+          <a:bodyPr/>
+          <a:lstStyle/>
+          <a:p>
+            <a:fld id="{4FAB73BC-B049-4115-A692-8D63A059BFB8}" type="slidenum">
+              <a:rPr lang="en-US" dirty="0"/>
+              <a:t>‹#›</a:t>
+            </a:fld>
+            <a:endParaRPr lang="en-US" dirty="0"/>
+          </a:p>
+        </p:txBody>
+      </p:sp>
+      <p:cxnSp>
+        <p:nvCxnSpPr>
+          <p:cNvPr id="9" name="Straight Connector 8"/>
+          <p:cNvCxnSpPr/>
+          <p:nvPr/>
+        </p:nvCxnSpPr>
+        <p:spPr>
+          <a:xfrm>
+            <a:off x="905744" y="4343400"/>
+            <a:ext cx="7406640" cy="0"/>
+          </a:xfrm>
+          <a:prstGeom prst="line">
+            <a:avLst/>
+          </a:prstGeom>
+          <a:ln w="6350">
+            <a:solidFill>
+              <a:schemeClr val="tx1">
+                <a:lumMod val="50000"/>
+                <a:lumOff val="50000"/>
+              </a:schemeClr>
+            </a:solidFill>
+          </a:ln>
+        </p:spPr>
+        <p:style>
+          <a:lnRef idx="1">
+            <a:schemeClr val="accent1"/>
+          </a:lnRef>
+          <a:fillRef idx="0">
+            <a:schemeClr val="accent1"/>
+          </a:fillRef>
+          <a:effectRef idx="0">
+            <a:schemeClr val="accent1"/>
+          </a:effectRef>
+          <a:fontRef idx="minor">
+            <a:schemeClr val="tx1"/>
+          </a:fontRef>
+        </p:style>
+      </p:cxnSp>
+    </p:spTree>
+    <p:extLst>
+      <p:ext uri="{BB962C8B-B14F-4D97-AF65-F5344CB8AC3E}">
+        <p14:creationId xmlns:p14="http://schemas.microsoft.com/office/powerpoint/2010/main" val="2194187719"/>
+      </p:ext>
+    </p:extLst>
+  </p:cSld>
+  <p:clrMapOvr>
+    <a:masterClrMapping/>
+  </p:clrMapOvr>
+  <p:hf hdr="0" ftr="0" dt="0"/>
+</p:sldLayout>
+</file>
+
+<file path=ppt/slideLayouts/slideLayout4.xml><?xml version="1.0" encoding="utf-8"?>
+<p:sldLayout xmlns:a="http://schemas.openxmlformats.org/drawingml/2006/main" xmlns:r="http://schemas.openxmlformats.org/officeDocument/2006/relationships" xmlns:p="http://schemas.openxmlformats.org/presentationml/2006/main" type="twoObj" preserve="1">
+  <p:cSld name="Two Content">
+    <p:spTree>
+      <p:nvGrpSpPr>
+        <p:cNvPr id="1" name=""/>
+        <p:cNvGrpSpPr/>
+        <p:nvPr/>
+      </p:nvGrpSpPr>
+      <p:grpSpPr>
+        <a:xfrm>
+          <a:off x="0" y="0"/>
+          <a:ext cx="0" cy="0"/>
+          <a:chOff x="0" y="0"/>
+          <a:chExt cx="0" cy="0"/>
+        </a:xfrm>
+      </p:grpSpPr>
+      <p:sp>
+        <p:nvSpPr>
+          <p:cNvPr id="8" name="Title 7"/>
+          <p:cNvSpPr>
             <a:spLocks noGrp="1"/>
           </p:cNvSpPr>
           <p:nvPr>
@@ -2790,954 +3286,2357 @@
         </p:nvSpPr>
         <p:spPr>
           <a:xfrm>
-            <a:off x="174945" y="234863"/>
-            <a:ext cx="8794113" cy="298327"/>
+            <a:off x="822960" y="286604"/>
+            <a:ext cx="7543800" cy="1450757"/>
+          </a:xfrm>
+        </p:spPr>
+        <p:txBody>
+          <a:bodyPr/>
+          <a:lstStyle/>
+          <a:p>
+            <a:r>
+              <a:rPr lang="en-US"/>
+              <a:t>Click to edit Master title style</a:t>
+            </a:r>
+            <a:endParaRPr lang="en-US" dirty="0"/>
+          </a:p>
+        </p:txBody>
+      </p:sp>
+      <p:sp>
+        <p:nvSpPr>
+          <p:cNvPr id="3" name="Content Placeholder 2"/>
+          <p:cNvSpPr>
+            <a:spLocks noGrp="1"/>
+          </p:cNvSpPr>
+          <p:nvPr>
+            <p:ph sz="half" idx="1"/>
+          </p:nvPr>
+        </p:nvSpPr>
+        <p:spPr>
+          <a:xfrm>
+            <a:off x="822960" y="1845734"/>
+            <a:ext cx="3703320" cy="4023360"/>
+          </a:xfrm>
+        </p:spPr>
+        <p:txBody>
+          <a:bodyPr/>
+          <a:lstStyle/>
+          <a:p>
+            <a:pPr lvl="0"/>
+            <a:r>
+              <a:rPr lang="en-US"/>
+              <a:t>Click to edit Master text styles</a:t>
+            </a:r>
+          </a:p>
+          <a:p>
+            <a:pPr lvl="1"/>
+            <a:r>
+              <a:rPr lang="en-US"/>
+              <a:t>Second level</a:t>
+            </a:r>
+          </a:p>
+          <a:p>
+            <a:pPr lvl="2"/>
+            <a:r>
+              <a:rPr lang="en-US"/>
+              <a:t>Third level</a:t>
+            </a:r>
+          </a:p>
+          <a:p>
+            <a:pPr lvl="3"/>
+            <a:r>
+              <a:rPr lang="en-US"/>
+              <a:t>Fourth level</a:t>
+            </a:r>
+          </a:p>
+          <a:p>
+            <a:pPr lvl="4"/>
+            <a:r>
+              <a:rPr lang="en-US"/>
+              <a:t>Fifth level</a:t>
+            </a:r>
+            <a:endParaRPr lang="en-US" dirty="0"/>
+          </a:p>
+        </p:txBody>
+      </p:sp>
+      <p:sp>
+        <p:nvSpPr>
+          <p:cNvPr id="4" name="Content Placeholder 3"/>
+          <p:cNvSpPr>
+            <a:spLocks noGrp="1"/>
+          </p:cNvSpPr>
+          <p:nvPr>
+            <p:ph sz="half" idx="2"/>
+          </p:nvPr>
+        </p:nvSpPr>
+        <p:spPr>
+          <a:xfrm>
+            <a:off x="4663440" y="1845736"/>
+            <a:ext cx="3703320" cy="4023359"/>
+          </a:xfrm>
+        </p:spPr>
+        <p:txBody>
+          <a:bodyPr/>
+          <a:lstStyle/>
+          <a:p>
+            <a:pPr lvl="0"/>
+            <a:r>
+              <a:rPr lang="en-US"/>
+              <a:t>Click to edit Master text styles</a:t>
+            </a:r>
+          </a:p>
+          <a:p>
+            <a:pPr lvl="1"/>
+            <a:r>
+              <a:rPr lang="en-US"/>
+              <a:t>Second level</a:t>
+            </a:r>
+          </a:p>
+          <a:p>
+            <a:pPr lvl="2"/>
+            <a:r>
+              <a:rPr lang="en-US"/>
+              <a:t>Third level</a:t>
+            </a:r>
+          </a:p>
+          <a:p>
+            <a:pPr lvl="3"/>
+            <a:r>
+              <a:rPr lang="en-US"/>
+              <a:t>Fourth level</a:t>
+            </a:r>
+          </a:p>
+          <a:p>
+            <a:pPr lvl="4"/>
+            <a:r>
+              <a:rPr lang="en-US"/>
+              <a:t>Fifth level</a:t>
+            </a:r>
+            <a:endParaRPr lang="en-US" dirty="0"/>
+          </a:p>
+        </p:txBody>
+      </p:sp>
+      <p:sp>
+        <p:nvSpPr>
+          <p:cNvPr id="5" name="Date Placeholder 4"/>
+          <p:cNvSpPr>
+            <a:spLocks noGrp="1"/>
+          </p:cNvSpPr>
+          <p:nvPr>
+            <p:ph type="dt" sz="half" idx="10"/>
+          </p:nvPr>
+        </p:nvSpPr>
+        <p:spPr/>
+        <p:txBody>
+          <a:bodyPr/>
+          <a:lstStyle/>
+          <a:p>
+            <a:fld id="{96DFF08F-DC6B-4601-B491-B0F83F6DD2DA}" type="datetimeFigureOut">
+              <a:rPr lang="en-US" dirty="0"/>
+              <a:t>7/27/2020</a:t>
+            </a:fld>
+            <a:endParaRPr lang="en-US" dirty="0"/>
+          </a:p>
+        </p:txBody>
+      </p:sp>
+      <p:sp>
+        <p:nvSpPr>
+          <p:cNvPr id="6" name="Footer Placeholder 5"/>
+          <p:cNvSpPr>
+            <a:spLocks noGrp="1"/>
+          </p:cNvSpPr>
+          <p:nvPr>
+            <p:ph type="ftr" sz="quarter" idx="11"/>
+          </p:nvPr>
+        </p:nvSpPr>
+        <p:spPr/>
+        <p:txBody>
+          <a:bodyPr/>
+          <a:lstStyle/>
+          <a:p>
+            <a:endParaRPr lang="en-US" dirty="0"/>
+          </a:p>
+        </p:txBody>
+      </p:sp>
+      <p:sp>
+        <p:nvSpPr>
+          <p:cNvPr id="7" name="Slide Number Placeholder 6"/>
+          <p:cNvSpPr>
+            <a:spLocks noGrp="1"/>
+          </p:cNvSpPr>
+          <p:nvPr>
+            <p:ph type="sldNum" sz="quarter" idx="12"/>
+          </p:nvPr>
+        </p:nvSpPr>
+        <p:spPr/>
+        <p:txBody>
+          <a:bodyPr/>
+          <a:lstStyle/>
+          <a:p>
+            <a:fld id="{4FAB73BC-B049-4115-A692-8D63A059BFB8}" type="slidenum">
+              <a:rPr lang="en-US" dirty="0"/>
+              <a:t>‹#›</a:t>
+            </a:fld>
+            <a:endParaRPr lang="en-US" dirty="0"/>
+          </a:p>
+        </p:txBody>
+      </p:sp>
+    </p:spTree>
+    <p:extLst>
+      <p:ext uri="{BB962C8B-B14F-4D97-AF65-F5344CB8AC3E}">
+        <p14:creationId xmlns:p14="http://schemas.microsoft.com/office/powerpoint/2010/main" val="3340125813"/>
+      </p:ext>
+    </p:extLst>
+  </p:cSld>
+  <p:clrMapOvr>
+    <a:masterClrMapping/>
+  </p:clrMapOvr>
+  <p:hf hdr="0" ftr="0" dt="0"/>
+</p:sldLayout>
+</file>
+
+<file path=ppt/slideLayouts/slideLayout5.xml><?xml version="1.0" encoding="utf-8"?>
+<p:sldLayout xmlns:a="http://schemas.openxmlformats.org/drawingml/2006/main" xmlns:r="http://schemas.openxmlformats.org/officeDocument/2006/relationships" xmlns:p="http://schemas.openxmlformats.org/presentationml/2006/main" type="twoTxTwoObj" preserve="1">
+  <p:cSld name="Comparison">
+    <p:spTree>
+      <p:nvGrpSpPr>
+        <p:cNvPr id="1" name=""/>
+        <p:cNvGrpSpPr/>
+        <p:nvPr/>
+      </p:nvGrpSpPr>
+      <p:grpSpPr>
+        <a:xfrm>
+          <a:off x="0" y="0"/>
+          <a:ext cx="0" cy="0"/>
+          <a:chOff x="0" y="0"/>
+          <a:chExt cx="0" cy="0"/>
+        </a:xfrm>
+      </p:grpSpPr>
+      <p:sp>
+        <p:nvSpPr>
+          <p:cNvPr id="10" name="Title 9"/>
+          <p:cNvSpPr>
+            <a:spLocks noGrp="1"/>
+          </p:cNvSpPr>
+          <p:nvPr>
+            <p:ph type="title"/>
+          </p:nvPr>
+        </p:nvSpPr>
+        <p:spPr>
+          <a:xfrm>
+            <a:off x="822960" y="286604"/>
+            <a:ext cx="7543800" cy="1450757"/>
+          </a:xfrm>
+        </p:spPr>
+        <p:txBody>
+          <a:bodyPr/>
+          <a:lstStyle/>
+          <a:p>
+            <a:r>
+              <a:rPr lang="en-US"/>
+              <a:t>Click to edit Master title style</a:t>
+            </a:r>
+            <a:endParaRPr lang="en-US" dirty="0"/>
+          </a:p>
+        </p:txBody>
+      </p:sp>
+      <p:sp>
+        <p:nvSpPr>
+          <p:cNvPr id="3" name="Text Placeholder 2"/>
+          <p:cNvSpPr>
+            <a:spLocks noGrp="1"/>
+          </p:cNvSpPr>
+          <p:nvPr>
+            <p:ph type="body" idx="1"/>
+          </p:nvPr>
+        </p:nvSpPr>
+        <p:spPr>
+          <a:xfrm>
+            <a:off x="822960" y="1846052"/>
+            <a:ext cx="3703320" cy="736282"/>
+          </a:xfrm>
+        </p:spPr>
+        <p:txBody>
+          <a:bodyPr lIns="91440" rIns="91440" anchor="ctr">
+            <a:normAutofit/>
+          </a:bodyPr>
+          <a:lstStyle>
+            <a:lvl1pPr marL="0" indent="0">
+              <a:buNone/>
+              <a:defRPr sz="2000" b="0" cap="all" baseline="0">
+                <a:solidFill>
+                  <a:schemeClr val="tx2"/>
+                </a:solidFill>
+              </a:defRPr>
+            </a:lvl1pPr>
+            <a:lvl2pPr marL="457200" indent="0">
+              <a:buNone/>
+              <a:defRPr sz="2000" b="1"/>
+            </a:lvl2pPr>
+            <a:lvl3pPr marL="914400" indent="0">
+              <a:buNone/>
+              <a:defRPr sz="1800" b="1"/>
+            </a:lvl3pPr>
+            <a:lvl4pPr marL="1371600" indent="0">
+              <a:buNone/>
+              <a:defRPr sz="1600" b="1"/>
+            </a:lvl4pPr>
+            <a:lvl5pPr marL="1828800" indent="0">
+              <a:buNone/>
+              <a:defRPr sz="1600" b="1"/>
+            </a:lvl5pPr>
+            <a:lvl6pPr marL="2286000" indent="0">
+              <a:buNone/>
+              <a:defRPr sz="1600" b="1"/>
+            </a:lvl6pPr>
+            <a:lvl7pPr marL="2743200" indent="0">
+              <a:buNone/>
+              <a:defRPr sz="1600" b="1"/>
+            </a:lvl7pPr>
+            <a:lvl8pPr marL="3200400" indent="0">
+              <a:buNone/>
+              <a:defRPr sz="1600" b="1"/>
+            </a:lvl8pPr>
+            <a:lvl9pPr marL="3657600" indent="0">
+              <a:buNone/>
+              <a:defRPr sz="1600" b="1"/>
+            </a:lvl9pPr>
+          </a:lstStyle>
+          <a:p>
+            <a:pPr lvl="0"/>
+            <a:r>
+              <a:rPr lang="en-US"/>
+              <a:t>Click to edit Master text styles</a:t>
+            </a:r>
+          </a:p>
+        </p:txBody>
+      </p:sp>
+      <p:sp>
+        <p:nvSpPr>
+          <p:cNvPr id="4" name="Content Placeholder 3"/>
+          <p:cNvSpPr>
+            <a:spLocks noGrp="1"/>
+          </p:cNvSpPr>
+          <p:nvPr>
+            <p:ph sz="half" idx="2"/>
+          </p:nvPr>
+        </p:nvSpPr>
+        <p:spPr>
+          <a:xfrm>
+            <a:off x="822960" y="2582334"/>
+            <a:ext cx="3703320" cy="3286760"/>
+          </a:xfrm>
+        </p:spPr>
+        <p:txBody>
+          <a:bodyPr/>
+          <a:lstStyle/>
+          <a:p>
+            <a:pPr lvl="0"/>
+            <a:r>
+              <a:rPr lang="en-US"/>
+              <a:t>Click to edit Master text styles</a:t>
+            </a:r>
+          </a:p>
+          <a:p>
+            <a:pPr lvl="1"/>
+            <a:r>
+              <a:rPr lang="en-US"/>
+              <a:t>Second level</a:t>
+            </a:r>
+          </a:p>
+          <a:p>
+            <a:pPr lvl="2"/>
+            <a:r>
+              <a:rPr lang="en-US"/>
+              <a:t>Third level</a:t>
+            </a:r>
+          </a:p>
+          <a:p>
+            <a:pPr lvl="3"/>
+            <a:r>
+              <a:rPr lang="en-US"/>
+              <a:t>Fourth level</a:t>
+            </a:r>
+          </a:p>
+          <a:p>
+            <a:pPr lvl="4"/>
+            <a:r>
+              <a:rPr lang="en-US"/>
+              <a:t>Fifth level</a:t>
+            </a:r>
+            <a:endParaRPr lang="en-US" dirty="0"/>
+          </a:p>
+        </p:txBody>
+      </p:sp>
+      <p:sp>
+        <p:nvSpPr>
+          <p:cNvPr id="5" name="Text Placeholder 4"/>
+          <p:cNvSpPr>
+            <a:spLocks noGrp="1"/>
+          </p:cNvSpPr>
+          <p:nvPr>
+            <p:ph type="body" sz="quarter" idx="3"/>
+          </p:nvPr>
+        </p:nvSpPr>
+        <p:spPr>
+          <a:xfrm>
+            <a:off x="4663440" y="1846052"/>
+            <a:ext cx="3703320" cy="736282"/>
+          </a:xfrm>
+        </p:spPr>
+        <p:txBody>
+          <a:bodyPr lIns="91440" rIns="91440" anchor="ctr">
+            <a:normAutofit/>
+          </a:bodyPr>
+          <a:lstStyle>
+            <a:lvl1pPr marL="0" indent="0">
+              <a:buNone/>
+              <a:defRPr sz="2000" b="0" cap="all" baseline="0">
+                <a:solidFill>
+                  <a:schemeClr val="tx2"/>
+                </a:solidFill>
+              </a:defRPr>
+            </a:lvl1pPr>
+            <a:lvl2pPr marL="457200" indent="0">
+              <a:buNone/>
+              <a:defRPr sz="2000" b="1"/>
+            </a:lvl2pPr>
+            <a:lvl3pPr marL="914400" indent="0">
+              <a:buNone/>
+              <a:defRPr sz="1800" b="1"/>
+            </a:lvl3pPr>
+            <a:lvl4pPr marL="1371600" indent="0">
+              <a:buNone/>
+              <a:defRPr sz="1600" b="1"/>
+            </a:lvl4pPr>
+            <a:lvl5pPr marL="1828800" indent="0">
+              <a:buNone/>
+              <a:defRPr sz="1600" b="1"/>
+            </a:lvl5pPr>
+            <a:lvl6pPr marL="2286000" indent="0">
+              <a:buNone/>
+              <a:defRPr sz="1600" b="1"/>
+            </a:lvl6pPr>
+            <a:lvl7pPr marL="2743200" indent="0">
+              <a:buNone/>
+              <a:defRPr sz="1600" b="1"/>
+            </a:lvl7pPr>
+            <a:lvl8pPr marL="3200400" indent="0">
+              <a:buNone/>
+              <a:defRPr sz="1600" b="1"/>
+            </a:lvl8pPr>
+            <a:lvl9pPr marL="3657600" indent="0">
+              <a:buNone/>
+              <a:defRPr sz="1600" b="1"/>
+            </a:lvl9pPr>
+          </a:lstStyle>
+          <a:p>
+            <a:pPr lvl="0"/>
+            <a:r>
+              <a:rPr lang="en-US"/>
+              <a:t>Click to edit Master text styles</a:t>
+            </a:r>
+          </a:p>
+        </p:txBody>
+      </p:sp>
+      <p:sp>
+        <p:nvSpPr>
+          <p:cNvPr id="6" name="Content Placeholder 5"/>
+          <p:cNvSpPr>
+            <a:spLocks noGrp="1"/>
+          </p:cNvSpPr>
+          <p:nvPr>
+            <p:ph sz="quarter" idx="4"/>
+          </p:nvPr>
+        </p:nvSpPr>
+        <p:spPr>
+          <a:xfrm>
+            <a:off x="4663440" y="2582334"/>
+            <a:ext cx="3703320" cy="3286760"/>
+          </a:xfrm>
+        </p:spPr>
+        <p:txBody>
+          <a:bodyPr/>
+          <a:lstStyle/>
+          <a:p>
+            <a:pPr lvl="0"/>
+            <a:r>
+              <a:rPr lang="en-US"/>
+              <a:t>Click to edit Master text styles</a:t>
+            </a:r>
+          </a:p>
+          <a:p>
+            <a:pPr lvl="1"/>
+            <a:r>
+              <a:rPr lang="en-US"/>
+              <a:t>Second level</a:t>
+            </a:r>
+          </a:p>
+          <a:p>
+            <a:pPr lvl="2"/>
+            <a:r>
+              <a:rPr lang="en-US"/>
+              <a:t>Third level</a:t>
+            </a:r>
+          </a:p>
+          <a:p>
+            <a:pPr lvl="3"/>
+            <a:r>
+              <a:rPr lang="en-US"/>
+              <a:t>Fourth level</a:t>
+            </a:r>
+          </a:p>
+          <a:p>
+            <a:pPr lvl="4"/>
+            <a:r>
+              <a:rPr lang="en-US"/>
+              <a:t>Fifth level</a:t>
+            </a:r>
+            <a:endParaRPr lang="en-US" dirty="0"/>
+          </a:p>
+        </p:txBody>
+      </p:sp>
+      <p:sp>
+        <p:nvSpPr>
+          <p:cNvPr id="7" name="Date Placeholder 6"/>
+          <p:cNvSpPr>
+            <a:spLocks noGrp="1"/>
+          </p:cNvSpPr>
+          <p:nvPr>
+            <p:ph type="dt" sz="half" idx="10"/>
+          </p:nvPr>
+        </p:nvSpPr>
+        <p:spPr/>
+        <p:txBody>
+          <a:bodyPr/>
+          <a:lstStyle/>
+          <a:p>
+            <a:fld id="{96DFF08F-DC6B-4601-B491-B0F83F6DD2DA}" type="datetimeFigureOut">
+              <a:rPr lang="en-US" dirty="0"/>
+              <a:t>7/27/2020</a:t>
+            </a:fld>
+            <a:endParaRPr lang="en-US" dirty="0"/>
+          </a:p>
+        </p:txBody>
+      </p:sp>
+      <p:sp>
+        <p:nvSpPr>
+          <p:cNvPr id="8" name="Footer Placeholder 7"/>
+          <p:cNvSpPr>
+            <a:spLocks noGrp="1"/>
+          </p:cNvSpPr>
+          <p:nvPr>
+            <p:ph type="ftr" sz="quarter" idx="11"/>
+          </p:nvPr>
+        </p:nvSpPr>
+        <p:spPr/>
+        <p:txBody>
+          <a:bodyPr/>
+          <a:lstStyle/>
+          <a:p>
+            <a:endParaRPr lang="en-US" dirty="0"/>
+          </a:p>
+        </p:txBody>
+      </p:sp>
+      <p:sp>
+        <p:nvSpPr>
+          <p:cNvPr id="9" name="Slide Number Placeholder 8"/>
+          <p:cNvSpPr>
+            <a:spLocks noGrp="1"/>
+          </p:cNvSpPr>
+          <p:nvPr>
+            <p:ph type="sldNum" sz="quarter" idx="12"/>
+          </p:nvPr>
+        </p:nvSpPr>
+        <p:spPr/>
+        <p:txBody>
+          <a:bodyPr/>
+          <a:lstStyle/>
+          <a:p>
+            <a:fld id="{4FAB73BC-B049-4115-A692-8D63A059BFB8}" type="slidenum">
+              <a:rPr lang="en-US" dirty="0"/>
+              <a:t>‹#›</a:t>
+            </a:fld>
+            <a:endParaRPr lang="en-US" dirty="0"/>
+          </a:p>
+        </p:txBody>
+      </p:sp>
+    </p:spTree>
+    <p:extLst>
+      <p:ext uri="{BB962C8B-B14F-4D97-AF65-F5344CB8AC3E}">
+        <p14:creationId xmlns:p14="http://schemas.microsoft.com/office/powerpoint/2010/main" val="125472401"/>
+      </p:ext>
+    </p:extLst>
+  </p:cSld>
+  <p:clrMapOvr>
+    <a:masterClrMapping/>
+  </p:clrMapOvr>
+  <p:hf hdr="0" ftr="0" dt="0"/>
+</p:sldLayout>
+</file>
+
+<file path=ppt/slideLayouts/slideLayout6.xml><?xml version="1.0" encoding="utf-8"?>
+<p:sldLayout xmlns:a="http://schemas.openxmlformats.org/drawingml/2006/main" xmlns:r="http://schemas.openxmlformats.org/officeDocument/2006/relationships" xmlns:p="http://schemas.openxmlformats.org/presentationml/2006/main" type="titleOnly" preserve="1">
+  <p:cSld name="Title Only">
+    <p:spTree>
+      <p:nvGrpSpPr>
+        <p:cNvPr id="1" name=""/>
+        <p:cNvGrpSpPr/>
+        <p:nvPr/>
+      </p:nvGrpSpPr>
+      <p:grpSpPr>
+        <a:xfrm>
+          <a:off x="0" y="0"/>
+          <a:ext cx="0" cy="0"/>
+          <a:chOff x="0" y="0"/>
+          <a:chExt cx="0" cy="0"/>
+        </a:xfrm>
+      </p:grpSpPr>
+      <p:sp>
+        <p:nvSpPr>
+          <p:cNvPr id="2" name="Title 1"/>
+          <p:cNvSpPr>
+            <a:spLocks noGrp="1"/>
+          </p:cNvSpPr>
+          <p:nvPr>
+            <p:ph type="title"/>
+          </p:nvPr>
+        </p:nvSpPr>
+        <p:spPr/>
+        <p:txBody>
+          <a:bodyPr/>
+          <a:lstStyle/>
+          <a:p>
+            <a:r>
+              <a:rPr lang="en-US"/>
+              <a:t>Click to edit Master title style</a:t>
+            </a:r>
+            <a:endParaRPr lang="en-US" dirty="0"/>
+          </a:p>
+        </p:txBody>
+      </p:sp>
+      <p:sp>
+        <p:nvSpPr>
+          <p:cNvPr id="3" name="Date Placeholder 2"/>
+          <p:cNvSpPr>
+            <a:spLocks noGrp="1"/>
+          </p:cNvSpPr>
+          <p:nvPr>
+            <p:ph type="dt" sz="half" idx="10"/>
+          </p:nvPr>
+        </p:nvSpPr>
+        <p:spPr/>
+        <p:txBody>
+          <a:bodyPr/>
+          <a:lstStyle/>
+          <a:p>
+            <a:fld id="{96DFF08F-DC6B-4601-B491-B0F83F6DD2DA}" type="datetimeFigureOut">
+              <a:rPr lang="en-US" dirty="0"/>
+              <a:t>7/27/2020</a:t>
+            </a:fld>
+            <a:endParaRPr lang="en-US" dirty="0"/>
+          </a:p>
+        </p:txBody>
+      </p:sp>
+      <p:sp>
+        <p:nvSpPr>
+          <p:cNvPr id="4" name="Footer Placeholder 3"/>
+          <p:cNvSpPr>
+            <a:spLocks noGrp="1"/>
+          </p:cNvSpPr>
+          <p:nvPr>
+            <p:ph type="ftr" sz="quarter" idx="11"/>
+          </p:nvPr>
+        </p:nvSpPr>
+        <p:spPr/>
+        <p:txBody>
+          <a:bodyPr/>
+          <a:lstStyle/>
+          <a:p>
+            <a:endParaRPr lang="en-US" dirty="0"/>
+          </a:p>
+        </p:txBody>
+      </p:sp>
+      <p:sp>
+        <p:nvSpPr>
+          <p:cNvPr id="5" name="Slide Number Placeholder 4"/>
+          <p:cNvSpPr>
+            <a:spLocks noGrp="1"/>
+          </p:cNvSpPr>
+          <p:nvPr>
+            <p:ph type="sldNum" sz="quarter" idx="12"/>
+          </p:nvPr>
+        </p:nvSpPr>
+        <p:spPr/>
+        <p:txBody>
+          <a:bodyPr/>
+          <a:lstStyle/>
+          <a:p>
+            <a:fld id="{4FAB73BC-B049-4115-A692-8D63A059BFB8}" type="slidenum">
+              <a:rPr lang="en-US" dirty="0"/>
+              <a:t>‹#›</a:t>
+            </a:fld>
+            <a:endParaRPr lang="en-US" dirty="0"/>
+          </a:p>
+        </p:txBody>
+      </p:sp>
+    </p:spTree>
+    <p:extLst>
+      <p:ext uri="{BB962C8B-B14F-4D97-AF65-F5344CB8AC3E}">
+        <p14:creationId xmlns:p14="http://schemas.microsoft.com/office/powerpoint/2010/main" val="1721215542"/>
+      </p:ext>
+    </p:extLst>
+  </p:cSld>
+  <p:clrMapOvr>
+    <a:masterClrMapping/>
+  </p:clrMapOvr>
+</p:sldLayout>
+</file>
+
+<file path=ppt/slideLayouts/slideLayout7.xml><?xml version="1.0" encoding="utf-8"?>
+<p:sldLayout xmlns:a="http://schemas.openxmlformats.org/drawingml/2006/main" xmlns:r="http://schemas.openxmlformats.org/officeDocument/2006/relationships" xmlns:p="http://schemas.openxmlformats.org/presentationml/2006/main" showMasterSp="0" type="blank" preserve="1">
+  <p:cSld name="Blank">
+    <p:spTree>
+      <p:nvGrpSpPr>
+        <p:cNvPr id="1" name=""/>
+        <p:cNvGrpSpPr/>
+        <p:nvPr/>
+      </p:nvGrpSpPr>
+      <p:grpSpPr>
+        <a:xfrm>
+          <a:off x="0" y="0"/>
+          <a:ext cx="0" cy="0"/>
+          <a:chOff x="0" y="0"/>
+          <a:chExt cx="0" cy="0"/>
+        </a:xfrm>
+      </p:grpSpPr>
+      <p:sp>
+        <p:nvSpPr>
+          <p:cNvPr id="5" name="Rectangle 4"/>
+          <p:cNvSpPr/>
+          <p:nvPr/>
+        </p:nvSpPr>
+        <p:spPr>
+          <a:xfrm>
+            <a:off x="2382" y="6400800"/>
+            <a:ext cx="9141619" cy="457200"/>
           </a:xfrm>
           <a:prstGeom prst="rect">
             <a:avLst/>
           </a:prstGeom>
-          <a:noFill/>
+          <a:solidFill>
+            <a:schemeClr val="accent2"/>
+          </a:solidFill>
           <a:ln>
             <a:noFill/>
           </a:ln>
         </p:spPr>
-        <p:txBody>
-          <a:bodyPr spcFirstLastPara="1" wrap="square" lIns="0" tIns="0" rIns="0" bIns="0" anchor="t" anchorCtr="0">
+        <p:style>
+          <a:lnRef idx="2">
+            <a:schemeClr val="accent1">
+              <a:shade val="50000"/>
+            </a:schemeClr>
+          </a:lnRef>
+          <a:fillRef idx="1">
+            <a:schemeClr val="accent1"/>
+          </a:fillRef>
+          <a:effectRef idx="0">
+            <a:schemeClr val="accent1"/>
+          </a:effectRef>
+          <a:fontRef idx="minor">
+            <a:schemeClr val="lt1"/>
+          </a:fontRef>
+        </p:style>
+      </p:sp>
+      <p:sp>
+        <p:nvSpPr>
+          <p:cNvPr id="6" name="Rectangle 5"/>
+          <p:cNvSpPr/>
+          <p:nvPr/>
+        </p:nvSpPr>
+        <p:spPr>
+          <a:xfrm>
+            <a:off x="12" y="6334316"/>
+            <a:ext cx="9141619" cy="64008"/>
+          </a:xfrm>
+          <a:prstGeom prst="rect">
+            <a:avLst/>
+          </a:prstGeom>
+          <a:solidFill>
+            <a:schemeClr val="accent1"/>
+          </a:solidFill>
+          <a:ln>
+            <a:noFill/>
+          </a:ln>
+        </p:spPr>
+        <p:style>
+          <a:lnRef idx="2">
+            <a:schemeClr val="accent1">
+              <a:shade val="50000"/>
+            </a:schemeClr>
+          </a:lnRef>
+          <a:fillRef idx="1">
+            <a:schemeClr val="accent1"/>
+          </a:fillRef>
+          <a:effectRef idx="0">
+            <a:schemeClr val="accent1"/>
+          </a:effectRef>
+          <a:fontRef idx="minor">
+            <a:schemeClr val="lt1"/>
+          </a:fontRef>
+        </p:style>
+      </p:sp>
+      <p:sp>
+        <p:nvSpPr>
+          <p:cNvPr id="7" name="Date Placeholder 6"/>
+          <p:cNvSpPr>
+            <a:spLocks noGrp="1"/>
+          </p:cNvSpPr>
+          <p:nvPr>
+            <p:ph type="dt" sz="half" idx="10"/>
+          </p:nvPr>
+        </p:nvSpPr>
+        <p:spPr/>
+        <p:txBody>
+          <a:bodyPr/>
+          <a:lstStyle/>
+          <a:p>
+            <a:fld id="{96DFF08F-DC6B-4601-B491-B0F83F6DD2DA}" type="datetimeFigureOut">
+              <a:rPr lang="en-US" dirty="0"/>
+              <a:pPr/>
+              <a:t>7/27/2020</a:t>
+            </a:fld>
+            <a:endParaRPr lang="en-US" dirty="0"/>
+          </a:p>
+        </p:txBody>
+      </p:sp>
+      <p:sp>
+        <p:nvSpPr>
+          <p:cNvPr id="8" name="Footer Placeholder 7"/>
+          <p:cNvSpPr>
+            <a:spLocks noGrp="1"/>
+          </p:cNvSpPr>
+          <p:nvPr>
+            <p:ph type="ftr" sz="quarter" idx="11"/>
+          </p:nvPr>
+        </p:nvSpPr>
+        <p:spPr/>
+        <p:txBody>
+          <a:bodyPr/>
+          <a:lstStyle>
+            <a:lvl1pPr>
+              <a:defRPr>
+                <a:solidFill>
+                  <a:srgbClr val="FFFFFF"/>
+                </a:solidFill>
+              </a:defRPr>
+            </a:lvl1pPr>
+          </a:lstStyle>
+          <a:p>
+            <a:endParaRPr lang="en-US" dirty="0"/>
+          </a:p>
+        </p:txBody>
+      </p:sp>
+      <p:sp>
+        <p:nvSpPr>
+          <p:cNvPr id="9" name="Slide Number Placeholder 8"/>
+          <p:cNvSpPr>
+            <a:spLocks noGrp="1"/>
+          </p:cNvSpPr>
+          <p:nvPr>
+            <p:ph type="sldNum" sz="quarter" idx="12"/>
+          </p:nvPr>
+        </p:nvSpPr>
+        <p:spPr/>
+        <p:txBody>
+          <a:bodyPr/>
+          <a:lstStyle/>
+          <a:p>
+            <a:fld id="{4FAB73BC-B049-4115-A692-8D63A059BFB8}" type="slidenum">
+              <a:rPr lang="en-US" dirty="0"/>
+              <a:pPr/>
+              <a:t>‹#›</a:t>
+            </a:fld>
+            <a:endParaRPr lang="en-US" dirty="0"/>
+          </a:p>
+        </p:txBody>
+      </p:sp>
+    </p:spTree>
+    <p:extLst>
+      <p:ext uri="{BB962C8B-B14F-4D97-AF65-F5344CB8AC3E}">
+        <p14:creationId xmlns:p14="http://schemas.microsoft.com/office/powerpoint/2010/main" val="3833104483"/>
+      </p:ext>
+    </p:extLst>
+  </p:cSld>
+  <p:clrMapOvr>
+    <a:masterClrMapping/>
+  </p:clrMapOvr>
+  <p:hf hdr="0" ftr="0" dt="0"/>
+</p:sldLayout>
+</file>
+
+<file path=ppt/slideLayouts/slideLayout8.xml><?xml version="1.0" encoding="utf-8"?>
+<p:sldLayout xmlns:a="http://schemas.openxmlformats.org/drawingml/2006/main" xmlns:r="http://schemas.openxmlformats.org/officeDocument/2006/relationships" xmlns:p="http://schemas.openxmlformats.org/presentationml/2006/main" showMasterSp="0" type="objTx" preserve="1">
+  <p:cSld name="Content with Caption">
+    <p:spTree>
+      <p:nvGrpSpPr>
+        <p:cNvPr id="1" name=""/>
+        <p:cNvGrpSpPr/>
+        <p:nvPr/>
+      </p:nvGrpSpPr>
+      <p:grpSpPr>
+        <a:xfrm>
+          <a:off x="0" y="0"/>
+          <a:ext cx="0" cy="0"/>
+          <a:chOff x="0" y="0"/>
+          <a:chExt cx="0" cy="0"/>
+        </a:xfrm>
+      </p:grpSpPr>
+      <p:sp>
+        <p:nvSpPr>
+          <p:cNvPr id="8" name="Rectangle 7"/>
+          <p:cNvSpPr/>
+          <p:nvPr/>
+        </p:nvSpPr>
+        <p:spPr>
+          <a:xfrm>
+            <a:off x="13" y="0"/>
+            <a:ext cx="3038093" cy="6858000"/>
+          </a:xfrm>
+          <a:prstGeom prst="rect">
+            <a:avLst/>
+          </a:prstGeom>
+          <a:solidFill>
+            <a:schemeClr val="accent2"/>
+          </a:solidFill>
+          <a:ln>
+            <a:noFill/>
+          </a:ln>
+        </p:spPr>
+        <p:style>
+          <a:lnRef idx="2">
+            <a:schemeClr val="accent1">
+              <a:shade val="50000"/>
+            </a:schemeClr>
+          </a:lnRef>
+          <a:fillRef idx="1">
+            <a:schemeClr val="accent1"/>
+          </a:fillRef>
+          <a:effectRef idx="0">
+            <a:schemeClr val="accent1"/>
+          </a:effectRef>
+          <a:fontRef idx="minor">
+            <a:schemeClr val="lt1"/>
+          </a:fontRef>
+        </p:style>
+      </p:sp>
+      <p:sp>
+        <p:nvSpPr>
+          <p:cNvPr id="9" name="Rectangle 8"/>
+          <p:cNvSpPr/>
+          <p:nvPr/>
+        </p:nvSpPr>
+        <p:spPr>
+          <a:xfrm>
+            <a:off x="3030053" y="0"/>
+            <a:ext cx="48006" cy="6858000"/>
+          </a:xfrm>
+          <a:prstGeom prst="rect">
+            <a:avLst/>
+          </a:prstGeom>
+          <a:solidFill>
+            <a:schemeClr val="accent1"/>
+          </a:solidFill>
+          <a:ln>
+            <a:noFill/>
+          </a:ln>
+        </p:spPr>
+        <p:style>
+          <a:lnRef idx="2">
+            <a:schemeClr val="accent1">
+              <a:shade val="50000"/>
+            </a:schemeClr>
+          </a:lnRef>
+          <a:fillRef idx="1">
+            <a:schemeClr val="accent1"/>
+          </a:fillRef>
+          <a:effectRef idx="0">
+            <a:schemeClr val="accent1"/>
+          </a:effectRef>
+          <a:fontRef idx="minor">
+            <a:schemeClr val="lt1"/>
+          </a:fontRef>
+        </p:style>
+      </p:sp>
+      <p:sp>
+        <p:nvSpPr>
+          <p:cNvPr id="2" name="Title 1"/>
+          <p:cNvSpPr>
+            <a:spLocks noGrp="1"/>
+          </p:cNvSpPr>
+          <p:nvPr>
+            <p:ph type="title"/>
+          </p:nvPr>
+        </p:nvSpPr>
+        <p:spPr>
+          <a:xfrm>
+            <a:off x="342900" y="594359"/>
+            <a:ext cx="2400300" cy="2286000"/>
+          </a:xfrm>
+        </p:spPr>
+        <p:txBody>
+          <a:bodyPr anchor="b">
+            <a:normAutofit/>
+          </a:bodyPr>
+          <a:lstStyle>
+            <a:lvl1pPr>
+              <a:defRPr sz="3600" b="0">
+                <a:solidFill>
+                  <a:srgbClr val="FFFFFF"/>
+                </a:solidFill>
+              </a:defRPr>
+            </a:lvl1pPr>
+          </a:lstStyle>
+          <a:p>
+            <a:r>
+              <a:rPr lang="en-US"/>
+              <a:t>Click to edit Master title style</a:t>
+            </a:r>
+            <a:endParaRPr lang="en-US" dirty="0"/>
+          </a:p>
+        </p:txBody>
+      </p:sp>
+      <p:sp>
+        <p:nvSpPr>
+          <p:cNvPr id="3" name="Content Placeholder 2"/>
+          <p:cNvSpPr>
+            <a:spLocks noGrp="1"/>
+          </p:cNvSpPr>
+          <p:nvPr>
+            <p:ph idx="1"/>
+          </p:nvPr>
+        </p:nvSpPr>
+        <p:spPr>
+          <a:xfrm>
+            <a:off x="3460237" y="731520"/>
+            <a:ext cx="5009393" cy="5257800"/>
+          </a:xfrm>
+        </p:spPr>
+        <p:txBody>
+          <a:bodyPr/>
+          <a:lstStyle/>
+          <a:p>
+            <a:pPr lvl="0"/>
+            <a:r>
+              <a:rPr lang="en-US"/>
+              <a:t>Click to edit Master text styles</a:t>
+            </a:r>
+          </a:p>
+          <a:p>
+            <a:pPr lvl="1"/>
+            <a:r>
+              <a:rPr lang="en-US"/>
+              <a:t>Second level</a:t>
+            </a:r>
+          </a:p>
+          <a:p>
+            <a:pPr lvl="2"/>
+            <a:r>
+              <a:rPr lang="en-US"/>
+              <a:t>Third level</a:t>
+            </a:r>
+          </a:p>
+          <a:p>
+            <a:pPr lvl="3"/>
+            <a:r>
+              <a:rPr lang="en-US"/>
+              <a:t>Fourth level</a:t>
+            </a:r>
+          </a:p>
+          <a:p>
+            <a:pPr lvl="4"/>
+            <a:r>
+              <a:rPr lang="en-US"/>
+              <a:t>Fifth level</a:t>
+            </a:r>
+            <a:endParaRPr lang="en-US" dirty="0"/>
+          </a:p>
+        </p:txBody>
+      </p:sp>
+      <p:sp>
+        <p:nvSpPr>
+          <p:cNvPr id="4" name="Text Placeholder 3"/>
+          <p:cNvSpPr>
+            <a:spLocks noGrp="1"/>
+          </p:cNvSpPr>
+          <p:nvPr>
+            <p:ph type="body" sz="half" idx="2"/>
+          </p:nvPr>
+        </p:nvSpPr>
+        <p:spPr>
+          <a:xfrm>
+            <a:off x="342900" y="2926080"/>
+            <a:ext cx="2400300" cy="3379124"/>
+          </a:xfrm>
+        </p:spPr>
+        <p:txBody>
+          <a:bodyPr lIns="91440" rIns="91440">
+            <a:normAutofit/>
+          </a:bodyPr>
+          <a:lstStyle>
+            <a:lvl1pPr marL="0" indent="0">
+              <a:buNone/>
+              <a:defRPr sz="1500">
+                <a:solidFill>
+                  <a:srgbClr val="FFFFFF"/>
+                </a:solidFill>
+              </a:defRPr>
+            </a:lvl1pPr>
+            <a:lvl2pPr marL="457200" indent="0">
+              <a:buNone/>
+              <a:defRPr sz="1200"/>
+            </a:lvl2pPr>
+            <a:lvl3pPr marL="914400" indent="0">
+              <a:buNone/>
+              <a:defRPr sz="1000"/>
+            </a:lvl3pPr>
+            <a:lvl4pPr marL="1371600" indent="0">
+              <a:buNone/>
+              <a:defRPr sz="900"/>
+            </a:lvl4pPr>
+            <a:lvl5pPr marL="1828800" indent="0">
+              <a:buNone/>
+              <a:defRPr sz="900"/>
+            </a:lvl5pPr>
+            <a:lvl6pPr marL="2286000" indent="0">
+              <a:buNone/>
+              <a:defRPr sz="900"/>
+            </a:lvl6pPr>
+            <a:lvl7pPr marL="2743200" indent="0">
+              <a:buNone/>
+              <a:defRPr sz="900"/>
+            </a:lvl7pPr>
+            <a:lvl8pPr marL="3200400" indent="0">
+              <a:buNone/>
+              <a:defRPr sz="900"/>
+            </a:lvl8pPr>
+            <a:lvl9pPr marL="3657600" indent="0">
+              <a:buNone/>
+              <a:defRPr sz="900"/>
+            </a:lvl9pPr>
+          </a:lstStyle>
+          <a:p>
+            <a:pPr lvl="0"/>
+            <a:r>
+              <a:rPr lang="en-US"/>
+              <a:t>Click to edit Master text styles</a:t>
+            </a:r>
+          </a:p>
+        </p:txBody>
+      </p:sp>
+      <p:sp>
+        <p:nvSpPr>
+          <p:cNvPr id="5" name="Date Placeholder 4"/>
+          <p:cNvSpPr>
+            <a:spLocks noGrp="1"/>
+          </p:cNvSpPr>
+          <p:nvPr>
+            <p:ph type="dt" sz="half" idx="10"/>
+          </p:nvPr>
+        </p:nvSpPr>
+        <p:spPr>
+          <a:xfrm>
+            <a:off x="349134" y="6459786"/>
+            <a:ext cx="1963883" cy="365125"/>
+          </a:xfrm>
+        </p:spPr>
+        <p:txBody>
+          <a:bodyPr/>
+          <a:lstStyle>
+            <a:lvl1pPr algn="l">
+              <a:defRPr/>
+            </a:lvl1pPr>
+          </a:lstStyle>
+          <a:p>
+            <a:fld id="{96DFF08F-DC6B-4601-B491-B0F83F6DD2DA}" type="datetimeFigureOut">
+              <a:rPr lang="en-US" dirty="0"/>
+              <a:pPr/>
+              <a:t>7/27/2020</a:t>
+            </a:fld>
+            <a:endParaRPr lang="en-US" dirty="0"/>
+          </a:p>
+        </p:txBody>
+      </p:sp>
+      <p:sp>
+        <p:nvSpPr>
+          <p:cNvPr id="6" name="Footer Placeholder 5"/>
+          <p:cNvSpPr>
+            <a:spLocks noGrp="1"/>
+          </p:cNvSpPr>
+          <p:nvPr>
+            <p:ph type="ftr" sz="quarter" idx="11"/>
+          </p:nvPr>
+        </p:nvSpPr>
+        <p:spPr>
+          <a:xfrm>
+            <a:off x="3600450" y="6459786"/>
+            <a:ext cx="3486150" cy="365125"/>
+          </a:xfrm>
+        </p:spPr>
+        <p:txBody>
+          <a:bodyPr/>
+          <a:lstStyle>
+            <a:lvl1pPr algn="l">
+              <a:defRPr>
+                <a:solidFill>
+                  <a:schemeClr val="tx2"/>
+                </a:solidFill>
+              </a:defRPr>
+            </a:lvl1pPr>
+          </a:lstStyle>
+          <a:p>
+            <a:endParaRPr lang="en-US" dirty="0"/>
+          </a:p>
+        </p:txBody>
+      </p:sp>
+      <p:sp>
+        <p:nvSpPr>
+          <p:cNvPr id="7" name="Slide Number Placeholder 6"/>
+          <p:cNvSpPr>
+            <a:spLocks noGrp="1"/>
+          </p:cNvSpPr>
+          <p:nvPr>
+            <p:ph type="sldNum" sz="quarter" idx="12"/>
+          </p:nvPr>
+        </p:nvSpPr>
+        <p:spPr/>
+        <p:txBody>
+          <a:bodyPr/>
+          <a:lstStyle>
+            <a:lvl1pPr>
+              <a:defRPr>
+                <a:solidFill>
+                  <a:schemeClr val="tx2"/>
+                </a:solidFill>
+              </a:defRPr>
+            </a:lvl1pPr>
+          </a:lstStyle>
+          <a:p>
+            <a:fld id="{4FAB73BC-B049-4115-A692-8D63A059BFB8}" type="slidenum">
+              <a:rPr lang="en-US" dirty="0"/>
+              <a:pPr/>
+              <a:t>‹#›</a:t>
+            </a:fld>
+            <a:endParaRPr lang="en-US" dirty="0"/>
+          </a:p>
+        </p:txBody>
+      </p:sp>
+    </p:spTree>
+    <p:extLst>
+      <p:ext uri="{BB962C8B-B14F-4D97-AF65-F5344CB8AC3E}">
+        <p14:creationId xmlns:p14="http://schemas.microsoft.com/office/powerpoint/2010/main" val="839051941"/>
+      </p:ext>
+    </p:extLst>
+  </p:cSld>
+  <p:clrMapOvr>
+    <a:masterClrMapping/>
+  </p:clrMapOvr>
+  <p:hf hdr="0" ftr="0" dt="0"/>
+</p:sldLayout>
+</file>
+
+<file path=ppt/slideLayouts/slideLayout9.xml><?xml version="1.0" encoding="utf-8"?>
+<p:sldLayout xmlns:a="http://schemas.openxmlformats.org/drawingml/2006/main" xmlns:r="http://schemas.openxmlformats.org/officeDocument/2006/relationships" xmlns:p="http://schemas.openxmlformats.org/presentationml/2006/main" showMasterSp="0" type="picTx" preserve="1">
+  <p:cSld name="Picture with Caption">
+    <p:spTree>
+      <p:nvGrpSpPr>
+        <p:cNvPr id="1" name=""/>
+        <p:cNvGrpSpPr/>
+        <p:nvPr/>
+      </p:nvGrpSpPr>
+      <p:grpSpPr>
+        <a:xfrm>
+          <a:off x="0" y="0"/>
+          <a:ext cx="0" cy="0"/>
+          <a:chOff x="0" y="0"/>
+          <a:chExt cx="0" cy="0"/>
+        </a:xfrm>
+      </p:grpSpPr>
+      <p:sp>
+        <p:nvSpPr>
+          <p:cNvPr id="8" name="Rectangle 7"/>
+          <p:cNvSpPr/>
+          <p:nvPr/>
+        </p:nvSpPr>
+        <p:spPr>
+          <a:xfrm>
+            <a:off x="0" y="4953000"/>
+            <a:ext cx="9141619" cy="1905000"/>
+          </a:xfrm>
+          <a:prstGeom prst="rect">
+            <a:avLst/>
+          </a:prstGeom>
+          <a:solidFill>
+            <a:schemeClr val="accent2"/>
+          </a:solidFill>
+          <a:ln>
+            <a:noFill/>
+          </a:ln>
+        </p:spPr>
+        <p:style>
+          <a:lnRef idx="2">
+            <a:schemeClr val="accent1">
+              <a:shade val="50000"/>
+            </a:schemeClr>
+          </a:lnRef>
+          <a:fillRef idx="1">
+            <a:schemeClr val="accent1"/>
+          </a:fillRef>
+          <a:effectRef idx="0">
+            <a:schemeClr val="accent1"/>
+          </a:effectRef>
+          <a:fontRef idx="minor">
+            <a:schemeClr val="lt1"/>
+          </a:fontRef>
+        </p:style>
+      </p:sp>
+      <p:sp>
+        <p:nvSpPr>
+          <p:cNvPr id="9" name="Rectangle 8"/>
+          <p:cNvSpPr/>
+          <p:nvPr/>
+        </p:nvSpPr>
+        <p:spPr>
+          <a:xfrm>
+            <a:off x="12" y="4915076"/>
+            <a:ext cx="9141619" cy="64008"/>
+          </a:xfrm>
+          <a:prstGeom prst="rect">
+            <a:avLst/>
+          </a:prstGeom>
+          <a:solidFill>
+            <a:schemeClr val="accent1"/>
+          </a:solidFill>
+          <a:ln>
+            <a:noFill/>
+          </a:ln>
+        </p:spPr>
+        <p:style>
+          <a:lnRef idx="2">
+            <a:schemeClr val="accent1">
+              <a:shade val="50000"/>
+            </a:schemeClr>
+          </a:lnRef>
+          <a:fillRef idx="1">
+            <a:schemeClr val="accent1"/>
+          </a:fillRef>
+          <a:effectRef idx="0">
+            <a:schemeClr val="accent1"/>
+          </a:effectRef>
+          <a:fontRef idx="minor">
+            <a:schemeClr val="lt1"/>
+          </a:fontRef>
+        </p:style>
+      </p:sp>
+      <p:sp>
+        <p:nvSpPr>
+          <p:cNvPr id="2" name="Title 1"/>
+          <p:cNvSpPr>
+            <a:spLocks noGrp="1"/>
+          </p:cNvSpPr>
+          <p:nvPr>
+            <p:ph type="title"/>
+          </p:nvPr>
+        </p:nvSpPr>
+        <p:spPr>
+          <a:xfrm>
+            <a:off x="822960" y="5074920"/>
+            <a:ext cx="7589520" cy="822960"/>
+          </a:xfrm>
+        </p:spPr>
+        <p:txBody>
+          <a:bodyPr tIns="0" bIns="0" anchor="b">
             <a:noAutofit/>
           </a:bodyPr>
           <a:lstStyle>
-            <a:lvl1pPr marR="0" lvl="0" algn="l" rtl="0">
-              <a:lnSpc>
-                <a:spcPct val="100000"/>
-              </a:lnSpc>
+            <a:lvl1pPr>
+              <a:defRPr sz="3600" b="0">
+                <a:solidFill>
+                  <a:srgbClr val="FFFFFF"/>
+                </a:solidFill>
+              </a:defRPr>
+            </a:lvl1pPr>
+          </a:lstStyle>
+          <a:p>
+            <a:r>
+              <a:rPr lang="en-US"/>
+              <a:t>Click to edit Master title style</a:t>
+            </a:r>
+            <a:endParaRPr lang="en-US" dirty="0"/>
+          </a:p>
+        </p:txBody>
+      </p:sp>
+      <p:sp>
+        <p:nvSpPr>
+          <p:cNvPr id="3" name="Picture Placeholder 2"/>
+          <p:cNvSpPr>
+            <a:spLocks noGrp="1" noChangeAspect="1"/>
+          </p:cNvSpPr>
+          <p:nvPr>
+            <p:ph type="pic" idx="1"/>
+          </p:nvPr>
+        </p:nvSpPr>
+        <p:spPr>
+          <a:xfrm>
+            <a:off x="12" y="0"/>
+            <a:ext cx="9143989" cy="4915076"/>
+          </a:xfrm>
+          <a:blipFill>
+            <a:blip r:embed="rId2"/>
+            <a:stretch>
+              <a:fillRect/>
+            </a:stretch>
+          </a:blipFill>
+        </p:spPr>
+        <p:txBody>
+          <a:bodyPr lIns="457200" tIns="457200" anchor="t"/>
+          <a:lstStyle>
+            <a:lvl1pPr marL="0" indent="0">
+              <a:buNone/>
+              <a:defRPr sz="3200">
+                <a:solidFill>
+                  <a:schemeClr val="bg1"/>
+                </a:solidFill>
+              </a:defRPr>
+            </a:lvl1pPr>
+            <a:lvl2pPr marL="457200" indent="0">
+              <a:buNone/>
+              <a:defRPr sz="2800"/>
+            </a:lvl2pPr>
+            <a:lvl3pPr marL="914400" indent="0">
+              <a:buNone/>
+              <a:defRPr sz="2400"/>
+            </a:lvl3pPr>
+            <a:lvl4pPr marL="1371600" indent="0">
+              <a:buNone/>
+              <a:defRPr sz="2000"/>
+            </a:lvl4pPr>
+            <a:lvl5pPr marL="1828800" indent="0">
+              <a:buNone/>
+              <a:defRPr sz="2000"/>
+            </a:lvl5pPr>
+            <a:lvl6pPr marL="2286000" indent="0">
+              <a:buNone/>
+              <a:defRPr sz="2000"/>
+            </a:lvl6pPr>
+            <a:lvl7pPr marL="2743200" indent="0">
+              <a:buNone/>
+              <a:defRPr sz="2000"/>
+            </a:lvl7pPr>
+            <a:lvl8pPr marL="3200400" indent="0">
+              <a:buNone/>
+              <a:defRPr sz="2000"/>
+            </a:lvl8pPr>
+            <a:lvl9pPr marL="3657600" indent="0">
+              <a:buNone/>
+              <a:defRPr sz="2000"/>
+            </a:lvl9pPr>
+          </a:lstStyle>
+          <a:p>
+            <a:r>
+              <a:rPr lang="en-US"/>
+              <a:t>Click icon to add picture</a:t>
+            </a:r>
+            <a:endParaRPr lang="en-US" dirty="0"/>
+          </a:p>
+        </p:txBody>
+      </p:sp>
+      <p:sp>
+        <p:nvSpPr>
+          <p:cNvPr id="4" name="Text Placeholder 3"/>
+          <p:cNvSpPr>
+            <a:spLocks noGrp="1"/>
+          </p:cNvSpPr>
+          <p:nvPr>
+            <p:ph type="body" sz="half" idx="2"/>
+          </p:nvPr>
+        </p:nvSpPr>
+        <p:spPr>
+          <a:xfrm>
+            <a:off x="822959" y="5907024"/>
+            <a:ext cx="7589520" cy="594360"/>
+          </a:xfrm>
+        </p:spPr>
+        <p:txBody>
+          <a:bodyPr lIns="91440" tIns="0" rIns="91440" bIns="0">
+            <a:normAutofit/>
+          </a:bodyPr>
+          <a:lstStyle>
+            <a:lvl1pPr marL="0" indent="0">
               <a:spcBef>
                 <a:spcPts val="0"/>
               </a:spcBef>
               <a:spcAft>
-                <a:spcPts val="0"/>
+                <a:spcPts val="600"/>
               </a:spcAft>
-              <a:buClr>
-                <a:srgbClr val="000000"/>
-              </a:buClr>
-              <a:buSzPts val="1400"/>
-              <a:buFont typeface="Arial"/>
-              <a:buNone/>
-              <a:defRPr sz="1939" b="1" i="0" u="none" strike="noStrike" cap="none">
-                <a:solidFill>
-                  <a:schemeClr val="dk1"/>
-                </a:solidFill>
-                <a:latin typeface="Arial"/>
-                <a:ea typeface="Arial"/>
-                <a:cs typeface="Arial"/>
-                <a:sym typeface="Arial"/>
+              <a:buNone/>
+              <a:defRPr sz="1500">
+                <a:solidFill>
+                  <a:srgbClr val="FFFFFF"/>
+                </a:solidFill>
               </a:defRPr>
             </a:lvl1pPr>
-            <a:lvl2pPr marR="0" lvl="1" algn="l" rtl="0">
-              <a:lnSpc>
-                <a:spcPct val="100000"/>
-              </a:lnSpc>
-              <a:spcBef>
-                <a:spcPts val="0"/>
-              </a:spcBef>
-              <a:spcAft>
-                <a:spcPts val="0"/>
-              </a:spcAft>
-              <a:buClr>
-                <a:srgbClr val="000000"/>
-              </a:buClr>
-              <a:buSzPts val="1400"/>
-              <a:buFont typeface="Arial"/>
-              <a:buNone/>
-              <a:defRPr sz="1939" b="1" i="0" u="none" strike="noStrike" cap="none">
-                <a:solidFill>
-                  <a:schemeClr val="dk2"/>
-                </a:solidFill>
-                <a:latin typeface="Arial"/>
-                <a:ea typeface="Arial"/>
-                <a:cs typeface="Arial"/>
-                <a:sym typeface="Arial"/>
-              </a:defRPr>
+            <a:lvl2pPr marL="457200" indent="0">
+              <a:buNone/>
+              <a:defRPr sz="1200"/>
             </a:lvl2pPr>
-            <a:lvl3pPr marR="0" lvl="2" algn="l" rtl="0">
-              <a:lnSpc>
-                <a:spcPct val="100000"/>
-              </a:lnSpc>
-              <a:spcBef>
-                <a:spcPts val="0"/>
-              </a:spcBef>
-              <a:spcAft>
-                <a:spcPts val="0"/>
-              </a:spcAft>
-              <a:buClr>
-                <a:srgbClr val="000000"/>
-              </a:buClr>
-              <a:buSzPts val="1400"/>
-              <a:buFont typeface="Arial"/>
-              <a:buNone/>
-              <a:defRPr sz="1939" b="1" i="0" u="none" strike="noStrike" cap="none">
-                <a:solidFill>
-                  <a:schemeClr val="dk2"/>
-                </a:solidFill>
-                <a:latin typeface="Arial"/>
-                <a:ea typeface="Arial"/>
-                <a:cs typeface="Arial"/>
-                <a:sym typeface="Arial"/>
-              </a:defRPr>
+            <a:lvl3pPr marL="914400" indent="0">
+              <a:buNone/>
+              <a:defRPr sz="1000"/>
             </a:lvl3pPr>
-            <a:lvl4pPr marR="0" lvl="3" algn="l" rtl="0">
-              <a:lnSpc>
-                <a:spcPct val="100000"/>
-              </a:lnSpc>
-              <a:spcBef>
-                <a:spcPts val="0"/>
-              </a:spcBef>
-              <a:spcAft>
-                <a:spcPts val="0"/>
-              </a:spcAft>
-              <a:buClr>
-                <a:srgbClr val="000000"/>
-              </a:buClr>
-              <a:buSzPts val="1400"/>
-              <a:buFont typeface="Arial"/>
-              <a:buNone/>
-              <a:defRPr sz="1939" b="1" i="0" u="none" strike="noStrike" cap="none">
-                <a:solidFill>
-                  <a:schemeClr val="dk2"/>
-                </a:solidFill>
-                <a:latin typeface="Arial"/>
-                <a:ea typeface="Arial"/>
-                <a:cs typeface="Arial"/>
-                <a:sym typeface="Arial"/>
-              </a:defRPr>
+            <a:lvl4pPr marL="1371600" indent="0">
+              <a:buNone/>
+              <a:defRPr sz="900"/>
             </a:lvl4pPr>
-            <a:lvl5pPr marR="0" lvl="4" algn="l" rtl="0">
-              <a:lnSpc>
-                <a:spcPct val="100000"/>
-              </a:lnSpc>
-              <a:spcBef>
-                <a:spcPts val="0"/>
-              </a:spcBef>
-              <a:spcAft>
-                <a:spcPts val="0"/>
-              </a:spcAft>
-              <a:buClr>
-                <a:srgbClr val="000000"/>
-              </a:buClr>
-              <a:buSzPts val="1400"/>
-              <a:buFont typeface="Arial"/>
-              <a:buNone/>
-              <a:defRPr sz="1939" b="1" i="0" u="none" strike="noStrike" cap="none">
-                <a:solidFill>
-                  <a:schemeClr val="dk2"/>
-                </a:solidFill>
-                <a:latin typeface="Arial"/>
-                <a:ea typeface="Arial"/>
-                <a:cs typeface="Arial"/>
-                <a:sym typeface="Arial"/>
-              </a:defRPr>
+            <a:lvl5pPr marL="1828800" indent="0">
+              <a:buNone/>
+              <a:defRPr sz="900"/>
             </a:lvl5pPr>
-            <a:lvl6pPr marR="0" lvl="5" algn="l" rtl="0">
-              <a:lnSpc>
-                <a:spcPct val="100000"/>
-              </a:lnSpc>
-              <a:spcBef>
-                <a:spcPts val="0"/>
-              </a:spcBef>
-              <a:spcAft>
-                <a:spcPts val="0"/>
-              </a:spcAft>
-              <a:buClr>
-                <a:srgbClr val="000000"/>
-              </a:buClr>
-              <a:buSzPts val="1400"/>
-              <a:buFont typeface="Arial"/>
-              <a:buNone/>
-              <a:defRPr sz="1939" b="1" i="0" u="none" strike="noStrike" cap="none">
-                <a:solidFill>
-                  <a:schemeClr val="dk2"/>
-                </a:solidFill>
-                <a:latin typeface="Arial"/>
-                <a:ea typeface="Arial"/>
-                <a:cs typeface="Arial"/>
-                <a:sym typeface="Arial"/>
-              </a:defRPr>
+            <a:lvl6pPr marL="2286000" indent="0">
+              <a:buNone/>
+              <a:defRPr sz="900"/>
             </a:lvl6pPr>
-            <a:lvl7pPr marR="0" lvl="6" algn="l" rtl="0">
-              <a:lnSpc>
-                <a:spcPct val="100000"/>
-              </a:lnSpc>
-              <a:spcBef>
-                <a:spcPts val="0"/>
-              </a:spcBef>
-              <a:spcAft>
-                <a:spcPts val="0"/>
-              </a:spcAft>
-              <a:buClr>
-                <a:srgbClr val="000000"/>
-              </a:buClr>
-              <a:buSzPts val="1400"/>
-              <a:buFont typeface="Arial"/>
-              <a:buNone/>
-              <a:defRPr sz="1939" b="1" i="0" u="none" strike="noStrike" cap="none">
-                <a:solidFill>
-                  <a:schemeClr val="dk2"/>
-                </a:solidFill>
-                <a:latin typeface="Arial"/>
-                <a:ea typeface="Arial"/>
-                <a:cs typeface="Arial"/>
-                <a:sym typeface="Arial"/>
-              </a:defRPr>
+            <a:lvl7pPr marL="2743200" indent="0">
+              <a:buNone/>
+              <a:defRPr sz="900"/>
             </a:lvl7pPr>
-            <a:lvl8pPr marR="0" lvl="7" algn="l" rtl="0">
-              <a:lnSpc>
-                <a:spcPct val="100000"/>
-              </a:lnSpc>
-              <a:spcBef>
-                <a:spcPts val="0"/>
-              </a:spcBef>
-              <a:spcAft>
-                <a:spcPts val="0"/>
-              </a:spcAft>
-              <a:buClr>
-                <a:srgbClr val="000000"/>
-              </a:buClr>
-              <a:buSzPts val="1400"/>
-              <a:buFont typeface="Arial"/>
-              <a:buNone/>
-              <a:defRPr sz="1939" b="1" i="0" u="none" strike="noStrike" cap="none">
-                <a:solidFill>
-                  <a:schemeClr val="dk2"/>
-                </a:solidFill>
-                <a:latin typeface="Arial"/>
-                <a:ea typeface="Arial"/>
-                <a:cs typeface="Arial"/>
-                <a:sym typeface="Arial"/>
-              </a:defRPr>
+            <a:lvl8pPr marL="3200400" indent="0">
+              <a:buNone/>
+              <a:defRPr sz="900"/>
             </a:lvl8pPr>
-            <a:lvl9pPr marR="0" lvl="8" algn="l" rtl="0">
-              <a:lnSpc>
-                <a:spcPct val="100000"/>
-              </a:lnSpc>
-              <a:spcBef>
-                <a:spcPts val="0"/>
-              </a:spcBef>
-              <a:spcAft>
-                <a:spcPts val="0"/>
-              </a:spcAft>
-              <a:buClr>
-                <a:srgbClr val="000000"/>
-              </a:buClr>
-              <a:buSzPts val="1400"/>
-              <a:buFont typeface="Arial"/>
-              <a:buNone/>
-              <a:defRPr sz="1939" b="1" i="0" u="none" strike="noStrike" cap="none">
-                <a:solidFill>
-                  <a:schemeClr val="dk2"/>
-                </a:solidFill>
-                <a:latin typeface="Arial"/>
-                <a:ea typeface="Arial"/>
-                <a:cs typeface="Arial"/>
-                <a:sym typeface="Arial"/>
-              </a:defRPr>
+            <a:lvl9pPr marL="3657600" indent="0">
+              <a:buNone/>
+              <a:defRPr sz="900"/>
             </a:lvl9pPr>
           </a:lstStyle>
           <a:p>
-            <a:endParaRPr/>
+            <a:pPr lvl="0"/>
+            <a:r>
+              <a:rPr lang="en-US"/>
+              <a:t>Click to edit Master text styles</a:t>
+            </a:r>
+          </a:p>
+        </p:txBody>
+      </p:sp>
+      <p:sp>
+        <p:nvSpPr>
+          <p:cNvPr id="5" name="Date Placeholder 4"/>
+          <p:cNvSpPr>
+            <a:spLocks noGrp="1"/>
+          </p:cNvSpPr>
+          <p:nvPr>
+            <p:ph type="dt" sz="half" idx="10"/>
+          </p:nvPr>
+        </p:nvSpPr>
+        <p:spPr/>
+        <p:txBody>
+          <a:bodyPr/>
+          <a:lstStyle/>
+          <a:p>
+            <a:fld id="{96DFF08F-DC6B-4601-B491-B0F83F6DD2DA}" type="datetimeFigureOut">
+              <a:rPr lang="en-US" dirty="0"/>
+              <a:t>7/27/2020</a:t>
+            </a:fld>
+            <a:endParaRPr lang="en-US" dirty="0"/>
+          </a:p>
+        </p:txBody>
+      </p:sp>
+      <p:sp>
+        <p:nvSpPr>
+          <p:cNvPr id="6" name="Footer Placeholder 5"/>
+          <p:cNvSpPr>
+            <a:spLocks noGrp="1"/>
+          </p:cNvSpPr>
+          <p:nvPr>
+            <p:ph type="ftr" sz="quarter" idx="11"/>
+          </p:nvPr>
+        </p:nvSpPr>
+        <p:spPr/>
+        <p:txBody>
+          <a:bodyPr/>
+          <a:lstStyle/>
+          <a:p>
+            <a:endParaRPr lang="en-US" dirty="0"/>
+          </a:p>
+        </p:txBody>
+      </p:sp>
+      <p:sp>
+        <p:nvSpPr>
+          <p:cNvPr id="7" name="Slide Number Placeholder 6"/>
+          <p:cNvSpPr>
+            <a:spLocks noGrp="1"/>
+          </p:cNvSpPr>
+          <p:nvPr>
+            <p:ph type="sldNum" sz="quarter" idx="12"/>
+          </p:nvPr>
+        </p:nvSpPr>
+        <p:spPr/>
+        <p:txBody>
+          <a:bodyPr/>
+          <a:lstStyle/>
+          <a:p>
+            <a:fld id="{4FAB73BC-B049-4115-A692-8D63A059BFB8}" type="slidenum">
+              <a:rPr lang="en-US" dirty="0"/>
+              <a:t>‹#›</a:t>
+            </a:fld>
+            <a:endParaRPr lang="en-US" dirty="0"/>
           </a:p>
         </p:txBody>
       </p:sp>
     </p:spTree>
+    <p:extLst>
+      <p:ext uri="{BB962C8B-B14F-4D97-AF65-F5344CB8AC3E}">
+        <p14:creationId xmlns:p14="http://schemas.microsoft.com/office/powerpoint/2010/main" val="41161939"/>
+      </p:ext>
+    </p:extLst>
   </p:cSld>
-  <p:clrMap bg1="lt1" tx1="dk1" bg2="dk2" tx2="lt2" accent1="accent1" accent2="accent2" accent3="accent3" accent4="accent4" accent5="accent5" accent6="accent6" hlink="hlink" folHlink="folHlink"/>
+  <p:clrMapOvr>
+    <a:masterClrMapping/>
+  </p:clrMapOvr>
+  <p:hf hdr="0" ftr="0" dt="0"/>
+</p:sldLayout>
+</file>
+
+<file path=ppt/slideMasters/slideMaster1.xml><?xml version="1.0" encoding="utf-8"?>
+<p:sldMaster xmlns:a="http://schemas.openxmlformats.org/drawingml/2006/main" xmlns:r="http://schemas.openxmlformats.org/officeDocument/2006/relationships" xmlns:p="http://schemas.openxmlformats.org/presentationml/2006/main">
+  <p:cSld>
+    <p:bg>
+      <p:bgRef idx="1001">
+        <a:schemeClr val="bg1"/>
+      </p:bgRef>
+    </p:bg>
+    <p:spTree>
+      <p:nvGrpSpPr>
+        <p:cNvPr id="1" name=""/>
+        <p:cNvGrpSpPr/>
+        <p:nvPr/>
+      </p:nvGrpSpPr>
+      <p:grpSpPr>
+        <a:xfrm>
+          <a:off x="0" y="0"/>
+          <a:ext cx="0" cy="0"/>
+          <a:chOff x="0" y="0"/>
+          <a:chExt cx="0" cy="0"/>
+        </a:xfrm>
+      </p:grpSpPr>
+      <p:sp>
+        <p:nvSpPr>
+          <p:cNvPr id="7" name="Rectangle 6"/>
+          <p:cNvSpPr/>
+          <p:nvPr/>
+        </p:nvSpPr>
+        <p:spPr>
+          <a:xfrm>
+            <a:off x="0" y="6400800"/>
+            <a:ext cx="9144001" cy="457200"/>
+          </a:xfrm>
+          <a:prstGeom prst="rect">
+            <a:avLst/>
+          </a:prstGeom>
+          <a:solidFill>
+            <a:schemeClr val="accent2"/>
+          </a:solidFill>
+          <a:ln>
+            <a:noFill/>
+          </a:ln>
+        </p:spPr>
+        <p:style>
+          <a:lnRef idx="2">
+            <a:schemeClr val="accent1">
+              <a:shade val="50000"/>
+            </a:schemeClr>
+          </a:lnRef>
+          <a:fillRef idx="1">
+            <a:schemeClr val="accent1"/>
+          </a:fillRef>
+          <a:effectRef idx="0">
+            <a:schemeClr val="accent1"/>
+          </a:effectRef>
+          <a:fontRef idx="minor">
+            <a:schemeClr val="lt1"/>
+          </a:fontRef>
+        </p:style>
+      </p:sp>
+      <p:sp>
+        <p:nvSpPr>
+          <p:cNvPr id="9" name="Rectangle 8"/>
+          <p:cNvSpPr/>
+          <p:nvPr/>
+        </p:nvSpPr>
+        <p:spPr>
+          <a:xfrm>
+            <a:off x="0" y="6334315"/>
+            <a:ext cx="9144001" cy="65999"/>
+          </a:xfrm>
+          <a:prstGeom prst="rect">
+            <a:avLst/>
+          </a:prstGeom>
+          <a:solidFill>
+            <a:schemeClr val="accent1"/>
+          </a:solidFill>
+          <a:ln>
+            <a:noFill/>
+          </a:ln>
+        </p:spPr>
+        <p:style>
+          <a:lnRef idx="2">
+            <a:schemeClr val="accent1">
+              <a:shade val="50000"/>
+            </a:schemeClr>
+          </a:lnRef>
+          <a:fillRef idx="1">
+            <a:schemeClr val="accent1"/>
+          </a:fillRef>
+          <a:effectRef idx="0">
+            <a:schemeClr val="accent1"/>
+          </a:effectRef>
+          <a:fontRef idx="minor">
+            <a:schemeClr val="lt1"/>
+          </a:fontRef>
+        </p:style>
+      </p:sp>
+      <p:sp>
+        <p:nvSpPr>
+          <p:cNvPr id="2" name="Title Placeholder 1"/>
+          <p:cNvSpPr>
+            <a:spLocks noGrp="1"/>
+          </p:cNvSpPr>
+          <p:nvPr>
+            <p:ph type="title"/>
+          </p:nvPr>
+        </p:nvSpPr>
+        <p:spPr>
+          <a:xfrm>
+            <a:off x="822960" y="286604"/>
+            <a:ext cx="7543800" cy="1450757"/>
+          </a:xfrm>
+          <a:prstGeom prst="rect">
+            <a:avLst/>
+          </a:prstGeom>
+        </p:spPr>
+        <p:txBody>
+          <a:bodyPr vert="horz" lIns="91440" tIns="45720" rIns="91440" bIns="45720" rtlCol="0" anchor="b">
+            <a:normAutofit/>
+          </a:bodyPr>
+          <a:lstStyle/>
+          <a:p>
+            <a:r>
+              <a:rPr lang="en-US"/>
+              <a:t>Click to edit Master title style</a:t>
+            </a:r>
+            <a:endParaRPr lang="en-US" dirty="0"/>
+          </a:p>
+        </p:txBody>
+      </p:sp>
+      <p:sp>
+        <p:nvSpPr>
+          <p:cNvPr id="3" name="Text Placeholder 2"/>
+          <p:cNvSpPr>
+            <a:spLocks noGrp="1"/>
+          </p:cNvSpPr>
+          <p:nvPr>
+            <p:ph type="body" idx="1"/>
+          </p:nvPr>
+        </p:nvSpPr>
+        <p:spPr>
+          <a:xfrm>
+            <a:off x="822959" y="1845734"/>
+            <a:ext cx="7543801" cy="4023360"/>
+          </a:xfrm>
+          <a:prstGeom prst="rect">
+            <a:avLst/>
+          </a:prstGeom>
+        </p:spPr>
+        <p:txBody>
+          <a:bodyPr vert="horz" lIns="0" tIns="45720" rIns="0" bIns="45720" rtlCol="0">
+            <a:normAutofit/>
+          </a:bodyPr>
+          <a:lstStyle/>
+          <a:p>
+            <a:pPr lvl="0"/>
+            <a:r>
+              <a:rPr lang="en-US"/>
+              <a:t>Click to edit Master text styles</a:t>
+            </a:r>
+          </a:p>
+          <a:p>
+            <a:pPr lvl="1"/>
+            <a:r>
+              <a:rPr lang="en-US"/>
+              <a:t>Second level</a:t>
+            </a:r>
+          </a:p>
+          <a:p>
+            <a:pPr lvl="2"/>
+            <a:r>
+              <a:rPr lang="en-US"/>
+              <a:t>Third level</a:t>
+            </a:r>
+          </a:p>
+          <a:p>
+            <a:pPr lvl="3"/>
+            <a:r>
+              <a:rPr lang="en-US"/>
+              <a:t>Fourth level</a:t>
+            </a:r>
+          </a:p>
+          <a:p>
+            <a:pPr lvl="4"/>
+            <a:r>
+              <a:rPr lang="en-US"/>
+              <a:t>Fifth level</a:t>
+            </a:r>
+            <a:endParaRPr lang="en-US" dirty="0"/>
+          </a:p>
+        </p:txBody>
+      </p:sp>
+      <p:sp>
+        <p:nvSpPr>
+          <p:cNvPr id="4" name="Date Placeholder 3"/>
+          <p:cNvSpPr>
+            <a:spLocks noGrp="1"/>
+          </p:cNvSpPr>
+          <p:nvPr>
+            <p:ph type="dt" sz="half" idx="2"/>
+          </p:nvPr>
+        </p:nvSpPr>
+        <p:spPr>
+          <a:xfrm>
+            <a:off x="822961" y="6459786"/>
+            <a:ext cx="1854203" cy="365125"/>
+          </a:xfrm>
+          <a:prstGeom prst="rect">
+            <a:avLst/>
+          </a:prstGeom>
+        </p:spPr>
+        <p:txBody>
+          <a:bodyPr vert="horz" lIns="91440" tIns="45720" rIns="91440" bIns="45720" rtlCol="0" anchor="ctr"/>
+          <a:lstStyle>
+            <a:lvl1pPr algn="l">
+              <a:defRPr sz="900">
+                <a:solidFill>
+                  <a:srgbClr val="FFFFFF"/>
+                </a:solidFill>
+              </a:defRPr>
+            </a:lvl1pPr>
+          </a:lstStyle>
+          <a:p>
+            <a:fld id="{96DFF08F-DC6B-4601-B491-B0F83F6DD2DA}" type="datetimeFigureOut">
+              <a:rPr lang="en-US" dirty="0"/>
+              <a:pPr/>
+              <a:t>7/27/2020</a:t>
+            </a:fld>
+            <a:endParaRPr lang="en-US" dirty="0"/>
+          </a:p>
+        </p:txBody>
+      </p:sp>
+      <p:sp>
+        <p:nvSpPr>
+          <p:cNvPr id="5" name="Footer Placeholder 4"/>
+          <p:cNvSpPr>
+            <a:spLocks noGrp="1"/>
+          </p:cNvSpPr>
+          <p:nvPr>
+            <p:ph type="ftr" sz="quarter" idx="3"/>
+          </p:nvPr>
+        </p:nvSpPr>
+        <p:spPr>
+          <a:xfrm>
+            <a:off x="2764639" y="6459786"/>
+            <a:ext cx="3617103" cy="365125"/>
+          </a:xfrm>
+          <a:prstGeom prst="rect">
+            <a:avLst/>
+          </a:prstGeom>
+        </p:spPr>
+        <p:txBody>
+          <a:bodyPr vert="horz" lIns="91440" tIns="45720" rIns="91440" bIns="45720" rtlCol="0" anchor="ctr"/>
+          <a:lstStyle>
+            <a:lvl1pPr algn="ctr">
+              <a:defRPr sz="900" cap="all" baseline="0">
+                <a:solidFill>
+                  <a:srgbClr val="FFFFFF"/>
+                </a:solidFill>
+              </a:defRPr>
+            </a:lvl1pPr>
+          </a:lstStyle>
+          <a:p>
+            <a:endParaRPr lang="en-US" dirty="0"/>
+          </a:p>
+        </p:txBody>
+      </p:sp>
+      <p:sp>
+        <p:nvSpPr>
+          <p:cNvPr id="6" name="Slide Number Placeholder 5"/>
+          <p:cNvSpPr>
+            <a:spLocks noGrp="1"/>
+          </p:cNvSpPr>
+          <p:nvPr>
+            <p:ph type="sldNum" sz="quarter" idx="4"/>
+          </p:nvPr>
+        </p:nvSpPr>
+        <p:spPr>
+          <a:xfrm>
+            <a:off x="7425344" y="6459786"/>
+            <a:ext cx="984019" cy="365125"/>
+          </a:xfrm>
+          <a:prstGeom prst="rect">
+            <a:avLst/>
+          </a:prstGeom>
+        </p:spPr>
+        <p:txBody>
+          <a:bodyPr vert="horz" lIns="91440" tIns="45720" rIns="91440" bIns="45720" rtlCol="0" anchor="ctr"/>
+          <a:lstStyle>
+            <a:lvl1pPr algn="r">
+              <a:defRPr sz="1050">
+                <a:solidFill>
+                  <a:srgbClr val="FFFFFF"/>
+                </a:solidFill>
+              </a:defRPr>
+            </a:lvl1pPr>
+          </a:lstStyle>
+          <a:p>
+            <a:fld id="{4FAB73BC-B049-4115-A692-8D63A059BFB8}" type="slidenum">
+              <a:rPr lang="en-US" dirty="0"/>
+              <a:pPr/>
+              <a:t>‹#›</a:t>
+            </a:fld>
+            <a:endParaRPr lang="en-US" dirty="0"/>
+          </a:p>
+        </p:txBody>
+      </p:sp>
+      <p:cxnSp>
+        <p:nvCxnSpPr>
+          <p:cNvPr id="10" name="Straight Connector 9"/>
+          <p:cNvCxnSpPr/>
+          <p:nvPr/>
+        </p:nvCxnSpPr>
+        <p:spPr>
+          <a:xfrm>
+            <a:off x="895149" y="1737845"/>
+            <a:ext cx="7475220" cy="0"/>
+          </a:xfrm>
+          <a:prstGeom prst="line">
+            <a:avLst/>
+          </a:prstGeom>
+          <a:ln w="6350">
+            <a:solidFill>
+              <a:schemeClr val="tx1">
+                <a:lumMod val="50000"/>
+                <a:lumOff val="50000"/>
+              </a:schemeClr>
+            </a:solidFill>
+          </a:ln>
+        </p:spPr>
+        <p:style>
+          <a:lnRef idx="1">
+            <a:schemeClr val="accent1"/>
+          </a:lnRef>
+          <a:fillRef idx="0">
+            <a:schemeClr val="accent1"/>
+          </a:fillRef>
+          <a:effectRef idx="0">
+            <a:schemeClr val="accent1"/>
+          </a:effectRef>
+          <a:fontRef idx="minor">
+            <a:schemeClr val="tx1"/>
+          </a:fontRef>
+        </p:style>
+      </p:cxnSp>
+    </p:spTree>
+    <p:extLst>
+      <p:ext uri="{BB962C8B-B14F-4D97-AF65-F5344CB8AC3E}">
+        <p14:creationId xmlns:p14="http://schemas.microsoft.com/office/powerpoint/2010/main" val="3773761653"/>
+      </p:ext>
+    </p:extLst>
+  </p:cSld>
+  <p:clrMap bg1="lt1" tx1="dk1" bg2="lt2" tx2="dk2" accent1="accent1" accent2="accent2" accent3="accent3" accent4="accent4" accent5="accent5" accent6="accent6" hlink="hlink" folHlink="folHlink"/>
   <p:sldLayoutIdLst>
-    <p:sldLayoutId id="2147483649" r:id="rId1"/>
+    <p:sldLayoutId id="2147483651" r:id="rId1"/>
+    <p:sldLayoutId id="2147483652" r:id="rId2"/>
+    <p:sldLayoutId id="2147483653" r:id="rId3"/>
+    <p:sldLayoutId id="2147483654" r:id="rId4"/>
+    <p:sldLayoutId id="2147483655" r:id="rId5"/>
+    <p:sldLayoutId id="2147483656" r:id="rId6"/>
+    <p:sldLayoutId id="2147483657" r:id="rId7"/>
+    <p:sldLayoutId id="2147483658" r:id="rId8"/>
+    <p:sldLayoutId id="2147483659" r:id="rId9"/>
+    <p:sldLayoutId id="2147483660" r:id="rId10"/>
+    <p:sldLayoutId id="2147483661" r:id="rId11"/>
+    <p:sldLayoutId id="2147483662" r:id="rId12"/>
   </p:sldLayoutIdLst>
   <p:hf hdr="0" ftr="0" dt="0"/>
   <p:txStyles>
     <p:titleStyle>
-      <a:defPPr marR="0" lvl="0" algn="l" rtl="0">
+      <a:lvl1pPr algn="l" defTabSz="914400" rtl="0" eaLnBrk="1" latinLnBrk="0" hangingPunct="1">
         <a:lnSpc>
-          <a:spcPct val="100000"/>
+          <a:spcPct val="85000"/>
         </a:lnSpc>
         <a:spcBef>
-          <a:spcPts val="0"/>
+          <a:spcPct val="0"/>
+        </a:spcBef>
+        <a:buNone/>
+        <a:defRPr sz="4800" kern="1200" spc="-50" baseline="0">
+          <a:solidFill>
+            <a:schemeClr val="tx1">
+              <a:lumMod val="75000"/>
+              <a:lumOff val="25000"/>
+            </a:schemeClr>
+          </a:solidFill>
+          <a:latin typeface="+mj-lt"/>
+          <a:ea typeface="+mj-ea"/>
+          <a:cs typeface="+mj-cs"/>
+        </a:defRPr>
+      </a:lvl1pPr>
+    </p:titleStyle>
+    <p:bodyStyle>
+      <a:lvl1pPr marL="91440" indent="-91440" algn="l" defTabSz="914400" rtl="0" eaLnBrk="1" latinLnBrk="0" hangingPunct="1">
+        <a:lnSpc>
+          <a:spcPct val="90000"/>
+        </a:lnSpc>
+        <a:spcBef>
+          <a:spcPts val="1200"/>
         </a:spcBef>
         <a:spcAft>
-          <a:spcPts val="0"/>
+          <a:spcPts val="200"/>
         </a:spcAft>
-      </a:defPPr>
-      <a:lvl1pPr marR="0" lvl="0" algn="l" rtl="0">
+        <a:buClr>
+          <a:schemeClr val="accent1"/>
+        </a:buClr>
+        <a:buSzPct val="100000"/>
+        <a:buFont typeface="Calibri" panose="020F0502020204030204" pitchFamily="34" charset="0"/>
+        <a:buChar char=" "/>
+        <a:defRPr sz="2000" kern="1200">
+          <a:solidFill>
+            <a:schemeClr val="tx1">
+              <a:lumMod val="75000"/>
+              <a:lumOff val="25000"/>
+            </a:schemeClr>
+          </a:solidFill>
+          <a:latin typeface="+mn-lt"/>
+          <a:ea typeface="+mn-ea"/>
+          <a:cs typeface="+mn-cs"/>
+        </a:defRPr>
+      </a:lvl1pPr>
+      <a:lvl2pPr marL="384048" indent="-182880" algn="l" defTabSz="914400" rtl="0" eaLnBrk="1" latinLnBrk="0" hangingPunct="1">
         <a:lnSpc>
-          <a:spcPct val="100000"/>
+          <a:spcPct val="90000"/>
         </a:lnSpc>
         <a:spcBef>
-          <a:spcPts val="0"/>
+          <a:spcPts val="200"/>
         </a:spcBef>
         <a:spcAft>
-          <a:spcPts val="0"/>
+          <a:spcPts val="400"/>
         </a:spcAft>
         <a:buClr>
-          <a:srgbClr val="000000"/>
+          <a:schemeClr val="accent1"/>
         </a:buClr>
-        <a:buFont typeface="Arial"/>
-        <a:defRPr sz="1400" b="0" i="0" u="none" strike="noStrike" cap="none">
+        <a:buFont typeface="Calibri" pitchFamily="34" charset="0"/>
+        <a:buChar char="◦"/>
+        <a:defRPr sz="1800" kern="1200">
           <a:solidFill>
-            <a:srgbClr val="000000"/>
+            <a:schemeClr val="tx1">
+              <a:lumMod val="75000"/>
+              <a:lumOff val="25000"/>
+            </a:schemeClr>
           </a:solidFill>
-          <a:latin typeface="Arial"/>
-          <a:ea typeface="Arial"/>
-          <a:cs typeface="Arial"/>
-          <a:sym typeface="Arial"/>
+          <a:latin typeface="+mn-lt"/>
+          <a:ea typeface="+mn-ea"/>
+          <a:cs typeface="+mn-cs"/>
         </a:defRPr>
-      </a:lvl1pPr>
-      <a:lvl2pPr marR="0" lvl="1" algn="l" rtl="0">
+      </a:lvl2pPr>
+      <a:lvl3pPr marL="566928" indent="-182880" algn="l" defTabSz="914400" rtl="0" eaLnBrk="1" latinLnBrk="0" hangingPunct="1">
         <a:lnSpc>
-          <a:spcPct val="100000"/>
+          <a:spcPct val="90000"/>
         </a:lnSpc>
         <a:spcBef>
-          <a:spcPts val="0"/>
+          <a:spcPts val="200"/>
         </a:spcBef>
         <a:spcAft>
-          <a:spcPts val="0"/>
+          <a:spcPts val="400"/>
         </a:spcAft>
         <a:buClr>
-          <a:srgbClr val="000000"/>
+          <a:schemeClr val="accent1"/>
         </a:buClr>
-        <a:buFont typeface="Arial"/>
-        <a:defRPr sz="1400" b="0" i="0" u="none" strike="noStrike" cap="none">
+        <a:buFont typeface="Calibri" pitchFamily="34" charset="0"/>
+        <a:buChar char="◦"/>
+        <a:defRPr sz="1400" kern="1200">
           <a:solidFill>
-            <a:srgbClr val="000000"/>
+            <a:schemeClr val="tx1">
+              <a:lumMod val="75000"/>
+              <a:lumOff val="25000"/>
+            </a:schemeClr>
           </a:solidFill>
-          <a:latin typeface="Arial"/>
-          <a:ea typeface="Arial"/>
-          <a:cs typeface="Arial"/>
-          <a:sym typeface="Arial"/>
+          <a:latin typeface="+mn-lt"/>
+          <a:ea typeface="+mn-ea"/>
+          <a:cs typeface="+mn-cs"/>
         </a:defRPr>
-      </a:lvl2pPr>
-      <a:lvl3pPr marR="0" lvl="2" algn="l" rtl="0">
+      </a:lvl3pPr>
+      <a:lvl4pPr marL="749808" indent="-182880" algn="l" defTabSz="914400" rtl="0" eaLnBrk="1" latinLnBrk="0" hangingPunct="1">
         <a:lnSpc>
-          <a:spcPct val="100000"/>
+          <a:spcPct val="90000"/>
         </a:lnSpc>
         <a:spcBef>
-          <a:spcPts val="0"/>
+          <a:spcPts val="200"/>
         </a:spcBef>
         <a:spcAft>
-          <a:spcPts val="0"/>
+          <a:spcPts val="400"/>
         </a:spcAft>
         <a:buClr>
-          <a:srgbClr val="000000"/>
+          <a:schemeClr val="accent1"/>
         </a:buClr>
-        <a:buFont typeface="Arial"/>
-        <a:defRPr sz="1400" b="0" i="0" u="none" strike="noStrike" cap="none">
+        <a:buFont typeface="Calibri" pitchFamily="34" charset="0"/>
+        <a:buChar char="◦"/>
+        <a:defRPr sz="1400" kern="1200">
           <a:solidFill>
-            <a:srgbClr val="000000"/>
+            <a:schemeClr val="tx1">
+              <a:lumMod val="75000"/>
+              <a:lumOff val="25000"/>
+            </a:schemeClr>
           </a:solidFill>
-          <a:latin typeface="Arial"/>
-          <a:ea typeface="Arial"/>
-          <a:cs typeface="Arial"/>
-          <a:sym typeface="Arial"/>
+          <a:latin typeface="+mn-lt"/>
+          <a:ea typeface="+mn-ea"/>
+          <a:cs typeface="+mn-cs"/>
         </a:defRPr>
-      </a:lvl3pPr>
-      <a:lvl4pPr marR="0" lvl="3" algn="l" rtl="0">
+      </a:lvl4pPr>
+      <a:lvl5pPr marL="932688" indent="-182880" algn="l" defTabSz="914400" rtl="0" eaLnBrk="1" latinLnBrk="0" hangingPunct="1">
         <a:lnSpc>
-          <a:spcPct val="100000"/>
+          <a:spcPct val="90000"/>
         </a:lnSpc>
         <a:spcBef>
-          <a:spcPts val="0"/>
+          <a:spcPts val="200"/>
         </a:spcBef>
         <a:spcAft>
-          <a:spcPts val="0"/>
+          <a:spcPts val="400"/>
         </a:spcAft>
         <a:buClr>
-          <a:srgbClr val="000000"/>
+          <a:schemeClr val="accent1"/>
         </a:buClr>
-        <a:buFont typeface="Arial"/>
-        <a:defRPr sz="1400" b="0" i="0" u="none" strike="noStrike" cap="none">
+        <a:buFont typeface="Calibri" pitchFamily="34" charset="0"/>
+        <a:buChar char="◦"/>
+        <a:defRPr sz="1400" kern="1200">
           <a:solidFill>
-            <a:srgbClr val="000000"/>
+            <a:schemeClr val="tx1">
+              <a:lumMod val="75000"/>
+              <a:lumOff val="25000"/>
+            </a:schemeClr>
           </a:solidFill>
-          <a:latin typeface="Arial"/>
-          <a:ea typeface="Arial"/>
-          <a:cs typeface="Arial"/>
-          <a:sym typeface="Arial"/>
+          <a:latin typeface="+mn-lt"/>
+          <a:ea typeface="+mn-ea"/>
+          <a:cs typeface="+mn-cs"/>
         </a:defRPr>
-      </a:lvl4pPr>
-      <a:lvl5pPr marR="0" lvl="4" algn="l" rtl="0">
+      </a:lvl5pPr>
+      <a:lvl6pPr marL="1100000" indent="-228600" algn="l" defTabSz="914400" rtl="0" eaLnBrk="1" latinLnBrk="0" hangingPunct="1">
         <a:lnSpc>
-          <a:spcPct val="100000"/>
+          <a:spcPct val="90000"/>
         </a:lnSpc>
         <a:spcBef>
-          <a:spcPts val="0"/>
+          <a:spcPts val="200"/>
         </a:spcBef>
         <a:spcAft>
-          <a:spcPts val="0"/>
+          <a:spcPts val="400"/>
         </a:spcAft>
         <a:buClr>
-          <a:srgbClr val="000000"/>
+          <a:schemeClr val="accent1"/>
         </a:buClr>
-        <a:buFont typeface="Arial"/>
-        <a:defRPr sz="1400" b="0" i="0" u="none" strike="noStrike" cap="none">
+        <a:buFont typeface="Calibri" pitchFamily="34" charset="0"/>
+        <a:buChar char="◦"/>
+        <a:defRPr sz="1400" kern="1200">
           <a:solidFill>
-            <a:srgbClr val="000000"/>
+            <a:schemeClr val="tx1">
+              <a:lumMod val="75000"/>
+              <a:lumOff val="25000"/>
+            </a:schemeClr>
           </a:solidFill>
-          <a:latin typeface="Arial"/>
-          <a:ea typeface="Arial"/>
-          <a:cs typeface="Arial"/>
-          <a:sym typeface="Arial"/>
+          <a:latin typeface="+mn-lt"/>
+          <a:ea typeface="+mn-ea"/>
+          <a:cs typeface="+mn-cs"/>
         </a:defRPr>
-      </a:lvl5pPr>
-      <a:lvl6pPr marR="0" lvl="5" algn="l" rtl="0">
+      </a:lvl6pPr>
+      <a:lvl7pPr marL="1300000" indent="-228600" algn="l" defTabSz="914400" rtl="0" eaLnBrk="1" latinLnBrk="0" hangingPunct="1">
         <a:lnSpc>
-          <a:spcPct val="100000"/>
+          <a:spcPct val="90000"/>
         </a:lnSpc>
         <a:spcBef>
-          <a:spcPts val="0"/>
+          <a:spcPts val="200"/>
         </a:spcBef>
         <a:spcAft>
-          <a:spcPts val="0"/>
+          <a:spcPts val="400"/>
         </a:spcAft>
         <a:buClr>
-          <a:srgbClr val="000000"/>
+          <a:schemeClr val="accent1"/>
         </a:buClr>
-        <a:buFont typeface="Arial"/>
-        <a:defRPr sz="1400" b="0" i="0" u="none" strike="noStrike" cap="none">
+        <a:buFont typeface="Calibri" pitchFamily="34" charset="0"/>
+        <a:buChar char="◦"/>
+        <a:defRPr sz="1400" kern="1200">
           <a:solidFill>
-            <a:srgbClr val="000000"/>
+            <a:schemeClr val="tx1">
+              <a:lumMod val="75000"/>
+              <a:lumOff val="25000"/>
+            </a:schemeClr>
           </a:solidFill>
-          <a:latin typeface="Arial"/>
-          <a:ea typeface="Arial"/>
-          <a:cs typeface="Arial"/>
-          <a:sym typeface="Arial"/>
+          <a:latin typeface="+mn-lt"/>
+          <a:ea typeface="+mn-ea"/>
+          <a:cs typeface="+mn-cs"/>
         </a:defRPr>
-      </a:lvl6pPr>
-      <a:lvl7pPr marR="0" lvl="6" algn="l" rtl="0">
+      </a:lvl7pPr>
+      <a:lvl8pPr marL="1500000" indent="-228600" algn="l" defTabSz="914400" rtl="0" eaLnBrk="1" latinLnBrk="0" hangingPunct="1">
         <a:lnSpc>
-          <a:spcPct val="100000"/>
+          <a:spcPct val="90000"/>
         </a:lnSpc>
         <a:spcBef>
-          <a:spcPts val="0"/>
+          <a:spcPts val="200"/>
         </a:spcBef>
         <a:spcAft>
-          <a:spcPts val="0"/>
+          <a:spcPts val="400"/>
         </a:spcAft>
         <a:buClr>
-          <a:srgbClr val="000000"/>
+          <a:schemeClr val="accent1"/>
         </a:buClr>
-        <a:buFont typeface="Arial"/>
-        <a:defRPr sz="1400" b="0" i="0" u="none" strike="noStrike" cap="none">
+        <a:buFont typeface="Calibri" pitchFamily="34" charset="0"/>
+        <a:buChar char="◦"/>
+        <a:defRPr sz="1400" kern="1200">
           <a:solidFill>
-            <a:srgbClr val="000000"/>
+            <a:schemeClr val="tx1">
+              <a:lumMod val="75000"/>
+              <a:lumOff val="25000"/>
+            </a:schemeClr>
           </a:solidFill>
-          <a:latin typeface="Arial"/>
-          <a:ea typeface="Arial"/>
-          <a:cs typeface="Arial"/>
-          <a:sym typeface="Arial"/>
+          <a:latin typeface="+mn-lt"/>
+          <a:ea typeface="+mn-ea"/>
+          <a:cs typeface="+mn-cs"/>
         </a:defRPr>
-      </a:lvl7pPr>
-      <a:lvl8pPr marR="0" lvl="7" algn="l" rtl="0">
+      </a:lvl8pPr>
+      <a:lvl9pPr marL="1700000" indent="-228600" algn="l" defTabSz="914400" rtl="0" eaLnBrk="1" latinLnBrk="0" hangingPunct="1">
         <a:lnSpc>
-          <a:spcPct val="100000"/>
+          <a:spcPct val="90000"/>
         </a:lnSpc>
         <a:spcBef>
-          <a:spcPts val="0"/>
+          <a:spcPts val="200"/>
         </a:spcBef>
         <a:spcAft>
-          <a:spcPts val="0"/>
+          <a:spcPts val="400"/>
         </a:spcAft>
         <a:buClr>
-          <a:srgbClr val="000000"/>
+          <a:schemeClr val="accent1"/>
         </a:buClr>
-        <a:buFont typeface="Arial"/>
-        <a:defRPr sz="1400" b="0" i="0" u="none" strike="noStrike" cap="none">
+        <a:buFont typeface="Calibri" pitchFamily="34" charset="0"/>
+        <a:buChar char="◦"/>
+        <a:defRPr sz="1400" kern="1200">
           <a:solidFill>
-            <a:srgbClr val="000000"/>
+            <a:schemeClr val="tx1">
+              <a:lumMod val="75000"/>
+              <a:lumOff val="25000"/>
+            </a:schemeClr>
           </a:solidFill>
-          <a:latin typeface="Arial"/>
-          <a:ea typeface="Arial"/>
-          <a:cs typeface="Arial"/>
-          <a:sym typeface="Arial"/>
-        </a:defRPr>
-      </a:lvl8pPr>
-      <a:lvl9pPr marR="0" lvl="8" algn="l" rtl="0">
-        <a:lnSpc>
-          <a:spcPct val="100000"/>
-        </a:lnSpc>
-        <a:spcBef>
-          <a:spcPts val="0"/>
-        </a:spcBef>
-        <a:spcAft>
-          <a:spcPts val="0"/>
-        </a:spcAft>
-        <a:buClr>
-          <a:srgbClr val="000000"/>
-        </a:buClr>
-        <a:buFont typeface="Arial"/>
-        <a:defRPr sz="1400" b="0" i="0" u="none" strike="noStrike" cap="none">
-          <a:solidFill>
-            <a:srgbClr val="000000"/>
-          </a:solidFill>
-          <a:latin typeface="Arial"/>
-          <a:ea typeface="Arial"/>
-          <a:cs typeface="Arial"/>
-          <a:sym typeface="Arial"/>
-        </a:defRPr>
-      </a:lvl9pPr>
-    </p:titleStyle>
-    <p:bodyStyle>
-      <a:defPPr marR="0" lvl="0" algn="l" rtl="0">
-        <a:lnSpc>
-          <a:spcPct val="100000"/>
-        </a:lnSpc>
-        <a:spcBef>
-          <a:spcPts val="0"/>
-        </a:spcBef>
-        <a:spcAft>
-          <a:spcPts val="0"/>
-        </a:spcAft>
-      </a:defPPr>
-      <a:lvl1pPr marR="0" lvl="0" algn="l" rtl="0">
-        <a:lnSpc>
-          <a:spcPct val="100000"/>
-        </a:lnSpc>
-        <a:spcBef>
-          <a:spcPts val="0"/>
-        </a:spcBef>
-        <a:spcAft>
-          <a:spcPts val="0"/>
-        </a:spcAft>
-        <a:buClr>
-          <a:srgbClr val="000000"/>
-        </a:buClr>
-        <a:buFont typeface="Arial"/>
-        <a:defRPr sz="1400" b="0" i="0" u="none" strike="noStrike" cap="none">
-          <a:solidFill>
-            <a:srgbClr val="000000"/>
-          </a:solidFill>
-          <a:latin typeface="Arial"/>
-          <a:ea typeface="Arial"/>
-          <a:cs typeface="Arial"/>
-          <a:sym typeface="Arial"/>
-        </a:defRPr>
-      </a:lvl1pPr>
-      <a:lvl2pPr marR="0" lvl="1" algn="l" rtl="0">
-        <a:lnSpc>
-          <a:spcPct val="100000"/>
-        </a:lnSpc>
-        <a:spcBef>
-          <a:spcPts val="0"/>
-        </a:spcBef>
-        <a:spcAft>
-          <a:spcPts val="0"/>
-        </a:spcAft>
-        <a:buClr>
-          <a:srgbClr val="000000"/>
-        </a:buClr>
-        <a:buFont typeface="Arial"/>
-        <a:defRPr sz="1400" b="0" i="0" u="none" strike="noStrike" cap="none">
-          <a:solidFill>
-            <a:srgbClr val="000000"/>
-          </a:solidFill>
-          <a:latin typeface="Arial"/>
-          <a:ea typeface="Arial"/>
-          <a:cs typeface="Arial"/>
-          <a:sym typeface="Arial"/>
-        </a:defRPr>
-      </a:lvl2pPr>
-      <a:lvl3pPr marR="0" lvl="2" algn="l" rtl="0">
-        <a:lnSpc>
-          <a:spcPct val="100000"/>
-        </a:lnSpc>
-        <a:spcBef>
-          <a:spcPts val="0"/>
-        </a:spcBef>
-        <a:spcAft>
-          <a:spcPts val="0"/>
-        </a:spcAft>
-        <a:buClr>
-          <a:srgbClr val="000000"/>
-        </a:buClr>
-        <a:buFont typeface="Arial"/>
-        <a:defRPr sz="1400" b="0" i="0" u="none" strike="noStrike" cap="none">
-          <a:solidFill>
-            <a:srgbClr val="000000"/>
-          </a:solidFill>
-          <a:latin typeface="Arial"/>
-          <a:ea typeface="Arial"/>
-          <a:cs typeface="Arial"/>
-          <a:sym typeface="Arial"/>
-        </a:defRPr>
-      </a:lvl3pPr>
-      <a:lvl4pPr marR="0" lvl="3" algn="l" rtl="0">
-        <a:lnSpc>
-          <a:spcPct val="100000"/>
-        </a:lnSpc>
-        <a:spcBef>
-          <a:spcPts val="0"/>
-        </a:spcBef>
-        <a:spcAft>
-          <a:spcPts val="0"/>
-        </a:spcAft>
-        <a:buClr>
-          <a:srgbClr val="000000"/>
-        </a:buClr>
-        <a:buFont typeface="Arial"/>
-        <a:defRPr sz="1400" b="0" i="0" u="none" strike="noStrike" cap="none">
-          <a:solidFill>
-            <a:srgbClr val="000000"/>
-          </a:solidFill>
-          <a:latin typeface="Arial"/>
-          <a:ea typeface="Arial"/>
-          <a:cs typeface="Arial"/>
-          <a:sym typeface="Arial"/>
-        </a:defRPr>
-      </a:lvl4pPr>
-      <a:lvl5pPr marR="0" lvl="4" algn="l" rtl="0">
-        <a:lnSpc>
-          <a:spcPct val="100000"/>
-        </a:lnSpc>
-        <a:spcBef>
-          <a:spcPts val="0"/>
-        </a:spcBef>
-        <a:spcAft>
-          <a:spcPts val="0"/>
-        </a:spcAft>
-        <a:buClr>
-          <a:srgbClr val="000000"/>
-        </a:buClr>
-        <a:buFont typeface="Arial"/>
-        <a:defRPr sz="1400" b="0" i="0" u="none" strike="noStrike" cap="none">
-          <a:solidFill>
-            <a:srgbClr val="000000"/>
-          </a:solidFill>
-          <a:latin typeface="Arial"/>
-          <a:ea typeface="Arial"/>
-          <a:cs typeface="Arial"/>
-          <a:sym typeface="Arial"/>
-        </a:defRPr>
-      </a:lvl5pPr>
-      <a:lvl6pPr marR="0" lvl="5" algn="l" rtl="0">
-        <a:lnSpc>
-          <a:spcPct val="100000"/>
-        </a:lnSpc>
-        <a:spcBef>
-          <a:spcPts val="0"/>
-        </a:spcBef>
-        <a:spcAft>
-          <a:spcPts val="0"/>
-        </a:spcAft>
-        <a:buClr>
-          <a:srgbClr val="000000"/>
-        </a:buClr>
-        <a:buFont typeface="Arial"/>
-        <a:defRPr sz="1400" b="0" i="0" u="none" strike="noStrike" cap="none">
-          <a:solidFill>
-            <a:srgbClr val="000000"/>
-          </a:solidFill>
-          <a:latin typeface="Arial"/>
-          <a:ea typeface="Arial"/>
-          <a:cs typeface="Arial"/>
-          <a:sym typeface="Arial"/>
-        </a:defRPr>
-      </a:lvl6pPr>
-      <a:lvl7pPr marR="0" lvl="6" algn="l" rtl="0">
-        <a:lnSpc>
-          <a:spcPct val="100000"/>
-        </a:lnSpc>
-        <a:spcBef>
-          <a:spcPts val="0"/>
-        </a:spcBef>
-        <a:spcAft>
-          <a:spcPts val="0"/>
-        </a:spcAft>
-        <a:buClr>
-          <a:srgbClr val="000000"/>
-        </a:buClr>
-        <a:buFont typeface="Arial"/>
-        <a:defRPr sz="1400" b="0" i="0" u="none" strike="noStrike" cap="none">
-          <a:solidFill>
-            <a:srgbClr val="000000"/>
-          </a:solidFill>
-          <a:latin typeface="Arial"/>
-          <a:ea typeface="Arial"/>
-          <a:cs typeface="Arial"/>
-          <a:sym typeface="Arial"/>
-        </a:defRPr>
-      </a:lvl7pPr>
-      <a:lvl8pPr marR="0" lvl="7" algn="l" rtl="0">
-        <a:lnSpc>
-          <a:spcPct val="100000"/>
-        </a:lnSpc>
-        <a:spcBef>
-          <a:spcPts val="0"/>
-        </a:spcBef>
-        <a:spcAft>
-          <a:spcPts val="0"/>
-        </a:spcAft>
-        <a:buClr>
-          <a:srgbClr val="000000"/>
-        </a:buClr>
-        <a:buFont typeface="Arial"/>
-        <a:defRPr sz="1400" b="0" i="0" u="none" strike="noStrike" cap="none">
-          <a:solidFill>
-            <a:srgbClr val="000000"/>
-          </a:solidFill>
-          <a:latin typeface="Arial"/>
-          <a:ea typeface="Arial"/>
-          <a:cs typeface="Arial"/>
-          <a:sym typeface="Arial"/>
-        </a:defRPr>
-      </a:lvl8pPr>
-      <a:lvl9pPr marR="0" lvl="8" algn="l" rtl="0">
-        <a:lnSpc>
-          <a:spcPct val="100000"/>
-        </a:lnSpc>
-        <a:spcBef>
-          <a:spcPts val="0"/>
-        </a:spcBef>
-        <a:spcAft>
-          <a:spcPts val="0"/>
-        </a:spcAft>
-        <a:buClr>
-          <a:srgbClr val="000000"/>
-        </a:buClr>
-        <a:buFont typeface="Arial"/>
-        <a:defRPr sz="1400" b="0" i="0" u="none" strike="noStrike" cap="none">
-          <a:solidFill>
-            <a:srgbClr val="000000"/>
-          </a:solidFill>
-          <a:latin typeface="Arial"/>
-          <a:ea typeface="Arial"/>
-          <a:cs typeface="Arial"/>
-          <a:sym typeface="Arial"/>
+          <a:latin typeface="+mn-lt"/>
+          <a:ea typeface="+mn-ea"/>
+          <a:cs typeface="+mn-cs"/>
         </a:defRPr>
       </a:lvl9pPr>
     </p:bodyStyle>
     <p:otherStyle>
-      <a:defPPr marR="0" lvl="0" algn="l" rtl="0">
-        <a:lnSpc>
-          <a:spcPct val="100000"/>
-        </a:lnSpc>
-        <a:spcBef>
-          <a:spcPts val="0"/>
-        </a:spcBef>
-        <a:spcAft>
-          <a:spcPts val="0"/>
-        </a:spcAft>
+      <a:defPPr>
+        <a:defRPr lang="en-US"/>
       </a:defPPr>
-      <a:lvl1pPr marR="0" lvl="0" algn="l" rtl="0">
-        <a:lnSpc>
-          <a:spcPct val="100000"/>
-        </a:lnSpc>
-        <a:spcBef>
-          <a:spcPts val="0"/>
-        </a:spcBef>
-        <a:spcAft>
-          <a:spcPts val="0"/>
-        </a:spcAft>
-        <a:buClr>
-          <a:srgbClr val="000000"/>
-        </a:buClr>
-        <a:buFont typeface="Arial"/>
-        <a:defRPr sz="1400" b="0" i="0" u="none" strike="noStrike" cap="none">
+      <a:lvl1pPr marL="0" algn="l" defTabSz="914400" rtl="0" eaLnBrk="1" latinLnBrk="0" hangingPunct="1">
+        <a:defRPr sz="1800" kern="1200">
           <a:solidFill>
-            <a:srgbClr val="000000"/>
+            <a:schemeClr val="tx1"/>
           </a:solidFill>
-          <a:latin typeface="Arial"/>
-          <a:ea typeface="Arial"/>
-          <a:cs typeface="Arial"/>
-          <a:sym typeface="Arial"/>
+          <a:latin typeface="+mn-lt"/>
+          <a:ea typeface="+mn-ea"/>
+          <a:cs typeface="+mn-cs"/>
         </a:defRPr>
       </a:lvl1pPr>
-      <a:lvl2pPr marR="0" lvl="1" algn="l" rtl="0">
-        <a:lnSpc>
-          <a:spcPct val="100000"/>
-        </a:lnSpc>
-        <a:spcBef>
-          <a:spcPts val="0"/>
-        </a:spcBef>
-        <a:spcAft>
-          <a:spcPts val="0"/>
-        </a:spcAft>
-        <a:buClr>
-          <a:srgbClr val="000000"/>
-        </a:buClr>
-        <a:buFont typeface="Arial"/>
-        <a:defRPr sz="1400" b="0" i="0" u="none" strike="noStrike" cap="none">
+      <a:lvl2pPr marL="457200" algn="l" defTabSz="914400" rtl="0" eaLnBrk="1" latinLnBrk="0" hangingPunct="1">
+        <a:defRPr sz="1800" kern="1200">
           <a:solidFill>
-            <a:srgbClr val="000000"/>
+            <a:schemeClr val="tx1"/>
           </a:solidFill>
-          <a:latin typeface="Arial"/>
-          <a:ea typeface="Arial"/>
-          <a:cs typeface="Arial"/>
-          <a:sym typeface="Arial"/>
+          <a:latin typeface="+mn-lt"/>
+          <a:ea typeface="+mn-ea"/>
+          <a:cs typeface="+mn-cs"/>
         </a:defRPr>
       </a:lvl2pPr>
-      <a:lvl3pPr marR="0" lvl="2" algn="l" rtl="0">
-        <a:lnSpc>
-          <a:spcPct val="100000"/>
-        </a:lnSpc>
-        <a:spcBef>
-          <a:spcPts val="0"/>
-        </a:spcBef>
-        <a:spcAft>
-          <a:spcPts val="0"/>
-        </a:spcAft>
-        <a:buClr>
-          <a:srgbClr val="000000"/>
-        </a:buClr>
-        <a:buFont typeface="Arial"/>
-        <a:defRPr sz="1400" b="0" i="0" u="none" strike="noStrike" cap="none">
+      <a:lvl3pPr marL="914400" algn="l" defTabSz="914400" rtl="0" eaLnBrk="1" latinLnBrk="0" hangingPunct="1">
+        <a:defRPr sz="1800" kern="1200">
           <a:solidFill>
-            <a:srgbClr val="000000"/>
+            <a:schemeClr val="tx1"/>
           </a:solidFill>
-          <a:latin typeface="Arial"/>
-          <a:ea typeface="Arial"/>
-          <a:cs typeface="Arial"/>
-          <a:sym typeface="Arial"/>
+          <a:latin typeface="+mn-lt"/>
+          <a:ea typeface="+mn-ea"/>
+          <a:cs typeface="+mn-cs"/>
         </a:defRPr>
       </a:lvl3pPr>
-      <a:lvl4pPr marR="0" lvl="3" algn="l" rtl="0">
-        <a:lnSpc>
-          <a:spcPct val="100000"/>
-        </a:lnSpc>
-        <a:spcBef>
-          <a:spcPts val="0"/>
-        </a:spcBef>
-        <a:spcAft>
-          <a:spcPts val="0"/>
-        </a:spcAft>
-        <a:buClr>
-          <a:srgbClr val="000000"/>
-        </a:buClr>
-        <a:buFont typeface="Arial"/>
-        <a:defRPr sz="1400" b="0" i="0" u="none" strike="noStrike" cap="none">
+      <a:lvl4pPr marL="1371600" algn="l" defTabSz="914400" rtl="0" eaLnBrk="1" latinLnBrk="0" hangingPunct="1">
+        <a:defRPr sz="1800" kern="1200">
           <a:solidFill>
-            <a:srgbClr val="000000"/>
+            <a:schemeClr val="tx1"/>
           </a:solidFill>
-          <a:latin typeface="Arial"/>
-          <a:ea typeface="Arial"/>
-          <a:cs typeface="Arial"/>
-          <a:sym typeface="Arial"/>
+          <a:latin typeface="+mn-lt"/>
+          <a:ea typeface="+mn-ea"/>
+          <a:cs typeface="+mn-cs"/>
         </a:defRPr>
       </a:lvl4pPr>
-      <a:lvl5pPr marR="0" lvl="4" algn="l" rtl="0">
-        <a:lnSpc>
-          <a:spcPct val="100000"/>
-        </a:lnSpc>
-        <a:spcBef>
-          <a:spcPts val="0"/>
-        </a:spcBef>
-        <a:spcAft>
-          <a:spcPts val="0"/>
-        </a:spcAft>
-        <a:buClr>
-          <a:srgbClr val="000000"/>
-        </a:buClr>
-        <a:buFont typeface="Arial"/>
-        <a:defRPr sz="1400" b="0" i="0" u="none" strike="noStrike" cap="none">
+      <a:lvl5pPr marL="1828800" algn="l" defTabSz="914400" rtl="0" eaLnBrk="1" latinLnBrk="0" hangingPunct="1">
+        <a:defRPr sz="1800" kern="1200">
           <a:solidFill>
-            <a:srgbClr val="000000"/>
+            <a:schemeClr val="tx1"/>
           </a:solidFill>
-          <a:latin typeface="Arial"/>
-          <a:ea typeface="Arial"/>
-          <a:cs typeface="Arial"/>
-          <a:sym typeface="Arial"/>
+          <a:latin typeface="+mn-lt"/>
+          <a:ea typeface="+mn-ea"/>
+          <a:cs typeface="+mn-cs"/>
         </a:defRPr>
       </a:lvl5pPr>
-      <a:lvl6pPr marR="0" lvl="5" algn="l" rtl="0">
-        <a:lnSpc>
-          <a:spcPct val="100000"/>
-        </a:lnSpc>
-        <a:spcBef>
-          <a:spcPts val="0"/>
-        </a:spcBef>
-        <a:spcAft>
-          <a:spcPts val="0"/>
-        </a:spcAft>
-        <a:buClr>
-          <a:srgbClr val="000000"/>
-        </a:buClr>
-        <a:buFont typeface="Arial"/>
-        <a:defRPr sz="1400" b="0" i="0" u="none" strike="noStrike" cap="none">
+      <a:lvl6pPr marL="2286000" algn="l" defTabSz="914400" rtl="0" eaLnBrk="1" latinLnBrk="0" hangingPunct="1">
+        <a:defRPr sz="1800" kern="1200">
           <a:solidFill>
-            <a:srgbClr val="000000"/>
+            <a:schemeClr val="tx1"/>
           </a:solidFill>
-          <a:latin typeface="Arial"/>
-          <a:ea typeface="Arial"/>
-          <a:cs typeface="Arial"/>
-          <a:sym typeface="Arial"/>
+          <a:latin typeface="+mn-lt"/>
+          <a:ea typeface="+mn-ea"/>
+          <a:cs typeface="+mn-cs"/>
         </a:defRPr>
       </a:lvl6pPr>
-      <a:lvl7pPr marR="0" lvl="6" algn="l" rtl="0">
-        <a:lnSpc>
-          <a:spcPct val="100000"/>
-        </a:lnSpc>
-        <a:spcBef>
-          <a:spcPts val="0"/>
-        </a:spcBef>
-        <a:spcAft>
-          <a:spcPts val="0"/>
-        </a:spcAft>
-        <a:buClr>
-          <a:srgbClr val="000000"/>
-        </a:buClr>
-        <a:buFont typeface="Arial"/>
-        <a:defRPr sz="1400" b="0" i="0" u="none" strike="noStrike" cap="none">
+      <a:lvl7pPr marL="2743200" algn="l" defTabSz="914400" rtl="0" eaLnBrk="1" latinLnBrk="0" hangingPunct="1">
+        <a:defRPr sz="1800" kern="1200">
           <a:solidFill>
-            <a:srgbClr val="000000"/>
+            <a:schemeClr val="tx1"/>
           </a:solidFill>
-          <a:latin typeface="Arial"/>
-          <a:ea typeface="Arial"/>
-          <a:cs typeface="Arial"/>
-          <a:sym typeface="Arial"/>
+          <a:latin typeface="+mn-lt"/>
+          <a:ea typeface="+mn-ea"/>
+          <a:cs typeface="+mn-cs"/>
         </a:defRPr>
       </a:lvl7pPr>
-      <a:lvl8pPr marR="0" lvl="7" algn="l" rtl="0">
-        <a:lnSpc>
-          <a:spcPct val="100000"/>
-        </a:lnSpc>
-        <a:spcBef>
-          <a:spcPts val="0"/>
-        </a:spcBef>
-        <a:spcAft>
-          <a:spcPts val="0"/>
-        </a:spcAft>
-        <a:buClr>
-          <a:srgbClr val="000000"/>
-        </a:buClr>
-        <a:buFont typeface="Arial"/>
-        <a:defRPr sz="1400" b="0" i="0" u="none" strike="noStrike" cap="none">
+      <a:lvl8pPr marL="3200400" algn="l" defTabSz="914400" rtl="0" eaLnBrk="1" latinLnBrk="0" hangingPunct="1">
+        <a:defRPr sz="1800" kern="1200">
           <a:solidFill>
-            <a:srgbClr val="000000"/>
+            <a:schemeClr val="tx1"/>
           </a:solidFill>
-          <a:latin typeface="Arial"/>
-          <a:ea typeface="Arial"/>
-          <a:cs typeface="Arial"/>
-          <a:sym typeface="Arial"/>
+          <a:latin typeface="+mn-lt"/>
+          <a:ea typeface="+mn-ea"/>
+          <a:cs typeface="+mn-cs"/>
         </a:defRPr>
       </a:lvl8pPr>
-      <a:lvl9pPr marR="0" lvl="8" algn="l" rtl="0">
-        <a:lnSpc>
-          <a:spcPct val="100000"/>
-        </a:lnSpc>
-        <a:spcBef>
-          <a:spcPts val="0"/>
-        </a:spcBef>
-        <a:spcAft>
-          <a:spcPts val="0"/>
-        </a:spcAft>
-        <a:buClr>
-          <a:srgbClr val="000000"/>
-        </a:buClr>
-        <a:buFont typeface="Arial"/>
-        <a:defRPr sz="1400" b="0" i="0" u="none" strike="noStrike" cap="none">
+      <a:lvl9pPr marL="3657600" algn="l" defTabSz="914400" rtl="0" eaLnBrk="1" latinLnBrk="0" hangingPunct="1">
+        <a:defRPr sz="1800" kern="1200">
           <a:solidFill>
-            <a:srgbClr val="000000"/>
+            <a:schemeClr val="tx1"/>
           </a:solidFill>
-          <a:latin typeface="Arial"/>
-          <a:ea typeface="Arial"/>
-          <a:cs typeface="Arial"/>
-          <a:sym typeface="Arial"/>
+          <a:latin typeface="+mn-lt"/>
+          <a:ea typeface="+mn-ea"/>
+          <a:cs typeface="+mn-cs"/>
         </a:defRPr>
       </a:lvl9pPr>
     </p:otherStyle>
@@ -3781,7 +5680,7 @@
           </a:solidFill>
           <a:ln w="19050" cap="flat" cmpd="sng">
             <a:solidFill>
-              <a:schemeClr val="accent5"/>
+              <a:schemeClr val="accent1"/>
             </a:solidFill>
             <a:prstDash val="solid"/>
             <a:miter lim="800000"/>
@@ -3843,7 +5742,7 @@
           </a:solidFill>
           <a:ln w="19050" cap="flat" cmpd="sng">
             <a:solidFill>
-              <a:schemeClr val="accent5"/>
+              <a:schemeClr val="accent1"/>
             </a:solidFill>
             <a:prstDash val="solid"/>
             <a:miter lim="800000"/>
@@ -3901,7 +5800,7 @@
             <a:avLst/>
           </a:prstGeom>
           <a:solidFill>
-            <a:srgbClr val="F1A205"/>
+            <a:schemeClr val="accent2"/>
           </a:solidFill>
           <a:ln>
             <a:noFill/>
@@ -3969,7 +5868,7 @@
             <a:avLst/>
           </a:prstGeom>
           <a:solidFill>
-            <a:srgbClr val="F1A205"/>
+            <a:schemeClr val="accent2"/>
           </a:solidFill>
           <a:ln>
             <a:noFill/>
@@ -4169,7 +6068,7 @@
             <a:avLst/>
           </a:prstGeom>
           <a:solidFill>
-            <a:srgbClr val="F1A205"/>
+            <a:schemeClr val="accent2"/>
           </a:solidFill>
           <a:ln>
             <a:noFill/>
@@ -4230,14 +6129,14 @@
         </p:nvSpPr>
         <p:spPr>
           <a:xfrm>
-            <a:off x="218936" y="4023121"/>
+            <a:off x="218936" y="4165996"/>
             <a:ext cx="288315" cy="263476"/>
           </a:xfrm>
           <a:prstGeom prst="rect">
             <a:avLst/>
           </a:prstGeom>
           <a:solidFill>
-            <a:srgbClr val="F1A205"/>
+            <a:schemeClr val="accent2"/>
           </a:solidFill>
           <a:ln>
             <a:noFill/>
@@ -4298,7 +6197,7 @@
         </p:nvSpPr>
         <p:spPr>
           <a:xfrm>
-            <a:off x="601195" y="4055176"/>
+            <a:off x="601195" y="4198051"/>
             <a:ext cx="3597454" cy="204887"/>
           </a:xfrm>
           <a:prstGeom prst="rect">
@@ -4399,7 +6298,7 @@
               <a:buNone/>
             </a:pPr>
             <a:r>
-              <a:rPr lang="en-AU" sz="1428" b="0" i="0" u="none" strike="noStrike" cap="none">
+              <a:rPr lang="en-AU" sz="1428" b="0" i="0" u="none" strike="noStrike" cap="none" dirty="0">
                 <a:solidFill>
                   <a:schemeClr val="dk1"/>
                 </a:solidFill>
@@ -4410,7 +6309,7 @@
               </a:rPr>
               <a:t>Stakeholders to provide key insight</a:t>
             </a:r>
-            <a:endParaRPr sz="1400" b="0" i="0" u="none" strike="noStrike" cap="none">
+            <a:endParaRPr sz="1400" b="0" i="0" u="none" strike="noStrike" cap="none" dirty="0">
               <a:solidFill>
                 <a:srgbClr val="000000"/>
               </a:solidFill>
@@ -4430,14 +6329,14 @@
         </p:nvSpPr>
         <p:spPr>
           <a:xfrm>
-            <a:off x="218936" y="5379439"/>
+            <a:off x="218936" y="5499731"/>
             <a:ext cx="288315" cy="288315"/>
           </a:xfrm>
           <a:prstGeom prst="rect">
             <a:avLst/>
           </a:prstGeom>
           <a:solidFill>
-            <a:srgbClr val="F1A205"/>
+            <a:schemeClr val="accent2"/>
           </a:solidFill>
           <a:ln>
             <a:noFill/>
@@ -4505,7 +6404,7 @@
             <a:avLst/>
           </a:prstGeom>
           <a:solidFill>
-            <a:srgbClr val="F1A205"/>
+            <a:schemeClr val="accent2"/>
           </a:solidFill>
           <a:ln>
             <a:noFill/>
@@ -4566,7 +6465,7 @@
         </p:nvSpPr>
         <p:spPr>
           <a:xfrm>
-            <a:off x="601195" y="5413726"/>
+            <a:off x="601195" y="5534018"/>
             <a:ext cx="3597454" cy="219740"/>
           </a:xfrm>
           <a:prstGeom prst="rect">
@@ -4707,7 +6606,7 @@
         <p:spPr>
           <a:xfrm>
             <a:off x="143108" y="1861457"/>
-            <a:ext cx="4324418" cy="2186854"/>
+            <a:ext cx="4324418" cy="1819433"/>
           </a:xfrm>
           <a:prstGeom prst="rect">
             <a:avLst/>
@@ -4737,11 +6636,10 @@
               <a:buChar char="•"/>
             </a:pPr>
             <a:r>
-              <a:rPr lang="en-US" sz="1050" i="0" u="none" strike="noStrike" cap="none" dirty="0">
+              <a:rPr lang="en-US" sz="1100" i="0" u="none" strike="noStrike" cap="none" dirty="0">
                 <a:solidFill>
                   <a:schemeClr val="tx1"/>
                 </a:solidFill>
-                <a:latin typeface="Arial"/>
                 <a:ea typeface="Arial"/>
                 <a:cs typeface="Arial"/>
                 <a:sym typeface="Arial"/>
@@ -4749,7 +6647,7 @@
               <a:t>Big Mountain Resort (BMR) has recently installed an additional chair lift to help increase the distribution of visitors across the mountain. This additional chair increases their</a:t>
             </a:r>
             <a:r>
-              <a:rPr lang="en-US" sz="1050" dirty="0">
+              <a:rPr lang="en-US" sz="1100" dirty="0">
                 <a:solidFill>
                   <a:schemeClr val="tx1"/>
                 </a:solidFill>
@@ -4757,11 +6655,10 @@
               <a:t> </a:t>
             </a:r>
             <a:r>
-              <a:rPr lang="en-US" sz="1050" i="0" u="none" strike="noStrike" cap="none" dirty="0">
+              <a:rPr lang="en-US" sz="1100" i="0" u="none" strike="noStrike" cap="none" dirty="0">
                 <a:solidFill>
                   <a:schemeClr val="tx1"/>
                 </a:solidFill>
-                <a:latin typeface="Arial"/>
                 <a:ea typeface="Arial"/>
                 <a:cs typeface="Arial"/>
                 <a:sym typeface="Arial"/>
@@ -4784,7 +6681,7 @@
               <a:buChar char="•"/>
             </a:pPr>
             <a:r>
-              <a:rPr lang="en-US" sz="1050" dirty="0">
+              <a:rPr lang="en-US" sz="1100" dirty="0">
                 <a:solidFill>
                   <a:schemeClr val="tx1"/>
                 </a:solidFill>
@@ -4807,11 +6704,10 @@
               <a:buChar char="•"/>
             </a:pPr>
             <a:r>
-              <a:rPr lang="en-US" sz="1050" i="0" u="none" strike="noStrike" cap="none" dirty="0">
+              <a:rPr lang="en-US" sz="1100" i="0" u="none" strike="noStrike" cap="none" dirty="0">
                 <a:solidFill>
                   <a:schemeClr val="tx1"/>
                 </a:solidFill>
-                <a:latin typeface="Arial"/>
                 <a:ea typeface="Arial"/>
                 <a:cs typeface="Arial"/>
                 <a:sym typeface="Arial"/>
@@ -4834,7 +6730,7 @@
               <a:buChar char="•"/>
             </a:pPr>
             <a:r>
-              <a:rPr lang="en-US" sz="1050" dirty="0">
+              <a:rPr lang="en-US" sz="1100" dirty="0">
                 <a:solidFill>
                   <a:schemeClr val="tx1"/>
                 </a:solidFill>
@@ -4842,11 +6738,10 @@
               <a:t>BMR’s facilities include </a:t>
             </a:r>
             <a:r>
-              <a:rPr lang="en-US" sz="1050" i="0" u="none" strike="noStrike" cap="none" dirty="0">
+              <a:rPr lang="en-US" sz="1100" i="0" u="none" strike="noStrike" cap="none" dirty="0">
                 <a:solidFill>
                   <a:schemeClr val="tx1"/>
                 </a:solidFill>
-                <a:latin typeface="Arial"/>
                 <a:ea typeface="Arial"/>
                 <a:cs typeface="Arial"/>
                 <a:sym typeface="Arial"/>
@@ -4854,54 +6749,6 @@
               <a:t>11 lifts, 2 T-bars and 1 magic carpet for novice skiers.</a:t>
             </a:r>
           </a:p>
-          <a:p>
-            <a:pPr marL="171450" marR="0" lvl="0" indent="-171450" algn="l" rtl="0">
-              <a:lnSpc>
-                <a:spcPct val="100000"/>
-              </a:lnSpc>
-              <a:spcBef>
-                <a:spcPts val="600"/>
-              </a:spcBef>
-              <a:spcAft>
-                <a:spcPts val="0"/>
-              </a:spcAft>
-              <a:buFont typeface="Arial" panose="020B0604020202020204" pitchFamily="34" charset="0"/>
-              <a:buChar char="•"/>
-            </a:pPr>
-            <a:endParaRPr lang="en-US" sz="1070" i="0" u="none" strike="noStrike" cap="none" dirty="0">
-              <a:solidFill>
-                <a:schemeClr val="tx1"/>
-              </a:solidFill>
-              <a:latin typeface="Arial"/>
-              <a:ea typeface="Arial"/>
-              <a:cs typeface="Arial"/>
-              <a:sym typeface="Arial"/>
-            </a:endParaRPr>
-          </a:p>
-          <a:p>
-            <a:pPr marL="171450" marR="0" lvl="0" indent="-171450" algn="l" rtl="0">
-              <a:lnSpc>
-                <a:spcPct val="100000"/>
-              </a:lnSpc>
-              <a:spcBef>
-                <a:spcPts val="600"/>
-              </a:spcBef>
-              <a:spcAft>
-                <a:spcPts val="0"/>
-              </a:spcAft>
-              <a:buFont typeface="Arial" panose="020B0604020202020204" pitchFamily="34" charset="0"/>
-              <a:buChar char="•"/>
-            </a:pPr>
-            <a:endParaRPr lang="en-US" sz="1070" i="0" u="none" strike="noStrike" cap="none" dirty="0">
-              <a:solidFill>
-                <a:schemeClr val="tx1"/>
-              </a:solidFill>
-              <a:latin typeface="Arial"/>
-              <a:ea typeface="Arial"/>
-              <a:cs typeface="Arial"/>
-              <a:sym typeface="Arial"/>
-            </a:endParaRPr>
-          </a:p>
         </p:txBody>
       </p:sp>
       <p:sp>
@@ -4912,7 +6759,7 @@
         </p:nvSpPr>
         <p:spPr>
           <a:xfrm>
-            <a:off x="143108" y="4354899"/>
+            <a:off x="143108" y="4462670"/>
             <a:ext cx="4324418" cy="1004395"/>
           </a:xfrm>
           <a:prstGeom prst="rect">
@@ -4943,11 +6790,10 @@
               <a:buChar char="•"/>
             </a:pPr>
             <a:r>
-              <a:rPr lang="en-AU" sz="1071" i="0" u="none" strike="noStrike" cap="none" dirty="0">
+              <a:rPr lang="en-AU" sz="1100" i="0" u="none" strike="noStrike" cap="none" dirty="0">
                 <a:solidFill>
                   <a:schemeClr val="tx1"/>
                 </a:solidFill>
-                <a:latin typeface="Arial"/>
                 <a:ea typeface="Arial"/>
                 <a:cs typeface="Arial"/>
                 <a:sym typeface="Arial"/>
@@ -4955,7 +6801,7 @@
               <a:t>Come up with a set of measures to either cut down expenses or </a:t>
             </a:r>
             <a:r>
-              <a:rPr lang="en-AU" sz="1071" dirty="0">
+              <a:rPr lang="en-AU" sz="1100" dirty="0">
                 <a:solidFill>
                   <a:schemeClr val="tx1"/>
                 </a:solidFill>
@@ -4963,11 +6809,10 @@
               <a:t>increase revenues in present season </a:t>
             </a:r>
             <a:r>
-              <a:rPr lang="en-AU" sz="1071" i="0" u="none" strike="noStrike" cap="none" dirty="0">
+              <a:rPr lang="en-AU" sz="1100" i="0" u="none" strike="noStrike" cap="none" dirty="0">
                 <a:solidFill>
                   <a:schemeClr val="tx1"/>
                 </a:solidFill>
-                <a:latin typeface="Arial"/>
                 <a:ea typeface="Arial"/>
                 <a:cs typeface="Arial"/>
                 <a:sym typeface="Arial"/>
@@ -4990,22 +6835,20 @@
               <a:buChar char="•"/>
             </a:pPr>
             <a:r>
-              <a:rPr lang="en-AU" sz="1071" i="0" u="none" strike="noStrike" cap="none" dirty="0">
+              <a:rPr lang="en-AU" sz="1100" i="0" u="none" strike="noStrike" cap="none" dirty="0">
                 <a:solidFill>
                   <a:schemeClr val="tx1"/>
                 </a:solidFill>
-                <a:latin typeface="Arial"/>
                 <a:ea typeface="Arial"/>
                 <a:cs typeface="Arial"/>
                 <a:sym typeface="Arial"/>
               </a:rPr>
-              <a:t>Present a reliable annual revenue forecast for present season. </a:t>
-            </a:r>
-            <a:endParaRPr sz="1071" i="0" u="none" strike="noStrike" cap="none" dirty="0">
+              <a:t>Present annual revenue forecast for present season. </a:t>
+            </a:r>
+            <a:endParaRPr sz="1100" i="0" u="none" strike="noStrike" cap="none" dirty="0">
               <a:solidFill>
                 <a:schemeClr val="tx1"/>
               </a:solidFill>
-              <a:latin typeface="Arial"/>
               <a:ea typeface="Arial"/>
               <a:cs typeface="Arial"/>
               <a:sym typeface="Arial"/>
@@ -5021,8 +6864,8 @@
         </p:nvSpPr>
         <p:spPr>
           <a:xfrm>
-            <a:off x="186842" y="5692484"/>
-            <a:ext cx="4324418" cy="533057"/>
+            <a:off x="186842" y="5812776"/>
+            <a:ext cx="4324418" cy="444299"/>
           </a:xfrm>
           <a:prstGeom prst="rect">
             <a:avLst/>
@@ -5038,25 +6881,15 @@
           </a:bodyPr>
           <a:lstStyle/>
           <a:p>
-            <a:pPr marL="171450" marR="0" lvl="0" indent="-171450" algn="l" rtl="0">
-              <a:lnSpc>
-                <a:spcPct val="100000"/>
-              </a:lnSpc>
-              <a:spcBef>
-                <a:spcPts val="0"/>
-              </a:spcBef>
+            <a:pPr marL="171450" indent="-171450">
               <a:spcAft>
-                <a:spcPts val="0"/>
+                <a:spcPts val="600"/>
               </a:spcAft>
               <a:buFont typeface="Arial" panose="020B0604020202020204" pitchFamily="34" charset="0"/>
               <a:buChar char="•"/>
             </a:pPr>
             <a:r>
-              <a:rPr lang="en-AU" sz="1071" dirty="0">
-                <a:solidFill>
-                  <a:srgbClr val="002060"/>
-                </a:solidFill>
-              </a:rPr>
+              <a:rPr lang="en-AU" sz="1100" dirty="0"/>
               <a:t>Proposed measures should consider only BMR’s facilities and operations.  </a:t>
             </a:r>
           </a:p>
@@ -5071,7 +6904,7 @@
         <p:spPr>
           <a:xfrm>
             <a:off x="4558232" y="1963920"/>
-            <a:ext cx="4324418" cy="693956"/>
+            <a:ext cx="4324418" cy="998046"/>
           </a:xfrm>
           <a:prstGeom prst="rect">
             <a:avLst/>
@@ -5101,19 +6934,37 @@
               <a:buChar char="•"/>
             </a:pPr>
             <a:r>
-              <a:rPr lang="en-US" sz="1070" dirty="0">
+              <a:rPr lang="en-US" sz="1100" dirty="0">
                 <a:solidFill>
                   <a:schemeClr val="tx1"/>
                 </a:solidFill>
               </a:rPr>
               <a:t>Proposed changes might jeopardize profitability of the company. Must maintain profit margin at 9.2% or higher.</a:t>
             </a:r>
-            <a:endParaRPr lang="en-US" sz="1070" i="0" u="none" strike="noStrike" cap="none" dirty="0">
-              <a:solidFill>
-                <a:schemeClr val="tx1"/>
-              </a:solidFill>
-              <a:sym typeface="Arial"/>
-            </a:endParaRPr>
+          </a:p>
+          <a:p>
+            <a:pPr marL="171450" marR="0" lvl="0" indent="-171450" algn="l" rtl="0">
+              <a:lnSpc>
+                <a:spcPct val="100000"/>
+              </a:lnSpc>
+              <a:spcBef>
+                <a:spcPts val="600"/>
+              </a:spcBef>
+              <a:spcAft>
+                <a:spcPts val="0"/>
+              </a:spcAft>
+              <a:buFont typeface="Arial" panose="020B0604020202020204" pitchFamily="34" charset="0"/>
+              <a:buChar char="•"/>
+            </a:pPr>
+            <a:r>
+              <a:rPr lang="en-US" sz="1100" i="0" u="none" strike="noStrike" cap="none" dirty="0">
+                <a:solidFill>
+                  <a:schemeClr val="tx1"/>
+                </a:solidFill>
+                <a:sym typeface="Arial"/>
+              </a:rPr>
+              <a:t>Some solutions could be out of scope, since they are climatic or geographic related characteristics</a:t>
+            </a:r>
           </a:p>
         </p:txBody>
       </p:sp>
@@ -5156,7 +7007,7 @@
               <a:buAutoNum type="arabicPeriod"/>
             </a:pPr>
             <a:r>
-              <a:rPr lang="en-US" sz="1070" i="0" u="none" strike="noStrike" cap="none" dirty="0">
+              <a:rPr lang="en-US" sz="1100" i="0" u="none" strike="noStrike" cap="none" dirty="0">
                 <a:solidFill>
                   <a:schemeClr val="tx1"/>
                 </a:solidFill>
@@ -5164,7 +7015,7 @@
               </a:rPr>
               <a:t>Dataset file in .csv format from database manager</a:t>
             </a:r>
-            <a:endParaRPr lang="en-US" sz="1070" dirty="0">
+            <a:endParaRPr lang="en-US" sz="1100" dirty="0">
               <a:solidFill>
                 <a:schemeClr val="tx1"/>
               </a:solidFill>
@@ -5184,14 +7035,13 @@
               <a:buNone/>
             </a:pPr>
             <a:r>
-              <a:rPr lang="en-US" sz="1070" b="1" i="0" u="none" strike="noStrike" cap="none" dirty="0">
+              <a:rPr lang="en-US" sz="1100" b="1" i="0" u="none" strike="noStrike" cap="none" dirty="0">
                 <a:solidFill>
                   <a:srgbClr val="000000"/>
                 </a:solidFill>
                 <a:highlight>
                   <a:srgbClr val="FFFF00"/>
                 </a:highlight>
-                <a:latin typeface="Arial"/>
                 <a:ea typeface="Arial"/>
                 <a:cs typeface="Arial"/>
                 <a:sym typeface="Arial"/>
@@ -5203,455 +7053,26 @@
       </p:sp>
       <p:sp>
         <p:nvSpPr>
-          <p:cNvPr id="39" name="Google Shape;39;p1"/>
+          <p:cNvPr id="45" name="Google Shape;45;p1"/>
           <p:cNvSpPr/>
           <p:nvPr/>
         </p:nvSpPr>
         <p:spPr>
           <a:xfrm>
-            <a:off x="6633337" y="6524418"/>
-            <a:ext cx="432048" cy="205317"/>
+            <a:off x="121750" y="116631"/>
+            <a:ext cx="8793596" cy="1307328"/>
           </a:xfrm>
-          <a:prstGeom prst="chevron">
+          <a:prstGeom prst="wedgeRectCallout">
             <a:avLst>
-              <a:gd name="adj" fmla="val 50000"/>
+              <a:gd name="adj1" fmla="val 46946"/>
+              <a:gd name="adj2" fmla="val 8946"/>
             </a:avLst>
           </a:prstGeom>
           <a:solidFill>
-            <a:schemeClr val="accent4"/>
-          </a:solidFill>
-          <a:ln w="9525" cap="flat" cmpd="sng">
-            <a:solidFill>
-              <a:schemeClr val="dk2"/>
-            </a:solidFill>
-            <a:prstDash val="solid"/>
-            <a:round/>
-            <a:headEnd type="none" w="sm" len="sm"/>
-            <a:tailEnd type="none" w="sm" len="sm"/>
-          </a:ln>
-        </p:spPr>
-        <p:txBody>
-          <a:bodyPr spcFirstLastPara="1" wrap="square" lIns="91425" tIns="45700" rIns="91425" bIns="45700" anchor="ctr" anchorCtr="0">
-            <a:noAutofit/>
-          </a:bodyPr>
-          <a:lstStyle/>
-          <a:p>
-            <a:pPr marL="0" marR="0" lvl="0" indent="0" algn="ctr" rtl="0">
-              <a:lnSpc>
-                <a:spcPct val="100000"/>
-              </a:lnSpc>
-              <a:spcBef>
-                <a:spcPts val="0"/>
-              </a:spcBef>
-              <a:spcAft>
-                <a:spcPts val="0"/>
-              </a:spcAft>
-              <a:buClr>
-                <a:srgbClr val="000000"/>
-              </a:buClr>
-              <a:buSzPts val="1200"/>
-              <a:buFont typeface="Arial"/>
-              <a:buNone/>
-            </a:pPr>
-            <a:r>
-              <a:rPr lang="en-AU" sz="1200" b="1" i="0" u="none" strike="noStrike" cap="none">
-                <a:solidFill>
-                  <a:schemeClr val="lt1"/>
-                </a:solidFill>
-                <a:latin typeface="Quattrocento Sans"/>
-                <a:ea typeface="Quattrocento Sans"/>
-                <a:cs typeface="Quattrocento Sans"/>
-                <a:sym typeface="Quattrocento Sans"/>
-              </a:rPr>
-              <a:t>H</a:t>
-            </a:r>
-            <a:endParaRPr sz="1400" b="0" i="0" u="none" strike="noStrike" cap="none">
-              <a:solidFill>
-                <a:srgbClr val="000000"/>
-              </a:solidFill>
-              <a:latin typeface="Arial"/>
-              <a:ea typeface="Arial"/>
-              <a:cs typeface="Arial"/>
-              <a:sym typeface="Arial"/>
-            </a:endParaRPr>
-          </a:p>
-        </p:txBody>
-      </p:sp>
-      <p:sp>
-        <p:nvSpPr>
-          <p:cNvPr id="40" name="Google Shape;40;p1"/>
-          <p:cNvSpPr/>
-          <p:nvPr/>
-        </p:nvSpPr>
-        <p:spPr>
-          <a:xfrm>
-            <a:off x="7028512" y="6513711"/>
-            <a:ext cx="432048" cy="216024"/>
-          </a:xfrm>
-          <a:prstGeom prst="chevron">
-            <a:avLst>
-              <a:gd name="adj" fmla="val 50000"/>
-            </a:avLst>
-          </a:prstGeom>
-          <a:solidFill>
-            <a:srgbClr val="D8D8D8"/>
-          </a:solidFill>
-          <a:ln>
-            <a:noFill/>
-          </a:ln>
-        </p:spPr>
-        <p:txBody>
-          <a:bodyPr spcFirstLastPara="1" wrap="square" lIns="91425" tIns="45700" rIns="91425" bIns="45700" anchor="ctr" anchorCtr="0">
-            <a:noAutofit/>
-          </a:bodyPr>
-          <a:lstStyle/>
-          <a:p>
-            <a:pPr marL="0" marR="0" lvl="0" indent="0" algn="ctr" rtl="0">
-              <a:lnSpc>
-                <a:spcPct val="100000"/>
-              </a:lnSpc>
-              <a:spcBef>
-                <a:spcPts val="0"/>
-              </a:spcBef>
-              <a:spcAft>
-                <a:spcPts val="0"/>
-              </a:spcAft>
-              <a:buClr>
-                <a:srgbClr val="000000"/>
-              </a:buClr>
-              <a:buSzPts val="1200"/>
-              <a:buFont typeface="Arial"/>
-              <a:buNone/>
-            </a:pPr>
-            <a:r>
-              <a:rPr lang="en-AU" sz="1200" b="1" i="0" u="none" strike="noStrike" cap="none">
-                <a:solidFill>
-                  <a:schemeClr val="lt1"/>
-                </a:solidFill>
-                <a:latin typeface="Quattrocento Sans"/>
-                <a:ea typeface="Quattrocento Sans"/>
-                <a:cs typeface="Quattrocento Sans"/>
-                <a:sym typeface="Quattrocento Sans"/>
-              </a:rPr>
-              <a:t>D</a:t>
-            </a:r>
-            <a:endParaRPr sz="1400" b="0" i="0" u="none" strike="noStrike" cap="none">
-              <a:solidFill>
-                <a:srgbClr val="000000"/>
-              </a:solidFill>
-              <a:latin typeface="Arial"/>
-              <a:ea typeface="Arial"/>
-              <a:cs typeface="Arial"/>
-              <a:sym typeface="Arial"/>
-            </a:endParaRPr>
-          </a:p>
-        </p:txBody>
-      </p:sp>
-      <p:sp>
-        <p:nvSpPr>
-          <p:cNvPr id="41" name="Google Shape;41;p1"/>
-          <p:cNvSpPr/>
-          <p:nvPr/>
-        </p:nvSpPr>
-        <p:spPr>
-          <a:xfrm>
-            <a:off x="7452320" y="6503004"/>
-            <a:ext cx="432048" cy="216024"/>
-          </a:xfrm>
-          <a:prstGeom prst="chevron">
-            <a:avLst>
-              <a:gd name="adj" fmla="val 50000"/>
-            </a:avLst>
-          </a:prstGeom>
-          <a:solidFill>
-            <a:srgbClr val="D8D8D8"/>
-          </a:solidFill>
-          <a:ln>
-            <a:noFill/>
-          </a:ln>
-        </p:spPr>
-        <p:txBody>
-          <a:bodyPr spcFirstLastPara="1" wrap="square" lIns="91425" tIns="45700" rIns="91425" bIns="45700" anchor="ctr" anchorCtr="0">
-            <a:noAutofit/>
-          </a:bodyPr>
-          <a:lstStyle/>
-          <a:p>
-            <a:pPr marL="0" marR="0" lvl="0" indent="0" algn="ctr" rtl="0">
-              <a:lnSpc>
-                <a:spcPct val="100000"/>
-              </a:lnSpc>
-              <a:spcBef>
-                <a:spcPts val="0"/>
-              </a:spcBef>
-              <a:spcAft>
-                <a:spcPts val="0"/>
-              </a:spcAft>
-              <a:buClr>
-                <a:srgbClr val="000000"/>
-              </a:buClr>
-              <a:buSzPts val="1200"/>
-              <a:buFont typeface="Arial"/>
-              <a:buNone/>
-            </a:pPr>
-            <a:r>
-              <a:rPr lang="en-AU" sz="1200" b="1" i="0" u="none" strike="noStrike" cap="none">
-                <a:solidFill>
-                  <a:schemeClr val="lt1"/>
-                </a:solidFill>
-                <a:latin typeface="Quattrocento Sans"/>
-                <a:ea typeface="Quattrocento Sans"/>
-                <a:cs typeface="Quattrocento Sans"/>
-                <a:sym typeface="Quattrocento Sans"/>
-              </a:rPr>
-              <a:t>E</a:t>
-            </a:r>
-            <a:endParaRPr sz="1400" b="0" i="0" u="none" strike="noStrike" cap="none">
-              <a:solidFill>
-                <a:srgbClr val="000000"/>
-              </a:solidFill>
-              <a:latin typeface="Arial"/>
-              <a:ea typeface="Arial"/>
-              <a:cs typeface="Arial"/>
-              <a:sym typeface="Arial"/>
-            </a:endParaRPr>
-          </a:p>
-        </p:txBody>
-      </p:sp>
-      <p:sp>
-        <p:nvSpPr>
-          <p:cNvPr id="42" name="Google Shape;42;p1"/>
-          <p:cNvSpPr/>
-          <p:nvPr/>
-        </p:nvSpPr>
-        <p:spPr>
-          <a:xfrm>
-            <a:off x="7846662" y="6508081"/>
-            <a:ext cx="432048" cy="216024"/>
-          </a:xfrm>
-          <a:prstGeom prst="chevron">
-            <a:avLst>
-              <a:gd name="adj" fmla="val 50000"/>
-            </a:avLst>
-          </a:prstGeom>
-          <a:solidFill>
-            <a:srgbClr val="D8D8D8"/>
-          </a:solidFill>
-          <a:ln>
-            <a:noFill/>
-          </a:ln>
-        </p:spPr>
-        <p:txBody>
-          <a:bodyPr spcFirstLastPara="1" wrap="square" lIns="91425" tIns="45700" rIns="91425" bIns="45700" anchor="ctr" anchorCtr="0">
-            <a:noAutofit/>
-          </a:bodyPr>
-          <a:lstStyle/>
-          <a:p>
-            <a:pPr marL="0" marR="0" lvl="0" indent="0" algn="ctr" rtl="0">
-              <a:lnSpc>
-                <a:spcPct val="100000"/>
-              </a:lnSpc>
-              <a:spcBef>
-                <a:spcPts val="0"/>
-              </a:spcBef>
-              <a:spcAft>
-                <a:spcPts val="0"/>
-              </a:spcAft>
-              <a:buClr>
-                <a:srgbClr val="000000"/>
-              </a:buClr>
-              <a:buSzPts val="1200"/>
-              <a:buFont typeface="Arial"/>
-              <a:buNone/>
-            </a:pPr>
-            <a:r>
-              <a:rPr lang="en-AU" sz="1200" b="1" i="0" u="none" strike="noStrike" cap="none">
-                <a:solidFill>
-                  <a:schemeClr val="lt1"/>
-                </a:solidFill>
-                <a:latin typeface="Quattrocento Sans"/>
-                <a:ea typeface="Quattrocento Sans"/>
-                <a:cs typeface="Quattrocento Sans"/>
-                <a:sym typeface="Quattrocento Sans"/>
-              </a:rPr>
-              <a:t>I</a:t>
-            </a:r>
-            <a:endParaRPr sz="1400" b="0" i="0" u="none" strike="noStrike" cap="none">
-              <a:solidFill>
-                <a:srgbClr val="000000"/>
-              </a:solidFill>
-              <a:latin typeface="Arial"/>
-              <a:ea typeface="Arial"/>
-              <a:cs typeface="Arial"/>
-              <a:sym typeface="Arial"/>
-            </a:endParaRPr>
-          </a:p>
-        </p:txBody>
-      </p:sp>
-      <p:sp>
-        <p:nvSpPr>
-          <p:cNvPr id="43" name="Google Shape;43;p1"/>
-          <p:cNvSpPr/>
-          <p:nvPr/>
-        </p:nvSpPr>
-        <p:spPr>
-          <a:xfrm>
-            <a:off x="8245692" y="6503004"/>
-            <a:ext cx="432048" cy="216024"/>
-          </a:xfrm>
-          <a:prstGeom prst="chevron">
-            <a:avLst>
-              <a:gd name="adj" fmla="val 50000"/>
-            </a:avLst>
-          </a:prstGeom>
-          <a:solidFill>
-            <a:srgbClr val="D8D8D8"/>
-          </a:solidFill>
-          <a:ln>
-            <a:noFill/>
-          </a:ln>
-        </p:spPr>
-        <p:txBody>
-          <a:bodyPr spcFirstLastPara="1" wrap="square" lIns="91425" tIns="45700" rIns="91425" bIns="45700" anchor="ctr" anchorCtr="0">
-            <a:noAutofit/>
-          </a:bodyPr>
-          <a:lstStyle/>
-          <a:p>
-            <a:pPr marL="0" marR="0" lvl="0" indent="0" algn="ctr" rtl="0">
-              <a:lnSpc>
-                <a:spcPct val="100000"/>
-              </a:lnSpc>
-              <a:spcBef>
-                <a:spcPts val="0"/>
-              </a:spcBef>
-              <a:spcAft>
-                <a:spcPts val="0"/>
-              </a:spcAft>
-              <a:buClr>
-                <a:srgbClr val="000000"/>
-              </a:buClr>
-              <a:buSzPts val="1200"/>
-              <a:buFont typeface="Arial"/>
-              <a:buNone/>
-            </a:pPr>
-            <a:r>
-              <a:rPr lang="en-AU" sz="1200" b="1" i="0" u="none" strike="noStrike" cap="none">
-                <a:solidFill>
-                  <a:schemeClr val="lt1"/>
-                </a:solidFill>
-                <a:latin typeface="Quattrocento Sans"/>
-                <a:ea typeface="Quattrocento Sans"/>
-                <a:cs typeface="Quattrocento Sans"/>
-                <a:sym typeface="Quattrocento Sans"/>
-              </a:rPr>
-              <a:t>P</a:t>
-            </a:r>
-            <a:endParaRPr sz="1400" b="0" i="0" u="none" strike="noStrike" cap="none">
-              <a:solidFill>
-                <a:srgbClr val="000000"/>
-              </a:solidFill>
-              <a:latin typeface="Arial"/>
-              <a:ea typeface="Arial"/>
-              <a:cs typeface="Arial"/>
-              <a:sym typeface="Arial"/>
-            </a:endParaRPr>
-          </a:p>
-        </p:txBody>
-      </p:sp>
-      <p:sp>
-        <p:nvSpPr>
-          <p:cNvPr id="44" name="Google Shape;44;p1"/>
-          <p:cNvSpPr/>
-          <p:nvPr/>
-        </p:nvSpPr>
-        <p:spPr>
-          <a:xfrm>
-            <a:off x="8099130" y="707128"/>
-            <a:ext cx="432048" cy="205317"/>
-          </a:xfrm>
-          <a:prstGeom prst="chevron">
-            <a:avLst>
-              <a:gd name="adj" fmla="val 50000"/>
-            </a:avLst>
-          </a:prstGeom>
-          <a:solidFill>
-            <a:schemeClr val="accent4"/>
-          </a:solidFill>
-          <a:ln w="9525" cap="flat" cmpd="sng">
-            <a:solidFill>
-              <a:schemeClr val="dk2"/>
-            </a:solidFill>
-            <a:prstDash val="solid"/>
-            <a:round/>
-            <a:headEnd type="none" w="sm" len="sm"/>
-            <a:tailEnd type="none" w="sm" len="sm"/>
-          </a:ln>
-        </p:spPr>
-        <p:txBody>
-          <a:bodyPr spcFirstLastPara="1" wrap="square" lIns="91425" tIns="45700" rIns="91425" bIns="45700" anchor="ctr" anchorCtr="0">
-            <a:noAutofit/>
-          </a:bodyPr>
-          <a:lstStyle/>
-          <a:p>
-            <a:pPr marL="0" marR="0" lvl="0" indent="0" algn="ctr" rtl="0">
-              <a:lnSpc>
-                <a:spcPct val="100000"/>
-              </a:lnSpc>
-              <a:spcBef>
-                <a:spcPts val="0"/>
-              </a:spcBef>
-              <a:spcAft>
-                <a:spcPts val="0"/>
-              </a:spcAft>
-              <a:buClr>
-                <a:srgbClr val="000000"/>
-              </a:buClr>
-              <a:buSzPts val="1200"/>
-              <a:buFont typeface="Arial"/>
-              <a:buNone/>
-            </a:pPr>
-            <a:r>
-              <a:rPr lang="en-AU" sz="1200" b="1" i="0" u="none" strike="noStrike" cap="none">
-                <a:solidFill>
-                  <a:schemeClr val="lt1"/>
-                </a:solidFill>
-                <a:latin typeface="Quattrocento Sans"/>
-                <a:ea typeface="Quattrocento Sans"/>
-                <a:cs typeface="Quattrocento Sans"/>
-                <a:sym typeface="Quattrocento Sans"/>
-              </a:rPr>
-              <a:t>H</a:t>
-            </a:r>
-            <a:endParaRPr sz="1400" b="0" i="0" u="none" strike="noStrike" cap="none">
-              <a:solidFill>
-                <a:srgbClr val="000000"/>
-              </a:solidFill>
-              <a:latin typeface="Arial"/>
-              <a:ea typeface="Arial"/>
-              <a:cs typeface="Arial"/>
-              <a:sym typeface="Arial"/>
-            </a:endParaRPr>
-          </a:p>
-        </p:txBody>
-      </p:sp>
-      <p:sp>
-        <p:nvSpPr>
-          <p:cNvPr id="45" name="Google Shape;45;p1"/>
-          <p:cNvSpPr/>
-          <p:nvPr/>
-        </p:nvSpPr>
-        <p:spPr>
-          <a:xfrm>
-            <a:off x="121750" y="116631"/>
-            <a:ext cx="7724912" cy="1307328"/>
-          </a:xfrm>
-          <a:prstGeom prst="wedgeRectCallout">
-            <a:avLst>
-              <a:gd name="adj1" fmla="val 53513"/>
-              <a:gd name="adj2" fmla="val 6588"/>
-            </a:avLst>
-          </a:prstGeom>
-          <a:solidFill>
-            <a:srgbClr val="FEF2DA"/>
+            <a:schemeClr val="accent1">
+              <a:lumMod val="20000"/>
+              <a:lumOff val="80000"/>
+            </a:schemeClr>
           </a:solidFill>
           <a:ln>
             <a:noFill/>
@@ -5703,10 +7124,6 @@
           </p:nvPr>
         </p:nvSpPr>
         <p:spPr>
-          <a:xfrm>
-            <a:off x="184140" y="189590"/>
-            <a:ext cx="8793596" cy="307777"/>
-          </a:xfrm>
           <a:prstGeom prst="rect">
             <a:avLst/>
           </a:prstGeom>
@@ -5735,18 +7152,26 @@
               <a:buNone/>
             </a:pPr>
             <a:r>
-              <a:rPr lang="en-AU" sz="2000">
-                <a:solidFill>
-                  <a:srgbClr val="29748D"/>
+              <a:rPr lang="en-AU" sz="2000" b="1" dirty="0">
+                <a:solidFill>
+                  <a:schemeClr val="accent6">
+                    <a:lumMod val="50000"/>
+                  </a:schemeClr>
                 </a:solidFill>
                 <a:latin typeface="Quattrocento Sans"/>
                 <a:ea typeface="Quattrocento Sans"/>
                 <a:cs typeface="Quattrocento Sans"/>
                 <a:sym typeface="Quattrocento Sans"/>
               </a:rPr>
-              <a:t>Problem Statement Worksheet (Hypothesis Formation)</a:t>
-            </a:r>
-            <a:endParaRPr/>
+              <a:t>Problem Statement</a:t>
+            </a:r>
+            <a:endParaRPr b="1" dirty="0">
+              <a:solidFill>
+                <a:schemeClr val="accent6">
+                  <a:lumMod val="50000"/>
+                </a:schemeClr>
+              </a:solidFill>
+            </a:endParaRPr>
           </a:p>
         </p:txBody>
       </p:sp>
@@ -5758,7 +7183,7 @@
         </p:nvSpPr>
         <p:spPr>
           <a:xfrm>
-            <a:off x="4590928" y="3384105"/>
+            <a:off x="4593520" y="3444449"/>
             <a:ext cx="4324418" cy="1554761"/>
           </a:xfrm>
           <a:prstGeom prst="rect">
@@ -5781,37 +7206,41 @@
               </a:spcBef>
             </a:pPr>
             <a:r>
-              <a:rPr lang="en-US" sz="1050" b="0" i="0" u="sng" strike="noStrike" cap="none" dirty="0">
+              <a:rPr lang="en-US" sz="1100" b="0" i="0" u="sng" strike="noStrike" cap="none" dirty="0">
                 <a:solidFill>
                   <a:schemeClr val="tx1"/>
                 </a:solidFill>
-                <a:latin typeface="Arial"/>
                 <a:ea typeface="Arial"/>
                 <a:cs typeface="Arial"/>
                 <a:sym typeface="Arial"/>
               </a:rPr>
-              <a:t>Decision taker: </a:t>
-            </a:r>
-          </a:p>
-          <a:p>
-            <a:pPr marL="171450" indent="-171450">
+              <a:t>Decision maker: </a:t>
+            </a:r>
+          </a:p>
+          <a:p>
+            <a:pPr marL="171450" marR="0" lvl="0" indent="-171450" algn="l" rtl="0">
+              <a:lnSpc>
+                <a:spcPct val="100000"/>
+              </a:lnSpc>
               <a:spcBef>
                 <a:spcPts val="600"/>
               </a:spcBef>
+              <a:spcAft>
+                <a:spcPts val="600"/>
+              </a:spcAft>
               <a:buFont typeface="Arial" panose="020B0604020202020204" pitchFamily="34" charset="0"/>
               <a:buChar char="•"/>
             </a:pPr>
             <a:r>
-              <a:rPr lang="en-US" sz="1050" b="0" i="0" u="none" strike="noStrike" cap="none" dirty="0">
+              <a:rPr lang="en-US" sz="1100" b="0" i="0" u="none" strike="noStrike" cap="none" dirty="0">
                 <a:solidFill>
                   <a:schemeClr val="tx1"/>
                 </a:solidFill>
-                <a:latin typeface="Arial"/>
                 <a:ea typeface="Arial"/>
                 <a:cs typeface="Arial"/>
                 <a:sym typeface="Arial"/>
               </a:rPr>
-              <a:t>Investors (Board of Directors)</a:t>
+              <a:t>Jimmy Blackburn  - Director of Operations</a:t>
             </a:r>
           </a:p>
           <a:p>
@@ -5827,11 +7256,10 @@
               </a:spcAft>
             </a:pPr>
             <a:r>
-              <a:rPr lang="en-US" sz="1050" b="0" i="0" u="sng" strike="noStrike" cap="none" dirty="0">
+              <a:rPr lang="en-US" sz="1100" b="0" i="0" u="sng" strike="noStrike" cap="none" dirty="0">
                 <a:solidFill>
                   <a:schemeClr val="tx1"/>
                 </a:solidFill>
-                <a:latin typeface="Arial"/>
                 <a:ea typeface="Arial"/>
                 <a:cs typeface="Arial"/>
                 <a:sym typeface="Arial"/>
@@ -5844,23 +7272,25 @@
               <a:lnSpc>
                 <a:spcPct val="100000"/>
               </a:lnSpc>
+              <a:spcBef>
+                <a:spcPts val="600"/>
+              </a:spcBef>
               <a:spcAft>
-                <a:spcPts val="0"/>
+                <a:spcPts val="600"/>
               </a:spcAft>
               <a:buFont typeface="Arial" panose="020B0604020202020204" pitchFamily="34" charset="0"/>
               <a:buChar char="•"/>
             </a:pPr>
             <a:r>
-              <a:rPr lang="en-US" sz="1050" b="0" i="0" u="none" strike="noStrike" cap="none" dirty="0">
+              <a:rPr lang="en-US" sz="1100" b="0" i="0" u="none" strike="noStrike" cap="none" dirty="0">
                 <a:solidFill>
                   <a:schemeClr val="tx1"/>
                 </a:solidFill>
-                <a:latin typeface="Arial"/>
                 <a:ea typeface="Arial"/>
                 <a:cs typeface="Arial"/>
                 <a:sym typeface="Arial"/>
               </a:rPr>
-              <a:t>Database Manager</a:t>
+              <a:t>Alesha Eisen - Database Manager</a:t>
             </a:r>
           </a:p>
         </p:txBody>
@@ -5874,7 +7304,7 @@
         <p:spPr>
           <a:xfrm>
             <a:off x="184140" y="540900"/>
-            <a:ext cx="7662522" cy="865340"/>
+            <a:ext cx="8698510" cy="865340"/>
           </a:xfrm>
           <a:prstGeom prst="rect">
             <a:avLst/>
@@ -5886,7 +7316,7 @@
         </p:spPr>
         <p:txBody>
           <a:bodyPr spcFirstLastPara="1" wrap="square" lIns="91425" tIns="45700" rIns="91425" bIns="45700" anchor="t" anchorCtr="0">
-            <a:normAutofit fontScale="85000" lnSpcReduction="10000"/>
+            <a:noAutofit/>
           </a:bodyPr>
           <a:lstStyle/>
           <a:p>
@@ -5908,9 +7338,11 @@
               <a:buChar char="•"/>
             </a:pPr>
             <a:r>
-              <a:rPr lang="en-AU" sz="1400" b="1" i="0" u="none" strike="noStrike" cap="none" dirty="0">
-                <a:solidFill>
-                  <a:srgbClr val="000000"/>
+              <a:rPr lang="en-AU" sz="1300" b="1" i="0" u="none" strike="noStrike" cap="none" dirty="0">
+                <a:solidFill>
+                  <a:schemeClr val="accent6">
+                    <a:lumMod val="50000"/>
+                  </a:schemeClr>
                 </a:solidFill>
                 <a:latin typeface="Arial"/>
                 <a:ea typeface="Arial"/>
@@ -5920,13 +7352,21 @@
               <a:t>What are the options to absorb the </a:t>
             </a:r>
             <a:r>
-              <a:rPr lang="en-AU" b="1" dirty="0"/>
+              <a:rPr lang="en-AU" sz="1300" b="1" dirty="0">
+                <a:solidFill>
+                  <a:schemeClr val="accent6">
+                    <a:lumMod val="50000"/>
+                  </a:schemeClr>
+                </a:solidFill>
+              </a:rPr>
               <a:t>operating cost increase from </a:t>
             </a:r>
             <a:r>
-              <a:rPr lang="en-AU" sz="1400" b="1" i="0" u="none" strike="noStrike" cap="none" dirty="0">
-                <a:solidFill>
-                  <a:srgbClr val="000000"/>
+              <a:rPr lang="en-AU" sz="1300" b="1" i="0" u="none" strike="noStrike" cap="none" dirty="0">
+                <a:solidFill>
+                  <a:schemeClr val="accent6">
+                    <a:lumMod val="50000"/>
+                  </a:schemeClr>
                 </a:solidFill>
                 <a:latin typeface="Arial"/>
                 <a:ea typeface="Arial"/>
@@ -5936,17 +7376,31 @@
               <a:t>the new chair lift </a:t>
             </a:r>
             <a:r>
-              <a:rPr lang="en-AU" b="1" dirty="0"/>
+              <a:rPr lang="en-AU" sz="1300" b="1" dirty="0">
+                <a:solidFill>
+                  <a:schemeClr val="accent6">
+                    <a:lumMod val="50000"/>
+                  </a:schemeClr>
+                </a:solidFill>
+              </a:rPr>
               <a:t>installation (</a:t>
             </a:r>
             <a:r>
-              <a:rPr lang="en-US" b="1" dirty="0"/>
+              <a:rPr lang="en-US" sz="1300" b="1" dirty="0">
+                <a:solidFill>
+                  <a:schemeClr val="accent6">
+                    <a:lumMod val="50000"/>
+                  </a:schemeClr>
+                </a:solidFill>
+              </a:rPr>
               <a:t>$1,540,000) </a:t>
             </a:r>
             <a:r>
-              <a:rPr lang="en-AU" sz="1400" b="1" i="0" u="none" strike="noStrike" cap="none" dirty="0">
-                <a:solidFill>
-                  <a:srgbClr val="000000"/>
+              <a:rPr lang="en-AU" sz="1300" b="1" i="0" u="none" strike="noStrike" cap="none" dirty="0">
+                <a:solidFill>
+                  <a:schemeClr val="accent6">
+                    <a:lumMod val="50000"/>
+                  </a:schemeClr>
                 </a:solidFill>
                 <a:latin typeface="Arial"/>
                 <a:ea typeface="Arial"/>
@@ -5975,13 +7429,21 @@
               <a:buChar char="•"/>
             </a:pPr>
             <a:r>
-              <a:rPr lang="en-US" b="1" dirty="0"/>
+              <a:rPr lang="en-US" sz="1300" b="1" dirty="0">
+                <a:solidFill>
+                  <a:schemeClr val="accent6">
+                    <a:lumMod val="50000"/>
+                  </a:schemeClr>
+                </a:solidFill>
+              </a:rPr>
               <a:t>W</a:t>
             </a:r>
             <a:r>
-              <a:rPr lang="en-US" sz="1400" b="1" i="0" u="none" strike="noStrike" cap="none" dirty="0">
-                <a:solidFill>
-                  <a:srgbClr val="000000"/>
+              <a:rPr lang="en-US" sz="1300" b="1" i="0" u="none" strike="noStrike" cap="none" dirty="0">
+                <a:solidFill>
+                  <a:schemeClr val="accent6">
+                    <a:lumMod val="50000"/>
+                  </a:schemeClr>
                 </a:solidFill>
                 <a:latin typeface="Arial"/>
                 <a:ea typeface="Arial"/>
@@ -5990,9 +7452,11 @@
               </a:rPr>
               <a:t>hat is the expected annual revenue for present fiscal year if changes proposed are implemented?</a:t>
             </a:r>
-            <a:endParaRPr sz="1400" b="1" i="0" u="none" strike="noStrike" cap="none" dirty="0">
+            <a:endParaRPr sz="1300" b="1" i="0" u="none" strike="noStrike" cap="none" dirty="0">
               <a:solidFill>
-                <a:srgbClr val="000000"/>
+                <a:schemeClr val="accent6">
+                  <a:lumMod val="50000"/>
+                </a:schemeClr>
               </a:solidFill>
               <a:latin typeface="Arial"/>
               <a:ea typeface="Arial"/>
@@ -6011,49 +7475,49 @@
 </file>
 
 <file path=ppt/theme/theme1.xml><?xml version="1.0" encoding="utf-8"?>
-<a:theme xmlns:a="http://schemas.openxmlformats.org/drawingml/2006/main" name="Synergy_CF_YNR002">
+<a:theme xmlns:a="http://schemas.openxmlformats.org/drawingml/2006/main" name="Retrospect">
   <a:themeElements>
-    <a:clrScheme name="Current">
+    <a:clrScheme name="Retrospect">
       <a:dk1>
-        <a:srgbClr val="002C46"/>
+        <a:srgbClr val="000000"/>
       </a:dk1>
       <a:lt1>
-        <a:srgbClr val="FFFFFF"/>
+        <a:sysClr val="window" lastClr="FFFFFF"/>
       </a:lt1>
       <a:dk2>
-        <a:srgbClr val="FBC14E"/>
+        <a:srgbClr val="637052"/>
       </a:dk2>
       <a:lt2>
-        <a:srgbClr val="879C16"/>
+        <a:srgbClr val="CCDDEA"/>
       </a:lt2>
       <a:accent1>
-        <a:srgbClr val="99AABE"/>
+        <a:srgbClr val="E48312"/>
       </a:accent1>
       <a:accent2>
-        <a:srgbClr val="406085"/>
+        <a:srgbClr val="BD582C"/>
       </a:accent2>
       <a:accent3>
-        <a:srgbClr val="002C46"/>
+        <a:srgbClr val="865640"/>
       </a:accent3>
       <a:accent4>
-        <a:srgbClr val="FBC14E"/>
+        <a:srgbClr val="9B8357"/>
       </a:accent4>
       <a:accent5>
-        <a:srgbClr val="379BBD"/>
+        <a:srgbClr val="C2BC80"/>
       </a:accent5>
       <a:accent6>
-        <a:srgbClr val="808080"/>
+        <a:srgbClr val="94A088"/>
       </a:accent6>
       <a:hlink>
-        <a:srgbClr val="002C46"/>
+        <a:srgbClr val="2998E3"/>
       </a:hlink>
       <a:folHlink>
-        <a:srgbClr val="FBC14E"/>
+        <a:srgbClr val="8C8C8C"/>
       </a:folHlink>
     </a:clrScheme>
-    <a:fontScheme name="Office">
+    <a:fontScheme name="Retrospect">
       <a:majorFont>
-        <a:latin typeface="Arial"/>
+        <a:latin typeface="Calibri Light" panose="020F0302020204030204"/>
         <a:ea typeface=""/>
         <a:cs typeface=""/>
         <a:font script="Jpan" typeface="ＭＳ Ｐゴシック"/>
@@ -6088,7 +7552,7 @@
         <a:font script="Geor" typeface="Sylfaen"/>
       </a:majorFont>
       <a:minorFont>
-        <a:latin typeface="Arial"/>
+        <a:latin typeface="Calibri" panose="020F0502020204030204"/>
         <a:ea typeface=""/>
         <a:cs typeface=""/>
         <a:font script="Jpan" typeface="ＭＳ Ｐゴシック"/>
@@ -6123,7 +7587,7 @@
         <a:font script="Geor" typeface="Sylfaen"/>
       </a:minorFont>
     </a:fontScheme>
-    <a:fmtScheme name="Office">
+    <a:fmtScheme name="Retrospect">
       <a:fillStyleLst>
         <a:solidFill>
           <a:schemeClr val="phClr"/>
@@ -6132,52 +7596,73 @@
           <a:gsLst>
             <a:gs pos="0">
               <a:schemeClr val="phClr">
-                <a:tint val="50000"/>
-                <a:satMod val="300000"/>
+                <a:tint val="65000"/>
+                <a:shade val="92000"/>
+                <a:satMod val="130000"/>
               </a:schemeClr>
             </a:gs>
-            <a:gs pos="35000">
+            <a:gs pos="45000">
               <a:schemeClr val="phClr">
-                <a:tint val="37000"/>
-                <a:satMod val="300000"/>
+                <a:tint val="60000"/>
+                <a:shade val="99000"/>
+                <a:satMod val="120000"/>
               </a:schemeClr>
             </a:gs>
             <a:gs pos="100000">
               <a:schemeClr val="phClr">
-                <a:tint val="15000"/>
-                <a:satMod val="350000"/>
+                <a:tint val="55000"/>
+                <a:satMod val="140000"/>
               </a:schemeClr>
             </a:gs>
           </a:gsLst>
-          <a:lin ang="16200000" scaled="1"/>
+          <a:path path="circle">
+            <a:fillToRect l="100000" t="100000" r="100000" b="100000"/>
+          </a:path>
         </a:gradFill>
         <a:gradFill rotWithShape="1">
           <a:gsLst>
             <a:gs pos="0">
               <a:schemeClr val="phClr">
+                <a:shade val="85000"/>
+                <a:satMod val="130000"/>
+              </a:schemeClr>
+            </a:gs>
+            <a:gs pos="34000">
+              <a:schemeClr val="phClr">
+                <a:shade val="87000"/>
+                <a:satMod val="125000"/>
+              </a:schemeClr>
+            </a:gs>
+            <a:gs pos="70000">
+              <a:schemeClr val="phClr">
                 <a:tint val="100000"/>
-                <a:shade val="100000"/>
+                <a:shade val="90000"/>
                 <a:satMod val="130000"/>
               </a:schemeClr>
             </a:gs>
             <a:gs pos="100000">
               <a:schemeClr val="phClr">
-                <a:tint val="50000"/>
+                <a:tint val="100000"/>
                 <a:shade val="100000"/>
-                <a:satMod val="350000"/>
+                <a:satMod val="110000"/>
               </a:schemeClr>
             </a:gs>
           </a:gsLst>
-          <a:lin ang="16200000" scaled="0"/>
+          <a:path path="circle">
+            <a:fillToRect l="100000" t="100000" r="100000" b="100000"/>
+          </a:path>
         </a:gradFill>
       </a:fillStyleLst>
       <a:lnStyleLst>
-        <a:ln w="9525" cap="flat" cmpd="sng" algn="ctr">
+        <a:ln w="12700" cap="flat" cmpd="sng" algn="ctr">
           <a:solidFill>
-            <a:schemeClr val="phClr">
-              <a:shade val="95000"/>
-              <a:satMod val="105000"/>
-            </a:schemeClr>
+            <a:schemeClr val="phClr"/>
+          </a:solidFill>
+          <a:prstDash val="solid"/>
+        </a:ln>
+        <a:ln w="15875" cap="flat" cmpd="sng" algn="ctr">
+          <a:solidFill>
+            <a:schemeClr val="phClr"/>
           </a:solidFill>
           <a:prstDash val="solid"/>
         </a:ln>
@@ -6187,37 +7672,25 @@
           </a:solidFill>
           <a:prstDash val="solid"/>
         </a:ln>
-        <a:ln w="38100" cap="flat" cmpd="sng" algn="ctr">
-          <a:solidFill>
-            <a:schemeClr val="phClr"/>
-          </a:solidFill>
-          <a:prstDash val="solid"/>
-        </a:ln>
       </a:lnStyleLst>
       <a:effectStyleLst>
         <a:effectStyle>
+          <a:effectLst/>
+        </a:effectStyle>
+        <a:effectStyle>
           <a:effectLst>
-            <a:outerShdw blurRad="40000" dist="20000" dir="5400000" rotWithShape="0">
+            <a:outerShdw blurRad="38100" dist="25400" dir="2700000" algn="br" rotWithShape="0">
               <a:srgbClr val="000000">
-                <a:alpha val="38000"/>
+                <a:alpha val="60000"/>
               </a:srgbClr>
             </a:outerShdw>
           </a:effectLst>
         </a:effectStyle>
         <a:effectStyle>
           <a:effectLst>
-            <a:outerShdw blurRad="40000" dist="23000" dir="5400000" rotWithShape="0">
+            <a:outerShdw blurRad="44450" dist="25400" dir="2700000" algn="br" rotWithShape="0">
               <a:srgbClr val="000000">
-                <a:alpha val="35000"/>
-              </a:srgbClr>
-            </a:outerShdw>
-          </a:effectLst>
-        </a:effectStyle>
-        <a:effectStyle>
-          <a:effectLst>
-            <a:outerShdw blurRad="40000" dist="23000" dir="5400000" rotWithShape="0">
-              <a:srgbClr val="000000">
-                <a:alpha val="35000"/>
+                <a:alpha val="60000"/>
               </a:srgbClr>
             </a:outerShdw>
           </a:effectLst>
@@ -6226,11 +7699,11 @@
               <a:rot lat="0" lon="0" rev="0"/>
             </a:camera>
             <a:lightRig rig="threePt" dir="t">
-              <a:rot lat="0" lon="0" rev="1200000"/>
+              <a:rot lat="0" lon="0" rev="19800000"/>
             </a:lightRig>
           </a:scene3d>
-          <a:sp3d>
-            <a:bevelT w="63500" h="25400"/>
+          <a:sp3d prstMaterial="flat">
+            <a:bevelT w="25400" h="31750"/>
           </a:sp3d>
         </a:effectStyle>
       </a:effectStyleLst>
@@ -6238,56 +7711,49 @@
         <a:solidFill>
           <a:schemeClr val="phClr"/>
         </a:solidFill>
+        <a:solidFill>
+          <a:schemeClr val="phClr">
+            <a:tint val="90000"/>
+            <a:shade val="97000"/>
+            <a:satMod val="130000"/>
+          </a:schemeClr>
+        </a:solidFill>
         <a:gradFill rotWithShape="1">
           <a:gsLst>
             <a:gs pos="0">
               <a:schemeClr val="phClr">
-                <a:tint val="40000"/>
-                <a:satMod val="350000"/>
+                <a:tint val="96000"/>
+                <a:shade val="99000"/>
+                <a:satMod val="140000"/>
               </a:schemeClr>
             </a:gs>
-            <a:gs pos="40000">
+            <a:gs pos="65000">
               <a:schemeClr val="phClr">
-                <a:tint val="45000"/>
-                <a:shade val="99000"/>
-                <a:satMod val="350000"/>
+                <a:tint val="100000"/>
+                <a:shade val="80000"/>
+                <a:satMod val="130000"/>
               </a:schemeClr>
             </a:gs>
             <a:gs pos="100000">
               <a:schemeClr val="phClr">
-                <a:shade val="20000"/>
-                <a:satMod val="255000"/>
+                <a:tint val="100000"/>
+                <a:shade val="48000"/>
+                <a:satMod val="120000"/>
               </a:schemeClr>
             </a:gs>
           </a:gsLst>
-          <a:path path="circle">
-            <a:fillToRect l="50000" t="-80000" r="50000" b="180000"/>
-          </a:path>
-        </a:gradFill>
-        <a:gradFill rotWithShape="1">
-          <a:gsLst>
-            <a:gs pos="0">
-              <a:schemeClr val="phClr">
-                <a:tint val="80000"/>
-                <a:satMod val="300000"/>
-              </a:schemeClr>
-            </a:gs>
-            <a:gs pos="100000">
-              <a:schemeClr val="phClr">
-                <a:shade val="30000"/>
-                <a:satMod val="200000"/>
-              </a:schemeClr>
-            </a:gs>
-          </a:gsLst>
-          <a:path path="circle">
-            <a:fillToRect l="50000" t="50000" r="50000" b="50000"/>
-          </a:path>
+          <a:lin ang="16200000" scaled="0"/>
         </a:gradFill>
       </a:bgFillStyleLst>
     </a:fmtScheme>
   </a:themeElements>
   <a:objectDefaults/>
   <a:extraClrSchemeLst/>
+  <a:extLst>
+    <a:ext uri="{05A4C25C-085E-4340-85A3-A5531E510DB2}">
+      <thm15:themeFamily xmlns:thm15="http://schemas.microsoft.com/office/thememl/2012/main" name="Retrospect" id="{5F128B03-DCCA-4EEB-AB3B-CF2899314A46}" vid="{3F1AAB62-24C6-49D2-8E01-B56FAC9A3DCD}"/>
+    </a:ext>
+  </a:extLst>
 </a:theme>
 </file>
 
